--- a/project/Präsentation CV-Prak [Di].pptx
+++ b/project/Präsentation CV-Prak [Di].pptx
@@ -5,7 +5,7 @@
     <p:sldMasterId id="2147483648" r:id="rId1"/>
   </p:sldMasterIdLst>
   <p:notesMasterIdLst>
-    <p:notesMasterId r:id="rId14"/>
+    <p:notesMasterId r:id="rId15"/>
   </p:notesMasterIdLst>
   <p:sldIdLst>
     <p:sldId id="256" r:id="rId2"/>
@@ -14,12 +14,13 @@
     <p:sldId id="259" r:id="rId5"/>
     <p:sldId id="260" r:id="rId6"/>
     <p:sldId id="261" r:id="rId7"/>
-    <p:sldId id="262" r:id="rId8"/>
-    <p:sldId id="264" r:id="rId9"/>
-    <p:sldId id="263" r:id="rId10"/>
-    <p:sldId id="266" r:id="rId11"/>
-    <p:sldId id="265" r:id="rId12"/>
-    <p:sldId id="267" r:id="rId13"/>
+    <p:sldId id="268" r:id="rId8"/>
+    <p:sldId id="262" r:id="rId9"/>
+    <p:sldId id="264" r:id="rId10"/>
+    <p:sldId id="263" r:id="rId11"/>
+    <p:sldId id="266" r:id="rId12"/>
+    <p:sldId id="265" r:id="rId13"/>
+    <p:sldId id="267" r:id="rId14"/>
   </p:sldIdLst>
   <p:sldSz cx="12192000" cy="6858000"/>
   <p:notesSz cx="6858000" cy="9144000"/>
@@ -369,7 +370,7 @@
           <a:p>
             <a:fld id="{208D4F3F-4ED1-4402-86B6-2A869C3EDED9}" type="slidenum">
               <a:rPr lang="de-DE" smtClean="0"/>
-              <a:t>‹#›</a:t>
+              <a:t>‹Nr.›</a:t>
             </a:fld>
             <a:endParaRPr lang="de-DE"/>
           </a:p>
@@ -763,7 +764,7 @@
           <a:p>
             <a:fld id="{96761CF4-FD5E-4D5A-A59C-3541EFE10B8D}" type="slidenum">
               <a:rPr lang="de-DE" smtClean="0"/>
-              <a:t>‹#›</a:t>
+              <a:t>‹Nr.›</a:t>
             </a:fld>
             <a:endParaRPr lang="de-DE"/>
           </a:p>
@@ -961,7 +962,7 @@
           <a:p>
             <a:fld id="{96761CF4-FD5E-4D5A-A59C-3541EFE10B8D}" type="slidenum">
               <a:rPr lang="de-DE" smtClean="0"/>
-              <a:t>‹#›</a:t>
+              <a:t>‹Nr.›</a:t>
             </a:fld>
             <a:endParaRPr lang="de-DE"/>
           </a:p>
@@ -1169,7 +1170,7 @@
           <a:p>
             <a:fld id="{96761CF4-FD5E-4D5A-A59C-3541EFE10B8D}" type="slidenum">
               <a:rPr lang="de-DE" smtClean="0"/>
-              <a:t>‹#›</a:t>
+              <a:t>‹Nr.›</a:t>
             </a:fld>
             <a:endParaRPr lang="de-DE"/>
           </a:p>
@@ -1367,7 +1368,7 @@
           <a:p>
             <a:fld id="{96761CF4-FD5E-4D5A-A59C-3541EFE10B8D}" type="slidenum">
               <a:rPr lang="de-DE" smtClean="0"/>
-              <a:t>‹#›</a:t>
+              <a:t>‹Nr.›</a:t>
             </a:fld>
             <a:endParaRPr lang="de-DE"/>
           </a:p>
@@ -1642,7 +1643,7 @@
           <a:p>
             <a:fld id="{96761CF4-FD5E-4D5A-A59C-3541EFE10B8D}" type="slidenum">
               <a:rPr lang="de-DE" smtClean="0"/>
-              <a:t>‹#›</a:t>
+              <a:t>‹Nr.›</a:t>
             </a:fld>
             <a:endParaRPr lang="de-DE"/>
           </a:p>
@@ -1907,7 +1908,7 @@
           <a:p>
             <a:fld id="{96761CF4-FD5E-4D5A-A59C-3541EFE10B8D}" type="slidenum">
               <a:rPr lang="de-DE" smtClean="0"/>
-              <a:t>‹#›</a:t>
+              <a:t>‹Nr.›</a:t>
             </a:fld>
             <a:endParaRPr lang="de-DE"/>
           </a:p>
@@ -2319,7 +2320,7 @@
           <a:p>
             <a:fld id="{96761CF4-FD5E-4D5A-A59C-3541EFE10B8D}" type="slidenum">
               <a:rPr lang="de-DE" smtClean="0"/>
-              <a:t>‹#›</a:t>
+              <a:t>‹Nr.›</a:t>
             </a:fld>
             <a:endParaRPr lang="de-DE"/>
           </a:p>
@@ -2460,7 +2461,7 @@
           <a:p>
             <a:fld id="{96761CF4-FD5E-4D5A-A59C-3541EFE10B8D}" type="slidenum">
               <a:rPr lang="de-DE" smtClean="0"/>
-              <a:t>‹#›</a:t>
+              <a:t>‹Nr.›</a:t>
             </a:fld>
             <a:endParaRPr lang="de-DE"/>
           </a:p>
@@ -2573,7 +2574,7 @@
           <a:p>
             <a:fld id="{96761CF4-FD5E-4D5A-A59C-3541EFE10B8D}" type="slidenum">
               <a:rPr lang="de-DE" smtClean="0"/>
-              <a:t>‹#›</a:t>
+              <a:t>‹Nr.›</a:t>
             </a:fld>
             <a:endParaRPr lang="de-DE"/>
           </a:p>
@@ -2884,7 +2885,7 @@
           <a:p>
             <a:fld id="{96761CF4-FD5E-4D5A-A59C-3541EFE10B8D}" type="slidenum">
               <a:rPr lang="de-DE" smtClean="0"/>
-              <a:t>‹#›</a:t>
+              <a:t>‹Nr.›</a:t>
             </a:fld>
             <a:endParaRPr lang="de-DE"/>
           </a:p>
@@ -3172,7 +3173,7 @@
           <a:p>
             <a:fld id="{96761CF4-FD5E-4D5A-A59C-3541EFE10B8D}" type="slidenum">
               <a:rPr lang="de-DE" smtClean="0"/>
-              <a:t>‹#›</a:t>
+              <a:t>‹Nr.›</a:t>
             </a:fld>
             <a:endParaRPr lang="de-DE"/>
           </a:p>
@@ -3449,7 +3450,7 @@
           <a:p>
             <a:fld id="{96761CF4-FD5E-4D5A-A59C-3541EFE10B8D}" type="slidenum">
               <a:rPr lang="de-DE" smtClean="0"/>
-              <a:t>‹#›</a:t>
+              <a:t>‹Nr.›</a:t>
             </a:fld>
             <a:endParaRPr lang="de-DE"/>
           </a:p>
@@ -3935,7 +3936,7 @@
           <a:p>
             <a:r>
               <a:rPr lang="de-DE" dirty="0"/>
-              <a:t>CNN- Probleme &amp; Optimierung</a:t>
+              <a:t>CNN- Parameter (am Ende)</a:t>
             </a:r>
           </a:p>
         </p:txBody>
@@ -3961,112 +3962,191 @@
           <a:bodyPr/>
           <a:lstStyle/>
           <a:p>
-            <a:pPr marL="0" indent="0">
-              <a:buNone/>
-            </a:pPr>
-            <a:r>
-              <a:rPr lang="de-DE" sz="3200" b="1" dirty="0"/>
-              <a:t>Probleme</a:t>
-            </a:r>
-          </a:p>
-          <a:p>
-            <a:pPr marL="0" indent="0">
-              <a:buNone/>
-            </a:pPr>
-            <a:r>
-              <a:rPr lang="de-DE" b="1" dirty="0"/>
-              <a:t>Overfitting: </a:t>
-            </a:r>
             <a:r>
               <a:rPr lang="de-DE" dirty="0"/>
-              <a:t>Daten werden auswendig gelernt; keine Generalisierung</a:t>
-            </a:r>
-          </a:p>
-          <a:p>
-            <a:pPr marL="0" indent="0">
-              <a:buNone/>
-            </a:pPr>
-            <a:r>
-              <a:rPr lang="de-DE" b="1" dirty="0"/>
-              <a:t>Zu wenig Daten: </a:t>
-            </a:r>
+              <a:t>Loss: Categorical Crossentropy</a:t>
+            </a:r>
+          </a:p>
+          <a:p>
             <a:r>
               <a:rPr lang="de-DE" dirty="0"/>
-              <a:t>Schlechtere Performance</a:t>
-            </a:r>
-          </a:p>
-          <a:p>
-            <a:pPr marL="0" indent="0">
-              <a:buNone/>
-            </a:pPr>
-            <a:r>
-              <a:rPr lang="de-DE" b="1" dirty="0"/>
-              <a:t>Tradeoff: </a:t>
-            </a:r>
+              <a:t>Optimizer: SGD</a:t>
+            </a:r>
+          </a:p>
+          <a:p>
             <a:r>
               <a:rPr lang="de-DE" dirty="0"/>
-              <a:t>Leistung vs. Zeitverbrauch</a:t>
-            </a:r>
-          </a:p>
-          <a:p>
-            <a:pPr marL="0" indent="0">
-              <a:buNone/>
-            </a:pPr>
+              <a:t>Learning Rate: 0.01</a:t>
+            </a:r>
+          </a:p>
+          <a:p>
             <a:endParaRPr lang="de-DE" dirty="0"/>
           </a:p>
           <a:p>
-            <a:pPr marL="0" indent="0">
-              <a:buNone/>
-            </a:pPr>
             <a:r>
               <a:rPr lang="de-DE" dirty="0"/>
-              <a:t>-&gt; </a:t>
-            </a:r>
-            <a:r>
-              <a:rPr lang="de-DE" b="1" dirty="0"/>
-              <a:t>Early Stopping: </a:t>
-            </a:r>
+              <a:t>Input Size: 2000 je Klasse</a:t>
+            </a:r>
+          </a:p>
+          <a:p>
             <a:r>
               <a:rPr lang="de-DE" dirty="0"/>
-              <a:t>Spart Zeit, wenn sich nichts mehr tut</a:t>
-            </a:r>
-          </a:p>
-          <a:p>
-            <a:pPr marL="0" indent="0">
-              <a:buNone/>
-            </a:pPr>
+              <a:t>Validation Split: 80:20</a:t>
+            </a:r>
+          </a:p>
+          <a:p>
             <a:r>
               <a:rPr lang="de-DE" dirty="0"/>
-              <a:t>-&gt; </a:t>
-            </a:r>
-            <a:r>
-              <a:rPr lang="de-DE" b="1" dirty="0"/>
-              <a:t>Save Best Weights: </a:t>
-            </a:r>
+              <a:t>Batch Size: 32</a:t>
+            </a:r>
+          </a:p>
+          <a:p>
             <a:r>
               <a:rPr lang="de-DE" dirty="0"/>
-              <a:t>Merke gute Parameter</a:t>
-            </a:r>
-          </a:p>
-          <a:p>
-            <a:pPr marL="0" indent="0">
-              <a:buNone/>
-            </a:pPr>
-            <a:r>
-              <a:rPr lang="de-DE" dirty="0"/>
-              <a:t>-&gt; </a:t>
-            </a:r>
-            <a:r>
-              <a:rPr lang="de-DE" b="1" dirty="0"/>
-              <a:t>Restrukturierung des CNNs</a:t>
-            </a:r>
-          </a:p>
-        </p:txBody>
-      </p:sp>
+              <a:t>Epochen: 200</a:t>
+            </a:r>
+          </a:p>
+          <a:p>
+            <a:endParaRPr lang="de-DE" dirty="0"/>
+          </a:p>
+        </p:txBody>
+      </p:sp>
+      <p:sp>
+        <p:nvSpPr>
+          <p:cNvPr id="6" name="TextBox 5">
+            <a:extLst>
+              <a:ext uri="{FF2B5EF4-FFF2-40B4-BE49-F238E27FC236}">
+                <a16:creationId xmlns:a16="http://schemas.microsoft.com/office/drawing/2014/main" id="{A8D97ADF-2896-4CB5-9406-AC15E0A51683}"/>
+              </a:ext>
+            </a:extLst>
+          </p:cNvPr>
+          <p:cNvSpPr txBox="1"/>
+          <p:nvPr/>
+        </p:nvSpPr>
+        <p:spPr>
+          <a:xfrm>
+            <a:off x="838200" y="6311900"/>
+            <a:ext cx="10934700" cy="369332"/>
+          </a:xfrm>
+          <a:prstGeom prst="rect">
+            <a:avLst/>
+          </a:prstGeom>
+          <a:noFill/>
+        </p:spPr>
+        <p:txBody>
+          <a:bodyPr wrap="square" rtlCol="0">
+            <a:spAutoFit/>
+          </a:bodyPr>
+          <a:lstStyle/>
+          <a:p>
+            <a:r>
+              <a:rPr lang="en-US" dirty="0" err="1"/>
+              <a:t>Bildausschnitt</a:t>
+            </a:r>
+            <a:r>
+              <a:rPr lang="en-US" dirty="0"/>
+              <a:t> (</a:t>
+            </a:r>
+            <a:r>
+              <a:rPr lang="en-US" dirty="0" err="1"/>
+              <a:t>oben</a:t>
+            </a:r>
+            <a:r>
+              <a:rPr lang="en-US" dirty="0"/>
+              <a:t>): http://</a:t>
+            </a:r>
+            <a:r>
+              <a:rPr lang="en-US" dirty="0" err="1"/>
+              <a:t>neuronus.com</a:t>
+            </a:r>
+            <a:r>
+              <a:rPr lang="en-US" dirty="0"/>
+              <a:t>/images/news/2017_04/</a:t>
+            </a:r>
+            <a:r>
+              <a:rPr lang="en-US" dirty="0" err="1"/>
+              <a:t>4ff3daca463adbb35a3b725bccf05273.png</a:t>
+            </a:r>
+            <a:endParaRPr lang="en-US" dirty="0"/>
+          </a:p>
+        </p:txBody>
+      </p:sp>
+      <p:pic>
+        <p:nvPicPr>
+          <p:cNvPr id="8" name="Picture 7">
+            <a:extLst>
+              <a:ext uri="{FF2B5EF4-FFF2-40B4-BE49-F238E27FC236}">
+                <a16:creationId xmlns:a16="http://schemas.microsoft.com/office/drawing/2014/main" id="{950CC0A6-9AE0-4CEE-AA66-AE4A8C6D60A2}"/>
+              </a:ext>
+            </a:extLst>
+          </p:cNvPr>
+          <p:cNvPicPr>
+            <a:picLocks noChangeAspect="1"/>
+          </p:cNvPicPr>
+          <p:nvPr/>
+        </p:nvPicPr>
+        <p:blipFill>
+          <a:blip r:embed="rId2">
+            <a:extLst>
+              <a:ext uri="{28A0092B-C50C-407E-A947-70E740481C1C}">
+                <a14:useLocalDpi xmlns:a14="http://schemas.microsoft.com/office/drawing/2010/main" val="0"/>
+              </a:ext>
+            </a:extLst>
+          </a:blip>
+          <a:stretch>
+            <a:fillRect/>
+          </a:stretch>
+        </p:blipFill>
+        <p:spPr>
+          <a:xfrm>
+            <a:off x="6096000" y="1694442"/>
+            <a:ext cx="5676900" cy="2001258"/>
+          </a:xfrm>
+          <a:prstGeom prst="rect">
+            <a:avLst/>
+          </a:prstGeom>
+        </p:spPr>
+      </p:pic>
+      <p:pic>
+        <p:nvPicPr>
+          <p:cNvPr id="10" name="Picture 9">
+            <a:extLst>
+              <a:ext uri="{FF2B5EF4-FFF2-40B4-BE49-F238E27FC236}">
+                <a16:creationId xmlns:a16="http://schemas.microsoft.com/office/drawing/2014/main" id="{5F4F9473-0ECA-4048-81C6-54CB1986CB7B}"/>
+              </a:ext>
+            </a:extLst>
+          </p:cNvPr>
+          <p:cNvPicPr>
+            <a:picLocks noChangeAspect="1"/>
+          </p:cNvPicPr>
+          <p:nvPr/>
+        </p:nvPicPr>
+        <p:blipFill>
+          <a:blip r:embed="rId3">
+            <a:extLst>
+              <a:ext uri="{28A0092B-C50C-407E-A947-70E740481C1C}">
+                <a14:useLocalDpi xmlns:a14="http://schemas.microsoft.com/office/drawing/2010/main" val="0"/>
+              </a:ext>
+            </a:extLst>
+          </a:blip>
+          <a:stretch>
+            <a:fillRect/>
+          </a:stretch>
+        </p:blipFill>
+        <p:spPr>
+          <a:xfrm>
+            <a:off x="5396610" y="4306888"/>
+            <a:ext cx="6027040" cy="1544819"/>
+          </a:xfrm>
+          <a:prstGeom prst="rect">
+            <a:avLst/>
+          </a:prstGeom>
+        </p:spPr>
+      </p:pic>
     </p:spTree>
     <p:extLst>
       <p:ext uri="{BB962C8B-B14F-4D97-AF65-F5344CB8AC3E}">
-        <p14:creationId xmlns:p14="http://schemas.microsoft.com/office/powerpoint/2010/main" val="1144931553"/>
+        <p14:creationId xmlns:p14="http://schemas.microsoft.com/office/powerpoint/2010/main" val="1818316990"/>
       </p:ext>
     </p:extLst>
   </p:cSld>
@@ -4116,6 +4196,187 @@
           <a:p>
             <a:r>
               <a:rPr lang="de-DE" dirty="0"/>
+              <a:t>CNN- Probleme &amp; Optimierung</a:t>
+            </a:r>
+          </a:p>
+        </p:txBody>
+      </p:sp>
+      <p:sp>
+        <p:nvSpPr>
+          <p:cNvPr id="3" name="Inhaltsplatzhalter 2">
+            <a:extLst>
+              <a:ext uri="{FF2B5EF4-FFF2-40B4-BE49-F238E27FC236}">
+                <a16:creationId xmlns:a16="http://schemas.microsoft.com/office/drawing/2014/main" id="{3D0E6730-2CE6-4570-95E1-BCB41F33AEB7}"/>
+              </a:ext>
+            </a:extLst>
+          </p:cNvPr>
+          <p:cNvSpPr>
+            <a:spLocks noGrp="1"/>
+          </p:cNvSpPr>
+          <p:nvPr>
+            <p:ph idx="1"/>
+          </p:nvPr>
+        </p:nvSpPr>
+        <p:spPr/>
+        <p:txBody>
+          <a:bodyPr/>
+          <a:lstStyle/>
+          <a:p>
+            <a:pPr marL="0" indent="0">
+              <a:buNone/>
+            </a:pPr>
+            <a:r>
+              <a:rPr lang="de-DE" sz="3200" b="1" dirty="0"/>
+              <a:t>Probleme</a:t>
+            </a:r>
+          </a:p>
+          <a:p>
+            <a:pPr marL="0" indent="0">
+              <a:buNone/>
+            </a:pPr>
+            <a:r>
+              <a:rPr lang="de-DE" b="1" dirty="0"/>
+              <a:t>Overfitting: </a:t>
+            </a:r>
+            <a:r>
+              <a:rPr lang="de-DE" dirty="0"/>
+              <a:t>Daten werden auswendig gelernt; keine Generalisierung</a:t>
+            </a:r>
+          </a:p>
+          <a:p>
+            <a:pPr marL="0" indent="0">
+              <a:buNone/>
+            </a:pPr>
+            <a:r>
+              <a:rPr lang="de-DE" b="1" dirty="0"/>
+              <a:t>Zu wenig Daten: </a:t>
+            </a:r>
+            <a:r>
+              <a:rPr lang="de-DE" dirty="0"/>
+              <a:t>Schlechtere Performance</a:t>
+            </a:r>
+          </a:p>
+          <a:p>
+            <a:pPr marL="0" indent="0">
+              <a:buNone/>
+            </a:pPr>
+            <a:r>
+              <a:rPr lang="de-DE" b="1" dirty="0"/>
+              <a:t>Tradeoff: </a:t>
+            </a:r>
+            <a:r>
+              <a:rPr lang="de-DE" dirty="0"/>
+              <a:t>Leistung vs. Zeitverbrauch</a:t>
+            </a:r>
+          </a:p>
+          <a:p>
+            <a:pPr marL="0" indent="0">
+              <a:buNone/>
+            </a:pPr>
+            <a:endParaRPr lang="de-DE" dirty="0"/>
+          </a:p>
+          <a:p>
+            <a:pPr marL="0" indent="0">
+              <a:buNone/>
+            </a:pPr>
+            <a:r>
+              <a:rPr lang="de-DE" dirty="0"/>
+              <a:t>-&gt; </a:t>
+            </a:r>
+            <a:r>
+              <a:rPr lang="de-DE" b="1" dirty="0"/>
+              <a:t>Early Stopping: </a:t>
+            </a:r>
+            <a:r>
+              <a:rPr lang="de-DE" dirty="0"/>
+              <a:t>Spart Zeit, wenn sich nichts mehr tut</a:t>
+            </a:r>
+          </a:p>
+          <a:p>
+            <a:pPr marL="0" indent="0">
+              <a:buNone/>
+            </a:pPr>
+            <a:r>
+              <a:rPr lang="de-DE" dirty="0"/>
+              <a:t>-&gt; </a:t>
+            </a:r>
+            <a:r>
+              <a:rPr lang="de-DE" b="1" dirty="0"/>
+              <a:t>Save Best Weights: </a:t>
+            </a:r>
+            <a:r>
+              <a:rPr lang="de-DE" dirty="0"/>
+              <a:t>Merke gute Parameter</a:t>
+            </a:r>
+          </a:p>
+          <a:p>
+            <a:pPr marL="0" indent="0">
+              <a:buNone/>
+            </a:pPr>
+            <a:r>
+              <a:rPr lang="de-DE" dirty="0"/>
+              <a:t>-&gt; </a:t>
+            </a:r>
+            <a:r>
+              <a:rPr lang="de-DE" b="1" dirty="0"/>
+              <a:t>Restrukturierung des CNNs</a:t>
+            </a:r>
+          </a:p>
+        </p:txBody>
+      </p:sp>
+    </p:spTree>
+    <p:extLst>
+      <p:ext uri="{BB962C8B-B14F-4D97-AF65-F5344CB8AC3E}">
+        <p14:creationId xmlns:p14="http://schemas.microsoft.com/office/powerpoint/2010/main" val="1144931553"/>
+      </p:ext>
+    </p:extLst>
+  </p:cSld>
+  <p:clrMapOvr>
+    <a:masterClrMapping/>
+  </p:clrMapOvr>
+</p:sld>
+</file>
+
+<file path=ppt/slides/slide12.xml><?xml version="1.0" encoding="utf-8"?>
+<p:sld xmlns:a="http://schemas.openxmlformats.org/drawingml/2006/main" xmlns:r="http://schemas.openxmlformats.org/officeDocument/2006/relationships" xmlns:p="http://schemas.openxmlformats.org/presentationml/2006/main">
+  <p:cSld>
+    <p:spTree>
+      <p:nvGrpSpPr>
+        <p:cNvPr id="1" name=""/>
+        <p:cNvGrpSpPr/>
+        <p:nvPr/>
+      </p:nvGrpSpPr>
+      <p:grpSpPr>
+        <a:xfrm>
+          <a:off x="0" y="0"/>
+          <a:ext cx="0" cy="0"/>
+          <a:chOff x="0" y="0"/>
+          <a:chExt cx="0" cy="0"/>
+        </a:xfrm>
+      </p:grpSpPr>
+      <p:sp>
+        <p:nvSpPr>
+          <p:cNvPr id="2" name="Titel 1">
+            <a:extLst>
+              <a:ext uri="{FF2B5EF4-FFF2-40B4-BE49-F238E27FC236}">
+                <a16:creationId xmlns:a16="http://schemas.microsoft.com/office/drawing/2014/main" id="{0039F296-496E-47DA-87A9-572B69EE1ED2}"/>
+              </a:ext>
+            </a:extLst>
+          </p:cNvPr>
+          <p:cNvSpPr>
+            <a:spLocks noGrp="1"/>
+          </p:cNvSpPr>
+          <p:nvPr>
+            <p:ph type="title"/>
+          </p:nvPr>
+        </p:nvSpPr>
+        <p:spPr/>
+        <p:txBody>
+          <a:bodyPr/>
+          <a:lstStyle/>
+          <a:p>
+            <a:r>
+              <a:rPr lang="de-DE" dirty="0"/>
               <a:t>CNN - Ergebnisse</a:t>
             </a:r>
           </a:p>
@@ -4171,7 +4432,7 @@
 </p:sld>
 </file>
 
-<file path=ppt/slides/slide12.xml><?xml version="1.0" encoding="utf-8"?>
+<file path=ppt/slides/slide13.xml><?xml version="1.0" encoding="utf-8"?>
 <p:sld xmlns:a="http://schemas.openxmlformats.org/drawingml/2006/main" xmlns:r="http://schemas.openxmlformats.org/officeDocument/2006/relationships" xmlns:p="http://schemas.openxmlformats.org/presentationml/2006/main">
   <p:cSld>
     <p:spTree>
@@ -6384,10 +6645,10 @@
       </p:sp>
       <p:pic>
         <p:nvPicPr>
-          <p:cNvPr id="17" name="Picture 16">
-            <a:extLst>
-              <a:ext uri="{FF2B5EF4-FFF2-40B4-BE49-F238E27FC236}">
-                <a16:creationId xmlns:a16="http://schemas.microsoft.com/office/drawing/2014/main" id="{F90B856F-661A-49FA-83E3-66E91948E66B}"/>
+          <p:cNvPr id="5" name="Grafik 4">
+            <a:extLst>
+              <a:ext uri="{FF2B5EF4-FFF2-40B4-BE49-F238E27FC236}">
+                <a16:creationId xmlns:a16="http://schemas.microsoft.com/office/drawing/2014/main" id="{59FF4546-E864-44C8-ADA8-4181FE8ED8A0}"/>
               </a:ext>
             </a:extLst>
           </p:cNvPr>
@@ -6410,8 +6671,44 @@
         </p:blipFill>
         <p:spPr>
           <a:xfrm>
-            <a:off x="6505574" y="969028"/>
-            <a:ext cx="5024149" cy="5134908"/>
+            <a:off x="7409825" y="483302"/>
+            <a:ext cx="3353251" cy="2801191"/>
+          </a:xfrm>
+          <a:prstGeom prst="rect">
+            <a:avLst/>
+          </a:prstGeom>
+        </p:spPr>
+      </p:pic>
+      <p:pic>
+        <p:nvPicPr>
+          <p:cNvPr id="7" name="Grafik 6">
+            <a:extLst>
+              <a:ext uri="{FF2B5EF4-FFF2-40B4-BE49-F238E27FC236}">
+                <a16:creationId xmlns:a16="http://schemas.microsoft.com/office/drawing/2014/main" id="{FF300B16-BA57-4BC1-BA76-C7BA6AC75283}"/>
+              </a:ext>
+            </a:extLst>
+          </p:cNvPr>
+          <p:cNvPicPr>
+            <a:picLocks noChangeAspect="1"/>
+          </p:cNvPicPr>
+          <p:nvPr/>
+        </p:nvPicPr>
+        <p:blipFill>
+          <a:blip r:embed="rId3">
+            <a:extLst>
+              <a:ext uri="{28A0092B-C50C-407E-A947-70E740481C1C}">
+                <a14:useLocalDpi xmlns:a14="http://schemas.microsoft.com/office/drawing/2010/main" val="0"/>
+              </a:ext>
+            </a:extLst>
+          </a:blip>
+          <a:stretch>
+            <a:fillRect/>
+          </a:stretch>
+        </p:blipFill>
+        <p:spPr>
+          <a:xfrm>
+            <a:off x="7409825" y="3573508"/>
+            <a:ext cx="3353251" cy="2851288"/>
           </a:xfrm>
           <a:prstGeom prst="rect">
             <a:avLst/>
@@ -6450,10 +6747,48 @@
       </p:grpSpPr>
       <p:sp>
         <p:nvSpPr>
-          <p:cNvPr id="2" name="Titel 1">
-            <a:extLst>
-              <a:ext uri="{FF2B5EF4-FFF2-40B4-BE49-F238E27FC236}">
-                <a16:creationId xmlns:a16="http://schemas.microsoft.com/office/drawing/2014/main" id="{A142D5CF-260A-4E31-8A84-A4B77466BCE9}"/>
+          <p:cNvPr id="3" name="Inhaltsplatzhalter 2">
+            <a:extLst>
+              <a:ext uri="{FF2B5EF4-FFF2-40B4-BE49-F238E27FC236}">
+                <a16:creationId xmlns:a16="http://schemas.microsoft.com/office/drawing/2014/main" id="{A94D35EC-60EA-4AE0-93F0-D0FEFAFEFD0F}"/>
+              </a:ext>
+            </a:extLst>
+          </p:cNvPr>
+          <p:cNvSpPr>
+            <a:spLocks noGrp="1"/>
+          </p:cNvSpPr>
+          <p:nvPr>
+            <p:ph idx="1"/>
+          </p:nvPr>
+        </p:nvSpPr>
+        <p:spPr>
+          <a:xfrm>
+            <a:off x="838200" y="1825625"/>
+            <a:ext cx="10271882" cy="942975"/>
+          </a:xfrm>
+        </p:spPr>
+        <p:txBody>
+          <a:bodyPr/>
+          <a:lstStyle/>
+          <a:p>
+            <a:r>
+              <a:rPr lang="de-DE" dirty="0"/>
+              <a:t>Klassifikation mittels </a:t>
+            </a:r>
+            <a:r>
+              <a:rPr lang="de-DE" dirty="0" err="1"/>
+              <a:t>nearest-neighbour</a:t>
+            </a:r>
+            <a:endParaRPr lang="de-DE" dirty="0"/>
+          </a:p>
+        </p:txBody>
+      </p:sp>
+      <p:sp>
+        <p:nvSpPr>
+          <p:cNvPr id="4" name="Titel 1">
+            <a:extLst>
+              <a:ext uri="{FF2B5EF4-FFF2-40B4-BE49-F238E27FC236}">
+                <a16:creationId xmlns:a16="http://schemas.microsoft.com/office/drawing/2014/main" id="{1FEC4483-04FB-4FEE-B21B-C7E1B91F74DE}"/>
               </a:ext>
             </a:extLst>
           </p:cNvPr>
@@ -6464,33 +6799,36 @@
             <p:ph type="title"/>
           </p:nvPr>
         </p:nvSpPr>
-        <p:spPr/>
+        <p:spPr>
+          <a:xfrm>
+            <a:off x="838200" y="365125"/>
+            <a:ext cx="10515600" cy="1325563"/>
+          </a:xfrm>
+        </p:spPr>
         <p:txBody>
           <a:bodyPr/>
           <a:lstStyle/>
           <a:p>
             <a:r>
               <a:rPr lang="de-DE" dirty="0"/>
-              <a:t>CNN – Model (1)</a:t>
+              <a:t>Idee 2: X-Y-Projektion</a:t>
             </a:r>
           </a:p>
         </p:txBody>
       </p:sp>
       <p:pic>
         <p:nvPicPr>
-          <p:cNvPr id="9" name="Content Placeholder 8">
-            <a:extLst>
-              <a:ext uri="{FF2B5EF4-FFF2-40B4-BE49-F238E27FC236}">
-                <a16:creationId xmlns:a16="http://schemas.microsoft.com/office/drawing/2014/main" id="{9089E4B0-DA8C-411F-8E69-BF5D4BE493F0}"/>
+          <p:cNvPr id="6" name="Grafik 5">
+            <a:extLst>
+              <a:ext uri="{FF2B5EF4-FFF2-40B4-BE49-F238E27FC236}">
+                <a16:creationId xmlns:a16="http://schemas.microsoft.com/office/drawing/2014/main" id="{090EE3BD-4084-4A98-84A6-73E0D561144C}"/>
               </a:ext>
             </a:extLst>
           </p:cNvPr>
           <p:cNvPicPr>
-            <a:picLocks noGrp="1" noChangeAspect="1"/>
+            <a:picLocks noChangeAspect="1"/>
           </p:cNvPicPr>
-          <p:nvPr>
-            <p:ph idx="1"/>
-          </p:nvPr>
+          <p:nvPr/>
         </p:nvPicPr>
         <p:blipFill>
           <a:blip r:embed="rId2">
@@ -6506,15 +6844,210 @@
         </p:blipFill>
         <p:spPr>
           <a:xfrm>
-            <a:off x="838200" y="1548264"/>
-            <a:ext cx="8997530" cy="4351338"/>
-          </a:xfrm>
+            <a:off x="1081918" y="2581275"/>
+            <a:ext cx="2006071" cy="3911600"/>
+          </a:xfrm>
+          <a:prstGeom prst="rect">
+            <a:avLst/>
+          </a:prstGeom>
         </p:spPr>
       </p:pic>
+      <p:pic>
+        <p:nvPicPr>
+          <p:cNvPr id="8" name="Grafik 7">
+            <a:extLst>
+              <a:ext uri="{FF2B5EF4-FFF2-40B4-BE49-F238E27FC236}">
+                <a16:creationId xmlns:a16="http://schemas.microsoft.com/office/drawing/2014/main" id="{6273C689-49EC-4F6D-94D9-8876EA16DC8C}"/>
+              </a:ext>
+            </a:extLst>
+          </p:cNvPr>
+          <p:cNvPicPr>
+            <a:picLocks noChangeAspect="1"/>
+          </p:cNvPicPr>
+          <p:nvPr/>
+        </p:nvPicPr>
+        <p:blipFill>
+          <a:blip r:embed="rId3">
+            <a:extLst>
+              <a:ext uri="{28A0092B-C50C-407E-A947-70E740481C1C}">
+                <a14:useLocalDpi xmlns:a14="http://schemas.microsoft.com/office/drawing/2010/main" val="0"/>
+              </a:ext>
+            </a:extLst>
+          </a:blip>
+          <a:stretch>
+            <a:fillRect/>
+          </a:stretch>
+        </p:blipFill>
+        <p:spPr>
+          <a:xfrm>
+            <a:off x="3398405" y="2581275"/>
+            <a:ext cx="1982649" cy="3911600"/>
+          </a:xfrm>
+          <a:prstGeom prst="rect">
+            <a:avLst/>
+          </a:prstGeom>
+        </p:spPr>
+      </p:pic>
+      <p:pic>
+        <p:nvPicPr>
+          <p:cNvPr id="10" name="Grafik 9">
+            <a:extLst>
+              <a:ext uri="{FF2B5EF4-FFF2-40B4-BE49-F238E27FC236}">
+                <a16:creationId xmlns:a16="http://schemas.microsoft.com/office/drawing/2014/main" id="{3262AA7F-58C2-4DD7-AD34-CA78F9C87653}"/>
+              </a:ext>
+            </a:extLst>
+          </p:cNvPr>
+          <p:cNvPicPr>
+            <a:picLocks noChangeAspect="1"/>
+          </p:cNvPicPr>
+          <p:nvPr/>
+        </p:nvPicPr>
+        <p:blipFill>
+          <a:blip r:embed="rId4">
+            <a:extLst>
+              <a:ext uri="{28A0092B-C50C-407E-A947-70E740481C1C}">
+                <a14:useLocalDpi xmlns:a14="http://schemas.microsoft.com/office/drawing/2010/main" val="0"/>
+              </a:ext>
+            </a:extLst>
+          </a:blip>
+          <a:stretch>
+            <a:fillRect/>
+          </a:stretch>
+        </p:blipFill>
+        <p:spPr>
+          <a:xfrm>
+            <a:off x="8503897" y="2581274"/>
+            <a:ext cx="2036346" cy="3911601"/>
+          </a:xfrm>
+          <a:prstGeom prst="rect">
+            <a:avLst/>
+          </a:prstGeom>
+        </p:spPr>
+      </p:pic>
+      <p:sp>
+        <p:nvSpPr>
+          <p:cNvPr id="11" name="Textfeld 10">
+            <a:extLst>
+              <a:ext uri="{FF2B5EF4-FFF2-40B4-BE49-F238E27FC236}">
+                <a16:creationId xmlns:a16="http://schemas.microsoft.com/office/drawing/2014/main" id="{73F67700-2F35-454C-8712-9B1C537352E0}"/>
+              </a:ext>
+            </a:extLst>
+          </p:cNvPr>
+          <p:cNvSpPr txBox="1"/>
+          <p:nvPr/>
+        </p:nvSpPr>
+        <p:spPr>
+          <a:xfrm>
+            <a:off x="5691471" y="2790825"/>
+            <a:ext cx="2719104" cy="923330"/>
+          </a:xfrm>
+          <a:prstGeom prst="rect">
+            <a:avLst/>
+          </a:prstGeom>
+          <a:noFill/>
+        </p:spPr>
+        <p:txBody>
+          <a:bodyPr wrap="square" rtlCol="0">
+            <a:spAutoFit/>
+          </a:bodyPr>
+          <a:lstStyle/>
+          <a:p>
+            <a:r>
+              <a:rPr lang="de-DE" dirty="0">
+                <a:sym typeface="Wingdings" panose="05000000000000000000" pitchFamily="2" charset="2"/>
+              </a:rPr>
+              <a:t> Korrekte Klassifizierung und der dazugehörige nächste Nachbar</a:t>
+            </a:r>
+            <a:endParaRPr lang="de-DE" dirty="0"/>
+          </a:p>
+        </p:txBody>
+      </p:sp>
+      <p:sp>
+        <p:nvSpPr>
+          <p:cNvPr id="12" name="Textfeld 11">
+            <a:extLst>
+              <a:ext uri="{FF2B5EF4-FFF2-40B4-BE49-F238E27FC236}">
+                <a16:creationId xmlns:a16="http://schemas.microsoft.com/office/drawing/2014/main" id="{DE2AF300-AD79-4F5D-A5E7-E3E11C5525B3}"/>
+              </a:ext>
+            </a:extLst>
+          </p:cNvPr>
+          <p:cNvSpPr txBox="1"/>
+          <p:nvPr/>
+        </p:nvSpPr>
+        <p:spPr>
+          <a:xfrm>
+            <a:off x="5691470" y="3971925"/>
+            <a:ext cx="2719103" cy="923330"/>
+          </a:xfrm>
+          <a:prstGeom prst="rect">
+            <a:avLst/>
+          </a:prstGeom>
+          <a:noFill/>
+        </p:spPr>
+        <p:txBody>
+          <a:bodyPr wrap="square" rtlCol="0">
+            <a:spAutoFit/>
+          </a:bodyPr>
+          <a:lstStyle/>
+          <a:p>
+            <a:r>
+              <a:rPr lang="de-DE" dirty="0">
+                <a:sym typeface="Wingdings" panose="05000000000000000000" pitchFamily="2" charset="2"/>
+              </a:rPr>
+              <a:t>Falsche Klassifizierung und der dazugehörige nächste Nachbar		</a:t>
+            </a:r>
+            <a:endParaRPr lang="de-DE" dirty="0"/>
+          </a:p>
+        </p:txBody>
+      </p:sp>
+      <p:sp>
+        <p:nvSpPr>
+          <p:cNvPr id="13" name="Textfeld 12">
+            <a:extLst>
+              <a:ext uri="{FF2B5EF4-FFF2-40B4-BE49-F238E27FC236}">
+                <a16:creationId xmlns:a16="http://schemas.microsoft.com/office/drawing/2014/main" id="{EB67B971-BDD6-4814-9B84-935E19523FBF}"/>
+              </a:ext>
+            </a:extLst>
+          </p:cNvPr>
+          <p:cNvSpPr txBox="1"/>
+          <p:nvPr/>
+        </p:nvSpPr>
+        <p:spPr>
+          <a:xfrm>
+            <a:off x="5691470" y="5127626"/>
+            <a:ext cx="2719103" cy="1200329"/>
+          </a:xfrm>
+          <a:prstGeom prst="rect">
+            <a:avLst/>
+          </a:prstGeom>
+          <a:noFill/>
+        </p:spPr>
+        <p:txBody>
+          <a:bodyPr wrap="square" rtlCol="0">
+            <a:spAutoFit/>
+          </a:bodyPr>
+          <a:lstStyle/>
+          <a:p>
+            <a:r>
+              <a:rPr lang="de-DE" dirty="0">
+                <a:sym typeface="Wingdings" panose="05000000000000000000" pitchFamily="2" charset="2"/>
+              </a:rPr>
+              <a:t> Klassifizierung mittel KNN ergab keine merkbare Verbesserung im </a:t>
+            </a:r>
+            <a:r>
+              <a:rPr lang="de-DE" dirty="0" err="1">
+                <a:sym typeface="Wingdings" panose="05000000000000000000" pitchFamily="2" charset="2"/>
+              </a:rPr>
+              <a:t>Gesamtergebniss</a:t>
+            </a:r>
+            <a:endParaRPr lang="de-DE" dirty="0"/>
+          </a:p>
+        </p:txBody>
+      </p:sp>
     </p:spTree>
     <p:extLst>
       <p:ext uri="{BB962C8B-B14F-4D97-AF65-F5344CB8AC3E}">
-        <p14:creationId xmlns:p14="http://schemas.microsoft.com/office/powerpoint/2010/main" val="1459254845"/>
+        <p14:creationId xmlns:p14="http://schemas.microsoft.com/office/powerpoint/2010/main" val="3657530707"/>
       </p:ext>
     </p:extLst>
   </p:cSld>
@@ -6564,7 +7097,7 @@
           <a:p>
             <a:r>
               <a:rPr lang="de-DE" dirty="0"/>
-              <a:t>CNN – Model (2)</a:t>
+              <a:t>CNN – Model (1)</a:t>
             </a:r>
           </a:p>
         </p:txBody>
@@ -6604,126 +7137,10 @@
           </a:xfrm>
         </p:spPr>
       </p:pic>
-      <p:sp>
-        <p:nvSpPr>
-          <p:cNvPr id="3" name="TextBox 2">
-            <a:extLst>
-              <a:ext uri="{FF2B5EF4-FFF2-40B4-BE49-F238E27FC236}">
-                <a16:creationId xmlns:a16="http://schemas.microsoft.com/office/drawing/2014/main" id="{5CC2C52F-4ED9-4A12-B2E4-7EC613C50DC7}"/>
-              </a:ext>
-            </a:extLst>
-          </p:cNvPr>
-          <p:cNvSpPr txBox="1"/>
-          <p:nvPr/>
-        </p:nvSpPr>
-        <p:spPr>
-          <a:xfrm>
-            <a:off x="9835730" y="1461775"/>
-            <a:ext cx="2027980" cy="954107"/>
-          </a:xfrm>
-          <a:prstGeom prst="rect">
-            <a:avLst/>
-          </a:prstGeom>
-          <a:noFill/>
-        </p:spPr>
-        <p:txBody>
-          <a:bodyPr wrap="square" rtlCol="0">
-            <a:spAutoFit/>
-          </a:bodyPr>
-          <a:lstStyle/>
-          <a:p>
-            <a:pPr algn="ctr"/>
-            <a:r>
-              <a:rPr lang="en-US" sz="2800" b="1" dirty="0"/>
-              <a:t>Activation:</a:t>
-            </a:r>
-          </a:p>
-          <a:p>
-            <a:pPr algn="ctr"/>
-            <a:r>
-              <a:rPr lang="en-US" sz="2800" b="1" dirty="0" err="1"/>
-              <a:t>ReLu</a:t>
-            </a:r>
-            <a:endParaRPr lang="en-US" sz="2800" b="1" dirty="0"/>
-          </a:p>
-        </p:txBody>
-      </p:sp>
-      <p:sp>
-        <p:nvSpPr>
-          <p:cNvPr id="5" name="TextBox 4">
-            <a:extLst>
-              <a:ext uri="{FF2B5EF4-FFF2-40B4-BE49-F238E27FC236}">
-                <a16:creationId xmlns:a16="http://schemas.microsoft.com/office/drawing/2014/main" id="{1BB7B357-BCF7-4BE1-BBE1-55FD9976234E}"/>
-              </a:ext>
-            </a:extLst>
-          </p:cNvPr>
-          <p:cNvSpPr txBox="1"/>
-          <p:nvPr/>
-        </p:nvSpPr>
-        <p:spPr>
-          <a:xfrm>
-            <a:off x="10396134" y="3723933"/>
-            <a:ext cx="907171" cy="523220"/>
-          </a:xfrm>
-          <a:prstGeom prst="rect">
-            <a:avLst/>
-          </a:prstGeom>
-          <a:noFill/>
-        </p:spPr>
-        <p:txBody>
-          <a:bodyPr wrap="none" rtlCol="0">
-            <a:spAutoFit/>
-          </a:bodyPr>
-          <a:lstStyle/>
-          <a:p>
-            <a:r>
-              <a:rPr lang="en-US" sz="2800" b="1" dirty="0" err="1"/>
-              <a:t>ReLu</a:t>
-            </a:r>
-            <a:endParaRPr lang="en-US" sz="2800" b="1" dirty="0"/>
-          </a:p>
-        </p:txBody>
-      </p:sp>
-      <p:sp>
-        <p:nvSpPr>
-          <p:cNvPr id="6" name="TextBox 5">
-            <a:extLst>
-              <a:ext uri="{FF2B5EF4-FFF2-40B4-BE49-F238E27FC236}">
-                <a16:creationId xmlns:a16="http://schemas.microsoft.com/office/drawing/2014/main" id="{EF823A2D-499E-4375-8E83-7E51B079822B}"/>
-              </a:ext>
-            </a:extLst>
-          </p:cNvPr>
-          <p:cNvSpPr txBox="1"/>
-          <p:nvPr/>
-        </p:nvSpPr>
-        <p:spPr>
-          <a:xfrm>
-            <a:off x="10141095" y="5134615"/>
-            <a:ext cx="1417247" cy="523220"/>
-          </a:xfrm>
-          <a:prstGeom prst="rect">
-            <a:avLst/>
-          </a:prstGeom>
-          <a:noFill/>
-        </p:spPr>
-        <p:txBody>
-          <a:bodyPr wrap="none" rtlCol="0">
-            <a:spAutoFit/>
-          </a:bodyPr>
-          <a:lstStyle/>
-          <a:p>
-            <a:r>
-              <a:rPr lang="en-US" sz="2800" b="1" dirty="0" err="1"/>
-              <a:t>Softmax</a:t>
-            </a:r>
-            <a:endParaRPr lang="en-US" sz="2800" b="1" dirty="0"/>
-          </a:p>
-        </p:txBody>
-      </p:sp>
     </p:spTree>
     <p:extLst>
       <p:ext uri="{BB962C8B-B14F-4D97-AF65-F5344CB8AC3E}">
-        <p14:creationId xmlns:p14="http://schemas.microsoft.com/office/powerpoint/2010/main" val="3048087049"/>
+        <p14:creationId xmlns:p14="http://schemas.microsoft.com/office/powerpoint/2010/main" val="1459254845"/>
       </p:ext>
     </p:extLst>
   </p:cSld>
@@ -6755,7 +7172,7 @@
           <p:cNvPr id="2" name="Titel 1">
             <a:extLst>
               <a:ext uri="{FF2B5EF4-FFF2-40B4-BE49-F238E27FC236}">
-                <a16:creationId xmlns:a16="http://schemas.microsoft.com/office/drawing/2014/main" id="{0039F296-496E-47DA-87A9-572B69EE1ED2}"/>
+                <a16:creationId xmlns:a16="http://schemas.microsoft.com/office/drawing/2014/main" id="{A142D5CF-260A-4E31-8A84-A4B77466BCE9}"/>
               </a:ext>
             </a:extLst>
           </p:cNvPr>
@@ -6773,154 +7190,26 @@
           <a:p>
             <a:r>
               <a:rPr lang="de-DE" dirty="0"/>
-              <a:t>CNN- Parameter (am Ende)</a:t>
-            </a:r>
-          </a:p>
-        </p:txBody>
-      </p:sp>
-      <p:sp>
-        <p:nvSpPr>
-          <p:cNvPr id="3" name="Inhaltsplatzhalter 2">
-            <a:extLst>
-              <a:ext uri="{FF2B5EF4-FFF2-40B4-BE49-F238E27FC236}">
-                <a16:creationId xmlns:a16="http://schemas.microsoft.com/office/drawing/2014/main" id="{3D0E6730-2CE6-4570-95E1-BCB41F33AEB7}"/>
-              </a:ext>
-            </a:extLst>
-          </p:cNvPr>
-          <p:cNvSpPr>
-            <a:spLocks noGrp="1"/>
-          </p:cNvSpPr>
-          <p:nvPr>
-            <p:ph idx="1"/>
-          </p:nvPr>
-        </p:nvSpPr>
-        <p:spPr/>
-        <p:txBody>
-          <a:bodyPr/>
-          <a:lstStyle/>
-          <a:p>
-            <a:r>
-              <a:rPr lang="de-DE" dirty="0"/>
-              <a:t>Loss: Categorical Crossentropy</a:t>
-            </a:r>
-          </a:p>
-          <a:p>
-            <a:r>
-              <a:rPr lang="de-DE" dirty="0"/>
-              <a:t>Optimizer: SGD</a:t>
-            </a:r>
-          </a:p>
-          <a:p>
-            <a:r>
-              <a:rPr lang="de-DE" dirty="0"/>
-              <a:t>Learning Rate: 0.01</a:t>
-            </a:r>
-          </a:p>
-          <a:p>
-            <a:endParaRPr lang="de-DE" dirty="0"/>
-          </a:p>
-          <a:p>
-            <a:r>
-              <a:rPr lang="de-DE" dirty="0"/>
-              <a:t>Input Size: 2000 je Klasse</a:t>
-            </a:r>
-          </a:p>
-          <a:p>
-            <a:r>
-              <a:rPr lang="de-DE" dirty="0"/>
-              <a:t>Validation Split: 80:20</a:t>
-            </a:r>
-          </a:p>
-          <a:p>
-            <a:r>
-              <a:rPr lang="de-DE" dirty="0"/>
-              <a:t>Batch Size: 32</a:t>
-            </a:r>
-          </a:p>
-          <a:p>
-            <a:r>
-              <a:rPr lang="de-DE" dirty="0"/>
-              <a:t>Epochen: 200</a:t>
-            </a:r>
-          </a:p>
-          <a:p>
-            <a:endParaRPr lang="de-DE" dirty="0"/>
-          </a:p>
-        </p:txBody>
-      </p:sp>
-      <p:sp>
-        <p:nvSpPr>
-          <p:cNvPr id="6" name="TextBox 5">
-            <a:extLst>
-              <a:ext uri="{FF2B5EF4-FFF2-40B4-BE49-F238E27FC236}">
-                <a16:creationId xmlns:a16="http://schemas.microsoft.com/office/drawing/2014/main" id="{A8D97ADF-2896-4CB5-9406-AC15E0A51683}"/>
-              </a:ext>
-            </a:extLst>
-          </p:cNvPr>
-          <p:cNvSpPr txBox="1"/>
-          <p:nvPr/>
-        </p:nvSpPr>
-        <p:spPr>
-          <a:xfrm>
-            <a:off x="838200" y="6311900"/>
-            <a:ext cx="10934700" cy="369332"/>
-          </a:xfrm>
-          <a:prstGeom prst="rect">
-            <a:avLst/>
-          </a:prstGeom>
-          <a:noFill/>
-        </p:spPr>
-        <p:txBody>
-          <a:bodyPr wrap="square" rtlCol="0">
-            <a:spAutoFit/>
-          </a:bodyPr>
-          <a:lstStyle/>
-          <a:p>
-            <a:r>
-              <a:rPr lang="en-US" dirty="0" err="1"/>
-              <a:t>Bildausschnitt</a:t>
-            </a:r>
-            <a:r>
-              <a:rPr lang="en-US" dirty="0"/>
-              <a:t> (</a:t>
-            </a:r>
-            <a:r>
-              <a:rPr lang="en-US" dirty="0" err="1"/>
-              <a:t>oben</a:t>
-            </a:r>
-            <a:r>
-              <a:rPr lang="en-US" dirty="0"/>
-              <a:t>): http://</a:t>
-            </a:r>
-            <a:r>
-              <a:rPr lang="en-US" dirty="0" err="1"/>
-              <a:t>neuronus.com</a:t>
-            </a:r>
-            <a:r>
-              <a:rPr lang="en-US" dirty="0"/>
-              <a:t>/images/news/2017_04/</a:t>
-            </a:r>
-            <a:r>
-              <a:rPr lang="en-US" dirty="0" err="1"/>
-              <a:t>4ff3daca463adbb35a3b725bccf05273.png</a:t>
-            </a:r>
-            <a:endParaRPr lang="en-US" dirty="0"/>
+              <a:t>CNN – Model (2)</a:t>
+            </a:r>
           </a:p>
         </p:txBody>
       </p:sp>
       <p:pic>
         <p:nvPicPr>
-          <p:cNvPr id="8" name="Picture 7">
-            <a:extLst>
-              <a:ext uri="{FF2B5EF4-FFF2-40B4-BE49-F238E27FC236}">
-                <a16:creationId xmlns:a16="http://schemas.microsoft.com/office/drawing/2014/main" id="{950CC0A6-9AE0-4CEE-AA66-AE4A8C6D60A2}"/>
+          <p:cNvPr id="9" name="Content Placeholder 8">
+            <a:extLst>
+              <a:ext uri="{FF2B5EF4-FFF2-40B4-BE49-F238E27FC236}">
+                <a16:creationId xmlns:a16="http://schemas.microsoft.com/office/drawing/2014/main" id="{9089E4B0-DA8C-411F-8E69-BF5D4BE493F0}"/>
               </a:ext>
             </a:extLst>
           </p:cNvPr>
           <p:cNvPicPr>
-            <a:picLocks noChangeAspect="1"/>
+            <a:picLocks noGrp="1" noChangeAspect="1"/>
           </p:cNvPicPr>
-          <p:nvPr/>
+          <p:nvPr>
+            <p:ph idx="1"/>
+          </p:nvPr>
         </p:nvPicPr>
         <p:blipFill>
           <a:blip r:embed="rId2">
@@ -6936,54 +7225,131 @@
         </p:blipFill>
         <p:spPr>
           <a:xfrm>
-            <a:off x="6096000" y="1694442"/>
-            <a:ext cx="5676900" cy="2001258"/>
+            <a:off x="838200" y="1548264"/>
+            <a:ext cx="8997530" cy="4351338"/>
+          </a:xfrm>
+        </p:spPr>
+      </p:pic>
+      <p:sp>
+        <p:nvSpPr>
+          <p:cNvPr id="3" name="TextBox 2">
+            <a:extLst>
+              <a:ext uri="{FF2B5EF4-FFF2-40B4-BE49-F238E27FC236}">
+                <a16:creationId xmlns:a16="http://schemas.microsoft.com/office/drawing/2014/main" id="{5CC2C52F-4ED9-4A12-B2E4-7EC613C50DC7}"/>
+              </a:ext>
+            </a:extLst>
+          </p:cNvPr>
+          <p:cNvSpPr txBox="1"/>
+          <p:nvPr/>
+        </p:nvSpPr>
+        <p:spPr>
+          <a:xfrm>
+            <a:off x="9835730" y="1461775"/>
+            <a:ext cx="2027980" cy="954107"/>
           </a:xfrm>
           <a:prstGeom prst="rect">
             <a:avLst/>
           </a:prstGeom>
-        </p:spPr>
-      </p:pic>
-      <p:pic>
-        <p:nvPicPr>
-          <p:cNvPr id="10" name="Picture 9">
-            <a:extLst>
-              <a:ext uri="{FF2B5EF4-FFF2-40B4-BE49-F238E27FC236}">
-                <a16:creationId xmlns:a16="http://schemas.microsoft.com/office/drawing/2014/main" id="{5F4F9473-0ECA-4048-81C6-54CB1986CB7B}"/>
-              </a:ext>
-            </a:extLst>
-          </p:cNvPr>
-          <p:cNvPicPr>
-            <a:picLocks noChangeAspect="1"/>
-          </p:cNvPicPr>
+          <a:noFill/>
+        </p:spPr>
+        <p:txBody>
+          <a:bodyPr wrap="square" rtlCol="0">
+            <a:spAutoFit/>
+          </a:bodyPr>
+          <a:lstStyle/>
+          <a:p>
+            <a:pPr algn="ctr"/>
+            <a:r>
+              <a:rPr lang="en-US" sz="2800" b="1" dirty="0"/>
+              <a:t>Activation:</a:t>
+            </a:r>
+          </a:p>
+          <a:p>
+            <a:pPr algn="ctr"/>
+            <a:r>
+              <a:rPr lang="en-US" sz="2800" b="1" dirty="0" err="1"/>
+              <a:t>ReLu</a:t>
+            </a:r>
+            <a:endParaRPr lang="en-US" sz="2800" b="1" dirty="0"/>
+          </a:p>
+        </p:txBody>
+      </p:sp>
+      <p:sp>
+        <p:nvSpPr>
+          <p:cNvPr id="5" name="TextBox 4">
+            <a:extLst>
+              <a:ext uri="{FF2B5EF4-FFF2-40B4-BE49-F238E27FC236}">
+                <a16:creationId xmlns:a16="http://schemas.microsoft.com/office/drawing/2014/main" id="{1BB7B357-BCF7-4BE1-BBE1-55FD9976234E}"/>
+              </a:ext>
+            </a:extLst>
+          </p:cNvPr>
+          <p:cNvSpPr txBox="1"/>
           <p:nvPr/>
-        </p:nvPicPr>
-        <p:blipFill>
-          <a:blip r:embed="rId3">
-            <a:extLst>
-              <a:ext uri="{28A0092B-C50C-407E-A947-70E740481C1C}">
-                <a14:useLocalDpi xmlns:a14="http://schemas.microsoft.com/office/drawing/2010/main" val="0"/>
-              </a:ext>
-            </a:extLst>
-          </a:blip>
-          <a:stretch>
-            <a:fillRect/>
-          </a:stretch>
-        </p:blipFill>
+        </p:nvSpPr>
         <p:spPr>
           <a:xfrm>
-            <a:off x="5396610" y="4306888"/>
-            <a:ext cx="6027040" cy="1544819"/>
+            <a:off x="10396134" y="3723933"/>
+            <a:ext cx="907171" cy="523220"/>
           </a:xfrm>
           <a:prstGeom prst="rect">
             <a:avLst/>
           </a:prstGeom>
-        </p:spPr>
-      </p:pic>
+          <a:noFill/>
+        </p:spPr>
+        <p:txBody>
+          <a:bodyPr wrap="none" rtlCol="0">
+            <a:spAutoFit/>
+          </a:bodyPr>
+          <a:lstStyle/>
+          <a:p>
+            <a:r>
+              <a:rPr lang="en-US" sz="2800" b="1" dirty="0" err="1"/>
+              <a:t>ReLu</a:t>
+            </a:r>
+            <a:endParaRPr lang="en-US" sz="2800" b="1" dirty="0"/>
+          </a:p>
+        </p:txBody>
+      </p:sp>
+      <p:sp>
+        <p:nvSpPr>
+          <p:cNvPr id="6" name="TextBox 5">
+            <a:extLst>
+              <a:ext uri="{FF2B5EF4-FFF2-40B4-BE49-F238E27FC236}">
+                <a16:creationId xmlns:a16="http://schemas.microsoft.com/office/drawing/2014/main" id="{EF823A2D-499E-4375-8E83-7E51B079822B}"/>
+              </a:ext>
+            </a:extLst>
+          </p:cNvPr>
+          <p:cNvSpPr txBox="1"/>
+          <p:nvPr/>
+        </p:nvSpPr>
+        <p:spPr>
+          <a:xfrm>
+            <a:off x="10141095" y="5134615"/>
+            <a:ext cx="1417247" cy="523220"/>
+          </a:xfrm>
+          <a:prstGeom prst="rect">
+            <a:avLst/>
+          </a:prstGeom>
+          <a:noFill/>
+        </p:spPr>
+        <p:txBody>
+          <a:bodyPr wrap="none" rtlCol="0">
+            <a:spAutoFit/>
+          </a:bodyPr>
+          <a:lstStyle/>
+          <a:p>
+            <a:r>
+              <a:rPr lang="en-US" sz="2800" b="1" dirty="0" err="1"/>
+              <a:t>Softmax</a:t>
+            </a:r>
+            <a:endParaRPr lang="en-US" sz="2800" b="1" dirty="0"/>
+          </a:p>
+        </p:txBody>
+      </p:sp>
     </p:spTree>
     <p:extLst>
       <p:ext uri="{BB962C8B-B14F-4D97-AF65-F5344CB8AC3E}">
-        <p14:creationId xmlns:p14="http://schemas.microsoft.com/office/powerpoint/2010/main" val="1818316990"/>
+        <p14:creationId xmlns:p14="http://schemas.microsoft.com/office/powerpoint/2010/main" val="3048087049"/>
       </p:ext>
     </p:extLst>
   </p:cSld>

--- a/project/Präsentation CV-Prak [Di].pptx
+++ b/project/Präsentation CV-Prak [Di].pptx
@@ -212,7 +212,7 @@
           <a:p>
             <a:fld id="{97594BE3-3CDC-4DC8-95E7-951CD3F6E10A}" type="datetimeFigureOut">
               <a:rPr lang="de-DE" smtClean="0"/>
-              <a:t>10.07.2018</a:t>
+              <a:t>11.07.2018</a:t>
             </a:fld>
             <a:endParaRPr lang="de-DE"/>
           </a:p>
@@ -710,7 +710,7 @@
           <a:p>
             <a:fld id="{3F86B6B5-3B37-4848-B40E-22A2A7CEFEDD}" type="datetimeFigureOut">
               <a:rPr lang="de-DE" smtClean="0"/>
-              <a:t>10.07.2018</a:t>
+              <a:t>11.07.2018</a:t>
             </a:fld>
             <a:endParaRPr lang="de-DE"/>
           </a:p>
@@ -908,7 +908,7 @@
           <a:p>
             <a:fld id="{3F86B6B5-3B37-4848-B40E-22A2A7CEFEDD}" type="datetimeFigureOut">
               <a:rPr lang="de-DE" smtClean="0"/>
-              <a:t>10.07.2018</a:t>
+              <a:t>11.07.2018</a:t>
             </a:fld>
             <a:endParaRPr lang="de-DE"/>
           </a:p>
@@ -1116,7 +1116,7 @@
           <a:p>
             <a:fld id="{3F86B6B5-3B37-4848-B40E-22A2A7CEFEDD}" type="datetimeFigureOut">
               <a:rPr lang="de-DE" smtClean="0"/>
-              <a:t>10.07.2018</a:t>
+              <a:t>11.07.2018</a:t>
             </a:fld>
             <a:endParaRPr lang="de-DE"/>
           </a:p>
@@ -1314,7 +1314,7 @@
           <a:p>
             <a:fld id="{3F86B6B5-3B37-4848-B40E-22A2A7CEFEDD}" type="datetimeFigureOut">
               <a:rPr lang="de-DE" smtClean="0"/>
-              <a:t>10.07.2018</a:t>
+              <a:t>11.07.2018</a:t>
             </a:fld>
             <a:endParaRPr lang="de-DE"/>
           </a:p>
@@ -1589,7 +1589,7 @@
           <a:p>
             <a:fld id="{3F86B6B5-3B37-4848-B40E-22A2A7CEFEDD}" type="datetimeFigureOut">
               <a:rPr lang="de-DE" smtClean="0"/>
-              <a:t>10.07.2018</a:t>
+              <a:t>11.07.2018</a:t>
             </a:fld>
             <a:endParaRPr lang="de-DE"/>
           </a:p>
@@ -1854,7 +1854,7 @@
           <a:p>
             <a:fld id="{3F86B6B5-3B37-4848-B40E-22A2A7CEFEDD}" type="datetimeFigureOut">
               <a:rPr lang="de-DE" smtClean="0"/>
-              <a:t>10.07.2018</a:t>
+              <a:t>11.07.2018</a:t>
             </a:fld>
             <a:endParaRPr lang="de-DE"/>
           </a:p>
@@ -2266,7 +2266,7 @@
           <a:p>
             <a:fld id="{3F86B6B5-3B37-4848-B40E-22A2A7CEFEDD}" type="datetimeFigureOut">
               <a:rPr lang="de-DE" smtClean="0"/>
-              <a:t>10.07.2018</a:t>
+              <a:t>11.07.2018</a:t>
             </a:fld>
             <a:endParaRPr lang="de-DE"/>
           </a:p>
@@ -2407,7 +2407,7 @@
           <a:p>
             <a:fld id="{3F86B6B5-3B37-4848-B40E-22A2A7CEFEDD}" type="datetimeFigureOut">
               <a:rPr lang="de-DE" smtClean="0"/>
-              <a:t>10.07.2018</a:t>
+              <a:t>11.07.2018</a:t>
             </a:fld>
             <a:endParaRPr lang="de-DE"/>
           </a:p>
@@ -2520,7 +2520,7 @@
           <a:p>
             <a:fld id="{3F86B6B5-3B37-4848-B40E-22A2A7CEFEDD}" type="datetimeFigureOut">
               <a:rPr lang="de-DE" smtClean="0"/>
-              <a:t>10.07.2018</a:t>
+              <a:t>11.07.2018</a:t>
             </a:fld>
             <a:endParaRPr lang="de-DE"/>
           </a:p>
@@ -2831,7 +2831,7 @@
           <a:p>
             <a:fld id="{3F86B6B5-3B37-4848-B40E-22A2A7CEFEDD}" type="datetimeFigureOut">
               <a:rPr lang="de-DE" smtClean="0"/>
-              <a:t>10.07.2018</a:t>
+              <a:t>11.07.2018</a:t>
             </a:fld>
             <a:endParaRPr lang="de-DE"/>
           </a:p>
@@ -3119,7 +3119,7 @@
           <a:p>
             <a:fld id="{3F86B6B5-3B37-4848-B40E-22A2A7CEFEDD}" type="datetimeFigureOut">
               <a:rPr lang="de-DE" smtClean="0"/>
-              <a:t>10.07.2018</a:t>
+              <a:t>11.07.2018</a:t>
             </a:fld>
             <a:endParaRPr lang="de-DE"/>
           </a:p>
@@ -3360,7 +3360,7 @@
           <a:p>
             <a:fld id="{3F86B6B5-3B37-4848-B40E-22A2A7CEFEDD}" type="datetimeFigureOut">
               <a:rPr lang="de-DE" smtClean="0"/>
-              <a:t>10.07.2018</a:t>
+              <a:t>11.07.2018</a:t>
             </a:fld>
             <a:endParaRPr lang="de-DE"/>
           </a:p>
@@ -3936,7 +3936,7 @@
           <a:p>
             <a:r>
               <a:rPr lang="de-DE" dirty="0"/>
-              <a:t>CNN- Parameter (am Ende)</a:t>
+              <a:t>CNN - Parameter (am Ende)</a:t>
             </a:r>
           </a:p>
         </p:txBody>
@@ -4196,7 +4196,7 @@
           <a:p>
             <a:r>
               <a:rPr lang="de-DE" dirty="0"/>
-              <a:t>CNN- Probleme &amp; Optimierung</a:t>
+              <a:t>CNN - Probleme &amp; Optimierung</a:t>
             </a:r>
           </a:p>
         </p:txBody>
@@ -4398,24 +4398,515 @@
             <p:ph idx="1"/>
           </p:nvPr>
         </p:nvSpPr>
-        <p:spPr/>
+        <p:spPr>
+          <a:xfrm>
+            <a:off x="1446573" y="1783154"/>
+            <a:ext cx="9098388" cy="590739"/>
+          </a:xfrm>
+        </p:spPr>
         <p:txBody>
           <a:bodyPr/>
           <a:lstStyle/>
           <a:p>
             <a:r>
               <a:rPr lang="de-DE" dirty="0"/>
-              <a:t>Validierung: ~97% Accuracy</a:t>
-            </a:r>
-          </a:p>
-          <a:p>
+              <a:t>Validierung: ~97% </a:t>
+            </a:r>
+            <a:r>
+              <a:rPr lang="de-DE" dirty="0" err="1"/>
+              <a:t>Accuracy</a:t>
+            </a:r>
             <a:r>
               <a:rPr lang="de-DE" dirty="0"/>
-              <a:t>Test: eher dürftig</a:t>
+              <a:t>	||         Test: eher dürftig</a:t>
             </a:r>
           </a:p>
           <a:p>
             <a:endParaRPr lang="de-DE" dirty="0"/>
+          </a:p>
+        </p:txBody>
+      </p:sp>
+      <p:pic>
+        <p:nvPicPr>
+          <p:cNvPr id="5" name="Grafik 4">
+            <a:extLst>
+              <a:ext uri="{FF2B5EF4-FFF2-40B4-BE49-F238E27FC236}">
+                <a16:creationId xmlns:a16="http://schemas.microsoft.com/office/drawing/2014/main" id="{C69492F9-7C88-4E99-B33A-1962A9F2D752}"/>
+              </a:ext>
+            </a:extLst>
+          </p:cNvPr>
+          <p:cNvPicPr>
+            <a:picLocks noChangeAspect="1"/>
+          </p:cNvPicPr>
+          <p:nvPr/>
+        </p:nvPicPr>
+        <p:blipFill>
+          <a:blip r:embed="rId2">
+            <a:extLst>
+              <a:ext uri="{28A0092B-C50C-407E-A947-70E740481C1C}">
+                <a14:useLocalDpi xmlns:a14="http://schemas.microsoft.com/office/drawing/2010/main" val="0"/>
+              </a:ext>
+            </a:extLst>
+          </a:blip>
+          <a:stretch>
+            <a:fillRect/>
+          </a:stretch>
+        </p:blipFill>
+        <p:spPr>
+          <a:xfrm>
+            <a:off x="1362074" y="2885768"/>
+            <a:ext cx="4243893" cy="3607107"/>
+          </a:xfrm>
+          <a:prstGeom prst="rect">
+            <a:avLst/>
+          </a:prstGeom>
+        </p:spPr>
+      </p:pic>
+      <p:pic>
+        <p:nvPicPr>
+          <p:cNvPr id="9" name="Grafik 8">
+            <a:extLst>
+              <a:ext uri="{FF2B5EF4-FFF2-40B4-BE49-F238E27FC236}">
+                <a16:creationId xmlns:a16="http://schemas.microsoft.com/office/drawing/2014/main" id="{CC763271-8892-449A-90F0-5B40937FD5FC}"/>
+              </a:ext>
+            </a:extLst>
+          </p:cNvPr>
+          <p:cNvPicPr>
+            <a:picLocks noChangeAspect="1"/>
+          </p:cNvPicPr>
+          <p:nvPr/>
+        </p:nvPicPr>
+        <p:blipFill>
+          <a:blip r:embed="rId3">
+            <a:extLst>
+              <a:ext uri="{28A0092B-C50C-407E-A947-70E740481C1C}">
+                <a14:useLocalDpi xmlns:a14="http://schemas.microsoft.com/office/drawing/2010/main" val="0"/>
+              </a:ext>
+            </a:extLst>
+          </a:blip>
+          <a:stretch>
+            <a:fillRect/>
+          </a:stretch>
+        </p:blipFill>
+        <p:spPr>
+          <a:xfrm>
+            <a:off x="6586035" y="2885767"/>
+            <a:ext cx="4159391" cy="3607107"/>
+          </a:xfrm>
+          <a:prstGeom prst="rect">
+            <a:avLst/>
+          </a:prstGeom>
+        </p:spPr>
+      </p:pic>
+      <p:sp>
+        <p:nvSpPr>
+          <p:cNvPr id="10" name="Inhaltsplatzhalter 2">
+            <a:extLst>
+              <a:ext uri="{FF2B5EF4-FFF2-40B4-BE49-F238E27FC236}">
+                <a16:creationId xmlns:a16="http://schemas.microsoft.com/office/drawing/2014/main" id="{074D46C4-0040-49FD-85AF-E8BCA56586D3}"/>
+              </a:ext>
+            </a:extLst>
+          </p:cNvPr>
+          <p:cNvSpPr txBox="1">
+            <a:spLocks/>
+          </p:cNvSpPr>
+          <p:nvPr/>
+        </p:nvSpPr>
+        <p:spPr>
+          <a:xfrm>
+            <a:off x="1446573" y="2466363"/>
+            <a:ext cx="4159391" cy="419404"/>
+          </a:xfrm>
+          <a:prstGeom prst="rect">
+            <a:avLst/>
+          </a:prstGeom>
+        </p:spPr>
+        <p:txBody>
+          <a:bodyPr vert="horz" lIns="91440" tIns="45720" rIns="91440" bIns="45720" rtlCol="0">
+            <a:normAutofit lnSpcReduction="10000"/>
+          </a:bodyPr>
+          <a:lstStyle>
+            <a:lvl1pPr marL="228600" indent="-228600" algn="l" defTabSz="914400" rtl="0" eaLnBrk="1" latinLnBrk="0" hangingPunct="1">
+              <a:lnSpc>
+                <a:spcPct val="90000"/>
+              </a:lnSpc>
+              <a:spcBef>
+                <a:spcPts val="1000"/>
+              </a:spcBef>
+              <a:buFont typeface="Arial" panose="020B0604020202020204" pitchFamily="34" charset="0"/>
+              <a:buChar char="•"/>
+              <a:defRPr sz="2800" kern="1200">
+                <a:solidFill>
+                  <a:schemeClr val="tx1"/>
+                </a:solidFill>
+                <a:latin typeface="+mn-lt"/>
+                <a:ea typeface="+mn-ea"/>
+                <a:cs typeface="+mn-cs"/>
+              </a:defRPr>
+            </a:lvl1pPr>
+            <a:lvl2pPr marL="685800" indent="-228600" algn="l" defTabSz="914400" rtl="0" eaLnBrk="1" latinLnBrk="0" hangingPunct="1">
+              <a:lnSpc>
+                <a:spcPct val="90000"/>
+              </a:lnSpc>
+              <a:spcBef>
+                <a:spcPts val="500"/>
+              </a:spcBef>
+              <a:buFont typeface="Arial" panose="020B0604020202020204" pitchFamily="34" charset="0"/>
+              <a:buChar char="•"/>
+              <a:defRPr sz="2400" kern="1200">
+                <a:solidFill>
+                  <a:schemeClr val="tx1"/>
+                </a:solidFill>
+                <a:latin typeface="+mn-lt"/>
+                <a:ea typeface="+mn-ea"/>
+                <a:cs typeface="+mn-cs"/>
+              </a:defRPr>
+            </a:lvl2pPr>
+            <a:lvl3pPr marL="1143000" indent="-228600" algn="l" defTabSz="914400" rtl="0" eaLnBrk="1" latinLnBrk="0" hangingPunct="1">
+              <a:lnSpc>
+                <a:spcPct val="90000"/>
+              </a:lnSpc>
+              <a:spcBef>
+                <a:spcPts val="500"/>
+              </a:spcBef>
+              <a:buFont typeface="Arial" panose="020B0604020202020204" pitchFamily="34" charset="0"/>
+              <a:buChar char="•"/>
+              <a:defRPr sz="2000" kern="1200">
+                <a:solidFill>
+                  <a:schemeClr val="tx1"/>
+                </a:solidFill>
+                <a:latin typeface="+mn-lt"/>
+                <a:ea typeface="+mn-ea"/>
+                <a:cs typeface="+mn-cs"/>
+              </a:defRPr>
+            </a:lvl3pPr>
+            <a:lvl4pPr marL="1600200" indent="-228600" algn="l" defTabSz="914400" rtl="0" eaLnBrk="1" latinLnBrk="0" hangingPunct="1">
+              <a:lnSpc>
+                <a:spcPct val="90000"/>
+              </a:lnSpc>
+              <a:spcBef>
+                <a:spcPts val="500"/>
+              </a:spcBef>
+              <a:buFont typeface="Arial" panose="020B0604020202020204" pitchFamily="34" charset="0"/>
+              <a:buChar char="•"/>
+              <a:defRPr sz="1800" kern="1200">
+                <a:solidFill>
+                  <a:schemeClr val="tx1"/>
+                </a:solidFill>
+                <a:latin typeface="+mn-lt"/>
+                <a:ea typeface="+mn-ea"/>
+                <a:cs typeface="+mn-cs"/>
+              </a:defRPr>
+            </a:lvl4pPr>
+            <a:lvl5pPr marL="2057400" indent="-228600" algn="l" defTabSz="914400" rtl="0" eaLnBrk="1" latinLnBrk="0" hangingPunct="1">
+              <a:lnSpc>
+                <a:spcPct val="90000"/>
+              </a:lnSpc>
+              <a:spcBef>
+                <a:spcPts val="500"/>
+              </a:spcBef>
+              <a:buFont typeface="Arial" panose="020B0604020202020204" pitchFamily="34" charset="0"/>
+              <a:buChar char="•"/>
+              <a:defRPr sz="1800" kern="1200">
+                <a:solidFill>
+                  <a:schemeClr val="tx1"/>
+                </a:solidFill>
+                <a:latin typeface="+mn-lt"/>
+                <a:ea typeface="+mn-ea"/>
+                <a:cs typeface="+mn-cs"/>
+              </a:defRPr>
+            </a:lvl5pPr>
+            <a:lvl6pPr marL="2514600" indent="-228600" algn="l" defTabSz="914400" rtl="0" eaLnBrk="1" latinLnBrk="0" hangingPunct="1">
+              <a:lnSpc>
+                <a:spcPct val="90000"/>
+              </a:lnSpc>
+              <a:spcBef>
+                <a:spcPts val="500"/>
+              </a:spcBef>
+              <a:buFont typeface="Arial" panose="020B0604020202020204" pitchFamily="34" charset="0"/>
+              <a:buChar char="•"/>
+              <a:defRPr sz="1800" kern="1200">
+                <a:solidFill>
+                  <a:schemeClr val="tx1"/>
+                </a:solidFill>
+                <a:latin typeface="+mn-lt"/>
+                <a:ea typeface="+mn-ea"/>
+                <a:cs typeface="+mn-cs"/>
+              </a:defRPr>
+            </a:lvl6pPr>
+            <a:lvl7pPr marL="2971800" indent="-228600" algn="l" defTabSz="914400" rtl="0" eaLnBrk="1" latinLnBrk="0" hangingPunct="1">
+              <a:lnSpc>
+                <a:spcPct val="90000"/>
+              </a:lnSpc>
+              <a:spcBef>
+                <a:spcPts val="500"/>
+              </a:spcBef>
+              <a:buFont typeface="Arial" panose="020B0604020202020204" pitchFamily="34" charset="0"/>
+              <a:buChar char="•"/>
+              <a:defRPr sz="1800" kern="1200">
+                <a:solidFill>
+                  <a:schemeClr val="tx1"/>
+                </a:solidFill>
+                <a:latin typeface="+mn-lt"/>
+                <a:ea typeface="+mn-ea"/>
+                <a:cs typeface="+mn-cs"/>
+              </a:defRPr>
+            </a:lvl7pPr>
+            <a:lvl8pPr marL="3429000" indent="-228600" algn="l" defTabSz="914400" rtl="0" eaLnBrk="1" latinLnBrk="0" hangingPunct="1">
+              <a:lnSpc>
+                <a:spcPct val="90000"/>
+              </a:lnSpc>
+              <a:spcBef>
+                <a:spcPts val="500"/>
+              </a:spcBef>
+              <a:buFont typeface="Arial" panose="020B0604020202020204" pitchFamily="34" charset="0"/>
+              <a:buChar char="•"/>
+              <a:defRPr sz="1800" kern="1200">
+                <a:solidFill>
+                  <a:schemeClr val="tx1"/>
+                </a:solidFill>
+                <a:latin typeface="+mn-lt"/>
+                <a:ea typeface="+mn-ea"/>
+                <a:cs typeface="+mn-cs"/>
+              </a:defRPr>
+            </a:lvl8pPr>
+            <a:lvl9pPr marL="3886200" indent="-228600" algn="l" defTabSz="914400" rtl="0" eaLnBrk="1" latinLnBrk="0" hangingPunct="1">
+              <a:lnSpc>
+                <a:spcPct val="90000"/>
+              </a:lnSpc>
+              <a:spcBef>
+                <a:spcPts val="500"/>
+              </a:spcBef>
+              <a:buFont typeface="Arial" panose="020B0604020202020204" pitchFamily="34" charset="0"/>
+              <a:buChar char="•"/>
+              <a:defRPr sz="1800" kern="1200">
+                <a:solidFill>
+                  <a:schemeClr val="tx1"/>
+                </a:solidFill>
+                <a:latin typeface="+mn-lt"/>
+                <a:ea typeface="+mn-ea"/>
+                <a:cs typeface="+mn-cs"/>
+              </a:defRPr>
+            </a:lvl9pPr>
+          </a:lstStyle>
+          <a:p>
+            <a:pPr marL="0" indent="0">
+              <a:buNone/>
+            </a:pPr>
+            <a:r>
+              <a:rPr lang="de-DE" sz="1200" dirty="0" err="1"/>
+              <a:t>Confusion</a:t>
+            </a:r>
+            <a:r>
+              <a:rPr lang="de-DE" sz="1200" dirty="0"/>
+              <a:t>-Matrix für einen Testdatensatz mit 200 Bildern je Klasse (ohne Augmentation)</a:t>
+            </a:r>
+          </a:p>
+        </p:txBody>
+      </p:sp>
+      <p:sp>
+        <p:nvSpPr>
+          <p:cNvPr id="11" name="Inhaltsplatzhalter 2">
+            <a:extLst>
+              <a:ext uri="{FF2B5EF4-FFF2-40B4-BE49-F238E27FC236}">
+                <a16:creationId xmlns:a16="http://schemas.microsoft.com/office/drawing/2014/main" id="{C5845F37-177B-4EDF-8304-040ADB112C11}"/>
+              </a:ext>
+            </a:extLst>
+          </p:cNvPr>
+          <p:cNvSpPr txBox="1">
+            <a:spLocks/>
+          </p:cNvSpPr>
+          <p:nvPr/>
+        </p:nvSpPr>
+        <p:spPr>
+          <a:xfrm>
+            <a:off x="6586032" y="2466361"/>
+            <a:ext cx="4159391" cy="419405"/>
+          </a:xfrm>
+          <a:prstGeom prst="rect">
+            <a:avLst/>
+          </a:prstGeom>
+        </p:spPr>
+        <p:txBody>
+          <a:bodyPr vert="horz" lIns="91440" tIns="45720" rIns="91440" bIns="45720" rtlCol="0">
+            <a:normAutofit lnSpcReduction="10000"/>
+          </a:bodyPr>
+          <a:lstStyle>
+            <a:lvl1pPr marL="228600" indent="-228600" algn="l" defTabSz="914400" rtl="0" eaLnBrk="1" latinLnBrk="0" hangingPunct="1">
+              <a:lnSpc>
+                <a:spcPct val="90000"/>
+              </a:lnSpc>
+              <a:spcBef>
+                <a:spcPts val="1000"/>
+              </a:spcBef>
+              <a:buFont typeface="Arial" panose="020B0604020202020204" pitchFamily="34" charset="0"/>
+              <a:buChar char="•"/>
+              <a:defRPr sz="2800" kern="1200">
+                <a:solidFill>
+                  <a:schemeClr val="tx1"/>
+                </a:solidFill>
+                <a:latin typeface="+mn-lt"/>
+                <a:ea typeface="+mn-ea"/>
+                <a:cs typeface="+mn-cs"/>
+              </a:defRPr>
+            </a:lvl1pPr>
+            <a:lvl2pPr marL="685800" indent="-228600" algn="l" defTabSz="914400" rtl="0" eaLnBrk="1" latinLnBrk="0" hangingPunct="1">
+              <a:lnSpc>
+                <a:spcPct val="90000"/>
+              </a:lnSpc>
+              <a:spcBef>
+                <a:spcPts val="500"/>
+              </a:spcBef>
+              <a:buFont typeface="Arial" panose="020B0604020202020204" pitchFamily="34" charset="0"/>
+              <a:buChar char="•"/>
+              <a:defRPr sz="2400" kern="1200">
+                <a:solidFill>
+                  <a:schemeClr val="tx1"/>
+                </a:solidFill>
+                <a:latin typeface="+mn-lt"/>
+                <a:ea typeface="+mn-ea"/>
+                <a:cs typeface="+mn-cs"/>
+              </a:defRPr>
+            </a:lvl2pPr>
+            <a:lvl3pPr marL="1143000" indent="-228600" algn="l" defTabSz="914400" rtl="0" eaLnBrk="1" latinLnBrk="0" hangingPunct="1">
+              <a:lnSpc>
+                <a:spcPct val="90000"/>
+              </a:lnSpc>
+              <a:spcBef>
+                <a:spcPts val="500"/>
+              </a:spcBef>
+              <a:buFont typeface="Arial" panose="020B0604020202020204" pitchFamily="34" charset="0"/>
+              <a:buChar char="•"/>
+              <a:defRPr sz="2000" kern="1200">
+                <a:solidFill>
+                  <a:schemeClr val="tx1"/>
+                </a:solidFill>
+                <a:latin typeface="+mn-lt"/>
+                <a:ea typeface="+mn-ea"/>
+                <a:cs typeface="+mn-cs"/>
+              </a:defRPr>
+            </a:lvl3pPr>
+            <a:lvl4pPr marL="1600200" indent="-228600" algn="l" defTabSz="914400" rtl="0" eaLnBrk="1" latinLnBrk="0" hangingPunct="1">
+              <a:lnSpc>
+                <a:spcPct val="90000"/>
+              </a:lnSpc>
+              <a:spcBef>
+                <a:spcPts val="500"/>
+              </a:spcBef>
+              <a:buFont typeface="Arial" panose="020B0604020202020204" pitchFamily="34" charset="0"/>
+              <a:buChar char="•"/>
+              <a:defRPr sz="1800" kern="1200">
+                <a:solidFill>
+                  <a:schemeClr val="tx1"/>
+                </a:solidFill>
+                <a:latin typeface="+mn-lt"/>
+                <a:ea typeface="+mn-ea"/>
+                <a:cs typeface="+mn-cs"/>
+              </a:defRPr>
+            </a:lvl4pPr>
+            <a:lvl5pPr marL="2057400" indent="-228600" algn="l" defTabSz="914400" rtl="0" eaLnBrk="1" latinLnBrk="0" hangingPunct="1">
+              <a:lnSpc>
+                <a:spcPct val="90000"/>
+              </a:lnSpc>
+              <a:spcBef>
+                <a:spcPts val="500"/>
+              </a:spcBef>
+              <a:buFont typeface="Arial" panose="020B0604020202020204" pitchFamily="34" charset="0"/>
+              <a:buChar char="•"/>
+              <a:defRPr sz="1800" kern="1200">
+                <a:solidFill>
+                  <a:schemeClr val="tx1"/>
+                </a:solidFill>
+                <a:latin typeface="+mn-lt"/>
+                <a:ea typeface="+mn-ea"/>
+                <a:cs typeface="+mn-cs"/>
+              </a:defRPr>
+            </a:lvl5pPr>
+            <a:lvl6pPr marL="2514600" indent="-228600" algn="l" defTabSz="914400" rtl="0" eaLnBrk="1" latinLnBrk="0" hangingPunct="1">
+              <a:lnSpc>
+                <a:spcPct val="90000"/>
+              </a:lnSpc>
+              <a:spcBef>
+                <a:spcPts val="500"/>
+              </a:spcBef>
+              <a:buFont typeface="Arial" panose="020B0604020202020204" pitchFamily="34" charset="0"/>
+              <a:buChar char="•"/>
+              <a:defRPr sz="1800" kern="1200">
+                <a:solidFill>
+                  <a:schemeClr val="tx1"/>
+                </a:solidFill>
+                <a:latin typeface="+mn-lt"/>
+                <a:ea typeface="+mn-ea"/>
+                <a:cs typeface="+mn-cs"/>
+              </a:defRPr>
+            </a:lvl6pPr>
+            <a:lvl7pPr marL="2971800" indent="-228600" algn="l" defTabSz="914400" rtl="0" eaLnBrk="1" latinLnBrk="0" hangingPunct="1">
+              <a:lnSpc>
+                <a:spcPct val="90000"/>
+              </a:lnSpc>
+              <a:spcBef>
+                <a:spcPts val="500"/>
+              </a:spcBef>
+              <a:buFont typeface="Arial" panose="020B0604020202020204" pitchFamily="34" charset="0"/>
+              <a:buChar char="•"/>
+              <a:defRPr sz="1800" kern="1200">
+                <a:solidFill>
+                  <a:schemeClr val="tx1"/>
+                </a:solidFill>
+                <a:latin typeface="+mn-lt"/>
+                <a:ea typeface="+mn-ea"/>
+                <a:cs typeface="+mn-cs"/>
+              </a:defRPr>
+            </a:lvl7pPr>
+            <a:lvl8pPr marL="3429000" indent="-228600" algn="l" defTabSz="914400" rtl="0" eaLnBrk="1" latinLnBrk="0" hangingPunct="1">
+              <a:lnSpc>
+                <a:spcPct val="90000"/>
+              </a:lnSpc>
+              <a:spcBef>
+                <a:spcPts val="500"/>
+              </a:spcBef>
+              <a:buFont typeface="Arial" panose="020B0604020202020204" pitchFamily="34" charset="0"/>
+              <a:buChar char="•"/>
+              <a:defRPr sz="1800" kern="1200">
+                <a:solidFill>
+                  <a:schemeClr val="tx1"/>
+                </a:solidFill>
+                <a:latin typeface="+mn-lt"/>
+                <a:ea typeface="+mn-ea"/>
+                <a:cs typeface="+mn-cs"/>
+              </a:defRPr>
+            </a:lvl8pPr>
+            <a:lvl9pPr marL="3886200" indent="-228600" algn="l" defTabSz="914400" rtl="0" eaLnBrk="1" latinLnBrk="0" hangingPunct="1">
+              <a:lnSpc>
+                <a:spcPct val="90000"/>
+              </a:lnSpc>
+              <a:spcBef>
+                <a:spcPts val="500"/>
+              </a:spcBef>
+              <a:buFont typeface="Arial" panose="020B0604020202020204" pitchFamily="34" charset="0"/>
+              <a:buChar char="•"/>
+              <a:defRPr sz="1800" kern="1200">
+                <a:solidFill>
+                  <a:schemeClr val="tx1"/>
+                </a:solidFill>
+                <a:latin typeface="+mn-lt"/>
+                <a:ea typeface="+mn-ea"/>
+                <a:cs typeface="+mn-cs"/>
+              </a:defRPr>
+            </a:lvl9pPr>
+          </a:lstStyle>
+          <a:p>
+            <a:pPr marL="0" indent="0">
+              <a:buNone/>
+            </a:pPr>
+            <a:r>
+              <a:rPr lang="de-DE" sz="1200" dirty="0" err="1"/>
+              <a:t>Confusion</a:t>
+            </a:r>
+            <a:r>
+              <a:rPr lang="de-DE" sz="1200" dirty="0"/>
+              <a:t>-Matrix für den tatsächlichen Datensatz mit 2000 Bildern je Klasse (inkl. Augmentation)</a:t>
+            </a:r>
           </a:p>
         </p:txBody>
       </p:sp>
@@ -4477,55 +4968,114 @@
           </a:p>
         </p:txBody>
       </p:sp>
-      <p:sp>
-        <p:nvSpPr>
-          <p:cNvPr id="3" name="Inhaltsplatzhalter 2">
-            <a:extLst>
-              <a:ext uri="{FF2B5EF4-FFF2-40B4-BE49-F238E27FC236}">
-                <a16:creationId xmlns:a16="http://schemas.microsoft.com/office/drawing/2014/main" id="{3D0E6730-2CE6-4570-95E1-BCB41F33AEB7}"/>
-              </a:ext>
-            </a:extLst>
-          </p:cNvPr>
-          <p:cNvSpPr>
-            <a:spLocks noGrp="1"/>
-          </p:cNvSpPr>
-          <p:nvPr>
-            <p:ph idx="1"/>
-          </p:nvPr>
-        </p:nvSpPr>
-        <p:spPr/>
-        <p:txBody>
-          <a:bodyPr/>
-          <a:lstStyle/>
-          <a:p>
-            <a:r>
-              <a:rPr lang="de-DE" dirty="0"/>
-              <a:t>Hohe Varianz der Bilder innerhalb von Buchstabenklassen</a:t>
-            </a:r>
-          </a:p>
-          <a:p>
-            <a:r>
-              <a:rPr lang="de-DE" dirty="0"/>
-              <a:t>-&gt; gute Wahl der Parameter notwendig</a:t>
-            </a:r>
-          </a:p>
-          <a:p>
-            <a:endParaRPr lang="de-DE" dirty="0"/>
-          </a:p>
-          <a:p>
-            <a:r>
-              <a:rPr lang="de-DE" dirty="0"/>
-              <a:t>CNN bringt wie erwartet bessere Ergebnisse</a:t>
-            </a:r>
-          </a:p>
-          <a:p>
-            <a:endParaRPr lang="de-DE" dirty="0"/>
-          </a:p>
-          <a:p>
-            <a:endParaRPr lang="de-DE" dirty="0"/>
-          </a:p>
-        </p:txBody>
-      </p:sp>
+      <mc:AlternateContent xmlns:mc="http://schemas.openxmlformats.org/markup-compatibility/2006">
+        <mc:Choice xmlns:a14="http://schemas.microsoft.com/office/drawing/2010/main" Requires="a14">
+          <p:sp>
+            <p:nvSpPr>
+              <p:cNvPr id="3" name="Inhaltsplatzhalter 2">
+                <a:extLst>
+                  <a:ext uri="{FF2B5EF4-FFF2-40B4-BE49-F238E27FC236}">
+                    <a16:creationId xmlns:a16="http://schemas.microsoft.com/office/drawing/2014/main" id="{3D0E6730-2CE6-4570-95E1-BCB41F33AEB7}"/>
+                  </a:ext>
+                </a:extLst>
+              </p:cNvPr>
+              <p:cNvSpPr>
+                <a:spLocks noGrp="1"/>
+              </p:cNvSpPr>
+              <p:nvPr>
+                <p:ph idx="1"/>
+              </p:nvPr>
+            </p:nvSpPr>
+            <p:spPr/>
+            <p:txBody>
+              <a:bodyPr/>
+              <a:lstStyle/>
+              <a:p>
+                <a:r>
+                  <a:rPr lang="de-DE" dirty="0"/>
+                  <a:t>Hohe Varianz der Bilder innerhalb von Buchstabenklassen</a:t>
+                </a:r>
+              </a:p>
+              <a:p>
+                <a14:m>
+                  <m:oMath xmlns:m="http://schemas.openxmlformats.org/officeDocument/2006/math">
+                    <m:r>
+                      <a:rPr lang="de-DE" smtClean="0">
+                        <a:latin typeface="Cambria Math" panose="02040503050406030204" pitchFamily="18" charset="0"/>
+                      </a:rPr>
+                      <m:t>→</m:t>
+                    </m:r>
+                    <m:r>
+                      <a:rPr lang="de-DE" b="0" i="0" smtClean="0">
+                        <a:latin typeface="Cambria Math" panose="02040503050406030204" pitchFamily="18" charset="0"/>
+                      </a:rPr>
+                      <m:t> </m:t>
+                    </m:r>
+                  </m:oMath>
+                </a14:m>
+                <a:r>
+                  <a:rPr lang="de-DE" dirty="0"/>
+                  <a:t>gute Wahl der Parameter notwendig</a:t>
+                </a:r>
+              </a:p>
+              <a:p>
+                <a:endParaRPr lang="de-DE" dirty="0"/>
+              </a:p>
+              <a:p>
+                <a:r>
+                  <a:rPr lang="de-DE" dirty="0"/>
+                  <a:t>CNN bringt wie erwartet bessere Ergebnisse</a:t>
+                </a:r>
+              </a:p>
+              <a:p>
+                <a:endParaRPr lang="de-DE" dirty="0"/>
+              </a:p>
+              <a:p>
+                <a:endParaRPr lang="de-DE" dirty="0"/>
+              </a:p>
+            </p:txBody>
+          </p:sp>
+        </mc:Choice>
+        <mc:Fallback>
+          <p:sp>
+            <p:nvSpPr>
+              <p:cNvPr id="3" name="Inhaltsplatzhalter 2">
+                <a:extLst>
+                  <a:ext uri="{FF2B5EF4-FFF2-40B4-BE49-F238E27FC236}">
+                    <a16:creationId xmlns:a16="http://schemas.microsoft.com/office/drawing/2014/main" id="{3D0E6730-2CE6-4570-95E1-BCB41F33AEB7}"/>
+                  </a:ext>
+                </a:extLst>
+              </p:cNvPr>
+              <p:cNvSpPr>
+                <a:spLocks noGrp="1" noRot="1" noChangeAspect="1" noMove="1" noResize="1" noEditPoints="1" noAdjustHandles="1" noChangeArrowheads="1" noChangeShapeType="1" noTextEdit="1"/>
+              </p:cNvSpPr>
+              <p:nvPr>
+                <p:ph idx="1"/>
+              </p:nvPr>
+            </p:nvSpPr>
+            <p:spPr>
+              <a:blipFill>
+                <a:blip r:embed="rId2"/>
+                <a:stretch>
+                  <a:fillRect l="-1043" t="-2241"/>
+                </a:stretch>
+              </a:blipFill>
+            </p:spPr>
+            <p:txBody>
+              <a:bodyPr/>
+              <a:lstStyle/>
+              <a:p>
+                <a:r>
+                  <a:rPr lang="de-DE">
+                    <a:noFill/>
+                  </a:rPr>
+                  <a:t> </a:t>
+                </a:r>
+              </a:p>
+            </p:txBody>
+          </p:sp>
+        </mc:Fallback>
+      </mc:AlternateContent>
     </p:spTree>
     <p:extLst>
       <p:ext uri="{BB962C8B-B14F-4D97-AF65-F5344CB8AC3E}">
@@ -7097,7 +7647,7 @@
           <a:p>
             <a:r>
               <a:rPr lang="de-DE" dirty="0"/>
-              <a:t>CNN – Model (1)</a:t>
+              <a:t>CNN - Model (1)</a:t>
             </a:r>
           </a:p>
         </p:txBody>
@@ -7190,7 +7740,7 @@
           <a:p>
             <a:r>
               <a:rPr lang="de-DE" dirty="0"/>
-              <a:t>CNN – Model (2)</a:t>
+              <a:t>CNN - Model (2)</a:t>
             </a:r>
           </a:p>
         </p:txBody>

--- a/project/Präsentation CV-Prak [Di].pptx
+++ b/project/Präsentation CV-Prak [Di].pptx
@@ -5,7 +5,7 @@
     <p:sldMasterId id="2147483648" r:id="rId1"/>
   </p:sldMasterIdLst>
   <p:notesMasterIdLst>
-    <p:notesMasterId r:id="rId15"/>
+    <p:notesMasterId r:id="rId17"/>
   </p:notesMasterIdLst>
   <p:sldIdLst>
     <p:sldId id="256" r:id="rId2"/>
@@ -15,12 +15,14 @@
     <p:sldId id="260" r:id="rId6"/>
     <p:sldId id="261" r:id="rId7"/>
     <p:sldId id="268" r:id="rId8"/>
-    <p:sldId id="262" r:id="rId9"/>
-    <p:sldId id="264" r:id="rId10"/>
-    <p:sldId id="263" r:id="rId11"/>
-    <p:sldId id="266" r:id="rId12"/>
-    <p:sldId id="265" r:id="rId13"/>
-    <p:sldId id="267" r:id="rId14"/>
+    <p:sldId id="269" r:id="rId9"/>
+    <p:sldId id="262" r:id="rId10"/>
+    <p:sldId id="264" r:id="rId11"/>
+    <p:sldId id="263" r:id="rId12"/>
+    <p:sldId id="266" r:id="rId13"/>
+    <p:sldId id="265" r:id="rId14"/>
+    <p:sldId id="270" r:id="rId15"/>
+    <p:sldId id="267" r:id="rId16"/>
   </p:sldIdLst>
   <p:sldSz cx="12192000" cy="6858000"/>
   <p:notesSz cx="6858000" cy="9144000"/>
@@ -3918,7 +3920,7 @@
           <p:cNvPr id="2" name="Titel 1">
             <a:extLst>
               <a:ext uri="{FF2B5EF4-FFF2-40B4-BE49-F238E27FC236}">
-                <a16:creationId xmlns:a16="http://schemas.microsoft.com/office/drawing/2014/main" id="{0039F296-496E-47DA-87A9-572B69EE1ED2}"/>
+                <a16:creationId xmlns:a16="http://schemas.microsoft.com/office/drawing/2014/main" id="{A142D5CF-260A-4E31-8A84-A4B77466BCE9}"/>
               </a:ext>
             </a:extLst>
           </p:cNvPr>
@@ -3936,154 +3938,26 @@
           <a:p>
             <a:r>
               <a:rPr lang="de-DE" dirty="0"/>
-              <a:t>CNN - Parameter (am Ende)</a:t>
-            </a:r>
-          </a:p>
-        </p:txBody>
-      </p:sp>
-      <p:sp>
-        <p:nvSpPr>
-          <p:cNvPr id="3" name="Inhaltsplatzhalter 2">
-            <a:extLst>
-              <a:ext uri="{FF2B5EF4-FFF2-40B4-BE49-F238E27FC236}">
-                <a16:creationId xmlns:a16="http://schemas.microsoft.com/office/drawing/2014/main" id="{3D0E6730-2CE6-4570-95E1-BCB41F33AEB7}"/>
-              </a:ext>
-            </a:extLst>
-          </p:cNvPr>
-          <p:cNvSpPr>
-            <a:spLocks noGrp="1"/>
-          </p:cNvSpPr>
-          <p:nvPr>
-            <p:ph idx="1"/>
-          </p:nvPr>
-        </p:nvSpPr>
-        <p:spPr/>
-        <p:txBody>
-          <a:bodyPr/>
-          <a:lstStyle/>
-          <a:p>
-            <a:r>
-              <a:rPr lang="de-DE" dirty="0"/>
-              <a:t>Loss: Categorical Crossentropy</a:t>
-            </a:r>
-          </a:p>
-          <a:p>
-            <a:r>
-              <a:rPr lang="de-DE" dirty="0"/>
-              <a:t>Optimizer: SGD</a:t>
-            </a:r>
-          </a:p>
-          <a:p>
-            <a:r>
-              <a:rPr lang="de-DE" dirty="0"/>
-              <a:t>Learning Rate: 0.01</a:t>
-            </a:r>
-          </a:p>
-          <a:p>
-            <a:endParaRPr lang="de-DE" dirty="0"/>
-          </a:p>
-          <a:p>
-            <a:r>
-              <a:rPr lang="de-DE" dirty="0"/>
-              <a:t>Input Size: 2000 je Klasse</a:t>
-            </a:r>
-          </a:p>
-          <a:p>
-            <a:r>
-              <a:rPr lang="de-DE" dirty="0"/>
-              <a:t>Validation Split: 80:20</a:t>
-            </a:r>
-          </a:p>
-          <a:p>
-            <a:r>
-              <a:rPr lang="de-DE" dirty="0"/>
-              <a:t>Batch Size: 32</a:t>
-            </a:r>
-          </a:p>
-          <a:p>
-            <a:r>
-              <a:rPr lang="de-DE" dirty="0"/>
-              <a:t>Epochen: 200</a:t>
-            </a:r>
-          </a:p>
-          <a:p>
-            <a:endParaRPr lang="de-DE" dirty="0"/>
-          </a:p>
-        </p:txBody>
-      </p:sp>
-      <p:sp>
-        <p:nvSpPr>
-          <p:cNvPr id="6" name="TextBox 5">
-            <a:extLst>
-              <a:ext uri="{FF2B5EF4-FFF2-40B4-BE49-F238E27FC236}">
-                <a16:creationId xmlns:a16="http://schemas.microsoft.com/office/drawing/2014/main" id="{A8D97ADF-2896-4CB5-9406-AC15E0A51683}"/>
-              </a:ext>
-            </a:extLst>
-          </p:cNvPr>
-          <p:cNvSpPr txBox="1"/>
-          <p:nvPr/>
-        </p:nvSpPr>
-        <p:spPr>
-          <a:xfrm>
-            <a:off x="838200" y="6311900"/>
-            <a:ext cx="10934700" cy="369332"/>
-          </a:xfrm>
-          <a:prstGeom prst="rect">
-            <a:avLst/>
-          </a:prstGeom>
-          <a:noFill/>
-        </p:spPr>
-        <p:txBody>
-          <a:bodyPr wrap="square" rtlCol="0">
-            <a:spAutoFit/>
-          </a:bodyPr>
-          <a:lstStyle/>
-          <a:p>
-            <a:r>
-              <a:rPr lang="en-US" dirty="0" err="1"/>
-              <a:t>Bildausschnitt</a:t>
-            </a:r>
-            <a:r>
-              <a:rPr lang="en-US" dirty="0"/>
-              <a:t> (</a:t>
-            </a:r>
-            <a:r>
-              <a:rPr lang="en-US" dirty="0" err="1"/>
-              <a:t>oben</a:t>
-            </a:r>
-            <a:r>
-              <a:rPr lang="en-US" dirty="0"/>
-              <a:t>): http://</a:t>
-            </a:r>
-            <a:r>
-              <a:rPr lang="en-US" dirty="0" err="1"/>
-              <a:t>neuronus.com</a:t>
-            </a:r>
-            <a:r>
-              <a:rPr lang="en-US" dirty="0"/>
-              <a:t>/images/news/2017_04/</a:t>
-            </a:r>
-            <a:r>
-              <a:rPr lang="en-US" dirty="0" err="1"/>
-              <a:t>4ff3daca463adbb35a3b725bccf05273.png</a:t>
-            </a:r>
-            <a:endParaRPr lang="en-US" dirty="0"/>
+              <a:t>CNN - Model (2)</a:t>
+            </a:r>
           </a:p>
         </p:txBody>
       </p:sp>
       <p:pic>
         <p:nvPicPr>
-          <p:cNvPr id="8" name="Picture 7">
-            <a:extLst>
-              <a:ext uri="{FF2B5EF4-FFF2-40B4-BE49-F238E27FC236}">
-                <a16:creationId xmlns:a16="http://schemas.microsoft.com/office/drawing/2014/main" id="{950CC0A6-9AE0-4CEE-AA66-AE4A8C6D60A2}"/>
+          <p:cNvPr id="9" name="Content Placeholder 8">
+            <a:extLst>
+              <a:ext uri="{FF2B5EF4-FFF2-40B4-BE49-F238E27FC236}">
+                <a16:creationId xmlns:a16="http://schemas.microsoft.com/office/drawing/2014/main" id="{9089E4B0-DA8C-411F-8E69-BF5D4BE493F0}"/>
               </a:ext>
             </a:extLst>
           </p:cNvPr>
           <p:cNvPicPr>
-            <a:picLocks noChangeAspect="1"/>
+            <a:picLocks noGrp="1" noChangeAspect="1"/>
           </p:cNvPicPr>
-          <p:nvPr/>
+          <p:nvPr>
+            <p:ph idx="1"/>
+          </p:nvPr>
         </p:nvPicPr>
         <p:blipFill>
           <a:blip r:embed="rId2">
@@ -4099,54 +3973,293 @@
         </p:blipFill>
         <p:spPr>
           <a:xfrm>
-            <a:off x="6096000" y="1694442"/>
-            <a:ext cx="5676900" cy="2001258"/>
+            <a:off x="838200" y="1548264"/>
+            <a:ext cx="8997530" cy="4351338"/>
+          </a:xfrm>
+        </p:spPr>
+      </p:pic>
+      <p:sp>
+        <p:nvSpPr>
+          <p:cNvPr id="3" name="TextBox 2">
+            <a:extLst>
+              <a:ext uri="{FF2B5EF4-FFF2-40B4-BE49-F238E27FC236}">
+                <a16:creationId xmlns:a16="http://schemas.microsoft.com/office/drawing/2014/main" id="{5CC2C52F-4ED9-4A12-B2E4-7EC613C50DC7}"/>
+              </a:ext>
+            </a:extLst>
+          </p:cNvPr>
+          <p:cNvSpPr txBox="1"/>
+          <p:nvPr/>
+        </p:nvSpPr>
+        <p:spPr>
+          <a:xfrm>
+            <a:off x="9835730" y="1461775"/>
+            <a:ext cx="2027980" cy="954107"/>
           </a:xfrm>
           <a:prstGeom prst="rect">
             <a:avLst/>
           </a:prstGeom>
-        </p:spPr>
-      </p:pic>
-      <p:pic>
-        <p:nvPicPr>
-          <p:cNvPr id="10" name="Picture 9">
-            <a:extLst>
-              <a:ext uri="{FF2B5EF4-FFF2-40B4-BE49-F238E27FC236}">
-                <a16:creationId xmlns:a16="http://schemas.microsoft.com/office/drawing/2014/main" id="{5F4F9473-0ECA-4048-81C6-54CB1986CB7B}"/>
-              </a:ext>
-            </a:extLst>
-          </p:cNvPr>
-          <p:cNvPicPr>
-            <a:picLocks noChangeAspect="1"/>
-          </p:cNvPicPr>
+          <a:noFill/>
+        </p:spPr>
+        <p:txBody>
+          <a:bodyPr wrap="square" rtlCol="0">
+            <a:spAutoFit/>
+          </a:bodyPr>
+          <a:lstStyle/>
+          <a:p>
+            <a:pPr algn="ctr"/>
+            <a:r>
+              <a:rPr lang="en-US" sz="2800" b="1" dirty="0"/>
+              <a:t>Activation:</a:t>
+            </a:r>
+          </a:p>
+          <a:p>
+            <a:pPr algn="ctr"/>
+            <a:r>
+              <a:rPr lang="en-US" sz="2800" b="1" dirty="0" err="1"/>
+              <a:t>ReLu</a:t>
+            </a:r>
+            <a:endParaRPr lang="en-US" sz="2800" b="1" dirty="0"/>
+          </a:p>
+        </p:txBody>
+      </p:sp>
+      <p:sp>
+        <p:nvSpPr>
+          <p:cNvPr id="5" name="TextBox 4">
+            <a:extLst>
+              <a:ext uri="{FF2B5EF4-FFF2-40B4-BE49-F238E27FC236}">
+                <a16:creationId xmlns:a16="http://schemas.microsoft.com/office/drawing/2014/main" id="{1BB7B357-BCF7-4BE1-BBE1-55FD9976234E}"/>
+              </a:ext>
+            </a:extLst>
+          </p:cNvPr>
+          <p:cNvSpPr txBox="1"/>
           <p:nvPr/>
-        </p:nvPicPr>
-        <p:blipFill>
-          <a:blip r:embed="rId3">
-            <a:extLst>
-              <a:ext uri="{28A0092B-C50C-407E-A947-70E740481C1C}">
-                <a14:useLocalDpi xmlns:a14="http://schemas.microsoft.com/office/drawing/2010/main" val="0"/>
-              </a:ext>
-            </a:extLst>
-          </a:blip>
-          <a:stretch>
-            <a:fillRect/>
-          </a:stretch>
-        </p:blipFill>
-        <p:spPr>
-          <a:xfrm>
-            <a:off x="5396610" y="4306888"/>
-            <a:ext cx="6027040" cy="1544819"/>
+        </p:nvSpPr>
+        <p:spPr>
+          <a:xfrm>
+            <a:off x="10396134" y="3723933"/>
+            <a:ext cx="907171" cy="523220"/>
           </a:xfrm>
           <a:prstGeom prst="rect">
             <a:avLst/>
           </a:prstGeom>
-        </p:spPr>
-      </p:pic>
+          <a:noFill/>
+        </p:spPr>
+        <p:txBody>
+          <a:bodyPr wrap="none" rtlCol="0">
+            <a:spAutoFit/>
+          </a:bodyPr>
+          <a:lstStyle/>
+          <a:p>
+            <a:r>
+              <a:rPr lang="en-US" sz="2800" b="1" dirty="0" err="1"/>
+              <a:t>ReLu</a:t>
+            </a:r>
+            <a:endParaRPr lang="en-US" sz="2800" b="1" dirty="0"/>
+          </a:p>
+        </p:txBody>
+      </p:sp>
+      <p:sp>
+        <p:nvSpPr>
+          <p:cNvPr id="6" name="TextBox 5">
+            <a:extLst>
+              <a:ext uri="{FF2B5EF4-FFF2-40B4-BE49-F238E27FC236}">
+                <a16:creationId xmlns:a16="http://schemas.microsoft.com/office/drawing/2014/main" id="{EF823A2D-499E-4375-8E83-7E51B079822B}"/>
+              </a:ext>
+            </a:extLst>
+          </p:cNvPr>
+          <p:cNvSpPr txBox="1"/>
+          <p:nvPr/>
+        </p:nvSpPr>
+        <p:spPr>
+          <a:xfrm>
+            <a:off x="10141095" y="5134615"/>
+            <a:ext cx="1417247" cy="523220"/>
+          </a:xfrm>
+          <a:prstGeom prst="rect">
+            <a:avLst/>
+          </a:prstGeom>
+          <a:noFill/>
+        </p:spPr>
+        <p:txBody>
+          <a:bodyPr wrap="none" rtlCol="0">
+            <a:spAutoFit/>
+          </a:bodyPr>
+          <a:lstStyle/>
+          <a:p>
+            <a:r>
+              <a:rPr lang="en-US" sz="2800" b="1" dirty="0" err="1"/>
+              <a:t>Softmax</a:t>
+            </a:r>
+            <a:endParaRPr lang="en-US" sz="2800" b="1" dirty="0"/>
+          </a:p>
+        </p:txBody>
+      </p:sp>
+      <p:sp>
+        <p:nvSpPr>
+          <p:cNvPr id="4" name="Rechteck 3">
+            <a:extLst>
+              <a:ext uri="{FF2B5EF4-FFF2-40B4-BE49-F238E27FC236}">
+                <a16:creationId xmlns:a16="http://schemas.microsoft.com/office/drawing/2014/main" id="{E7167831-B25C-496D-A4CE-A33607940646}"/>
+              </a:ext>
+            </a:extLst>
+          </p:cNvPr>
+          <p:cNvSpPr/>
+          <p:nvPr/>
+        </p:nvSpPr>
+        <p:spPr>
+          <a:xfrm>
+            <a:off x="838200" y="1548264"/>
+            <a:ext cx="202035" cy="4351338"/>
+          </a:xfrm>
+          <a:prstGeom prst="rect">
+            <a:avLst/>
+          </a:prstGeom>
+          <a:solidFill>
+            <a:schemeClr val="bg1"/>
+          </a:solidFill>
+          <a:ln>
+            <a:solidFill>
+              <a:schemeClr val="bg1"/>
+            </a:solidFill>
+          </a:ln>
+        </p:spPr>
+        <p:style>
+          <a:lnRef idx="2">
+            <a:schemeClr val="accent1">
+              <a:shade val="50000"/>
+            </a:schemeClr>
+          </a:lnRef>
+          <a:fillRef idx="1">
+            <a:schemeClr val="accent1"/>
+          </a:fillRef>
+          <a:effectRef idx="0">
+            <a:schemeClr val="accent1"/>
+          </a:effectRef>
+          <a:fontRef idx="minor">
+            <a:schemeClr val="lt1"/>
+          </a:fontRef>
+        </p:style>
+        <p:txBody>
+          <a:bodyPr rtlCol="0" anchor="ctr"/>
+          <a:lstStyle/>
+          <a:p>
+            <a:pPr algn="ctr"/>
+            <a:endParaRPr lang="en-US"/>
+          </a:p>
+        </p:txBody>
+      </p:sp>
+      <p:sp>
+        <p:nvSpPr>
+          <p:cNvPr id="8" name="Rechteck 7">
+            <a:extLst>
+              <a:ext uri="{FF2B5EF4-FFF2-40B4-BE49-F238E27FC236}">
+                <a16:creationId xmlns:a16="http://schemas.microsoft.com/office/drawing/2014/main" id="{7A929654-6626-465F-B03A-448793858757}"/>
+              </a:ext>
+            </a:extLst>
+          </p:cNvPr>
+          <p:cNvSpPr/>
+          <p:nvPr/>
+        </p:nvSpPr>
+        <p:spPr>
+          <a:xfrm>
+            <a:off x="9288840" y="3120235"/>
+            <a:ext cx="276761" cy="2779367"/>
+          </a:xfrm>
+          <a:prstGeom prst="rect">
+            <a:avLst/>
+          </a:prstGeom>
+          <a:solidFill>
+            <a:schemeClr val="bg1"/>
+          </a:solidFill>
+          <a:ln>
+            <a:solidFill>
+              <a:schemeClr val="bg1"/>
+            </a:solidFill>
+          </a:ln>
+        </p:spPr>
+        <p:style>
+          <a:lnRef idx="2">
+            <a:schemeClr val="accent1">
+              <a:shade val="50000"/>
+            </a:schemeClr>
+          </a:lnRef>
+          <a:fillRef idx="1">
+            <a:schemeClr val="accent1"/>
+          </a:fillRef>
+          <a:effectRef idx="0">
+            <a:schemeClr val="accent1"/>
+          </a:effectRef>
+          <a:fontRef idx="minor">
+            <a:schemeClr val="lt1"/>
+          </a:fontRef>
+        </p:style>
+        <p:txBody>
+          <a:bodyPr rtlCol="0" anchor="ctr"/>
+          <a:lstStyle/>
+          <a:p>
+            <a:pPr algn="ctr"/>
+            <a:endParaRPr lang="en-US"/>
+          </a:p>
+        </p:txBody>
+      </p:sp>
+      <p:sp>
+        <p:nvSpPr>
+          <p:cNvPr id="10" name="Rechteck 9">
+            <a:extLst>
+              <a:ext uri="{FF2B5EF4-FFF2-40B4-BE49-F238E27FC236}">
+                <a16:creationId xmlns:a16="http://schemas.microsoft.com/office/drawing/2014/main" id="{030B177A-2DC5-478F-821A-8D6610075BF7}"/>
+              </a:ext>
+            </a:extLst>
+          </p:cNvPr>
+          <p:cNvSpPr/>
+          <p:nvPr/>
+        </p:nvSpPr>
+        <p:spPr>
+          <a:xfrm>
+            <a:off x="8400230" y="1610686"/>
+            <a:ext cx="139763" cy="1753300"/>
+          </a:xfrm>
+          <a:prstGeom prst="rect">
+            <a:avLst/>
+          </a:prstGeom>
+          <a:solidFill>
+            <a:schemeClr val="bg1"/>
+          </a:solidFill>
+          <a:ln>
+            <a:solidFill>
+              <a:schemeClr val="bg1"/>
+            </a:solidFill>
+          </a:ln>
+        </p:spPr>
+        <p:style>
+          <a:lnRef idx="2">
+            <a:schemeClr val="accent1">
+              <a:shade val="50000"/>
+            </a:schemeClr>
+          </a:lnRef>
+          <a:fillRef idx="1">
+            <a:schemeClr val="accent1"/>
+          </a:fillRef>
+          <a:effectRef idx="0">
+            <a:schemeClr val="accent1"/>
+          </a:effectRef>
+          <a:fontRef idx="minor">
+            <a:schemeClr val="lt1"/>
+          </a:fontRef>
+        </p:style>
+        <p:txBody>
+          <a:bodyPr rtlCol="0" anchor="ctr"/>
+          <a:lstStyle/>
+          <a:p>
+            <a:pPr algn="ctr"/>
+            <a:endParaRPr lang="en-US"/>
+          </a:p>
+        </p:txBody>
+      </p:sp>
     </p:spTree>
     <p:extLst>
       <p:ext uri="{BB962C8B-B14F-4D97-AF65-F5344CB8AC3E}">
-        <p14:creationId xmlns:p14="http://schemas.microsoft.com/office/powerpoint/2010/main" val="1818316990"/>
+        <p14:creationId xmlns:p14="http://schemas.microsoft.com/office/powerpoint/2010/main" val="3048087049"/>
       </p:ext>
     </p:extLst>
   </p:cSld>
@@ -4196,7 +4309,7 @@
           <a:p>
             <a:r>
               <a:rPr lang="de-DE" dirty="0"/>
-              <a:t>CNN - Probleme &amp; Optimierung</a:t>
+              <a:t>CNN - Parameter (am Ende)</a:t>
             </a:r>
           </a:p>
         </p:txBody>
@@ -4222,112 +4335,191 @@
           <a:bodyPr/>
           <a:lstStyle/>
           <a:p>
-            <a:pPr marL="0" indent="0">
-              <a:buNone/>
-            </a:pPr>
-            <a:r>
-              <a:rPr lang="de-DE" sz="3200" b="1" dirty="0"/>
-              <a:t>Probleme</a:t>
-            </a:r>
-          </a:p>
-          <a:p>
-            <a:pPr marL="0" indent="0">
-              <a:buNone/>
-            </a:pPr>
-            <a:r>
-              <a:rPr lang="de-DE" b="1" dirty="0"/>
-              <a:t>Overfitting: </a:t>
-            </a:r>
             <a:r>
               <a:rPr lang="de-DE" dirty="0"/>
-              <a:t>Daten werden auswendig gelernt; keine Generalisierung</a:t>
-            </a:r>
-          </a:p>
-          <a:p>
-            <a:pPr marL="0" indent="0">
-              <a:buNone/>
-            </a:pPr>
-            <a:r>
-              <a:rPr lang="de-DE" b="1" dirty="0"/>
-              <a:t>Zu wenig Daten: </a:t>
-            </a:r>
+              <a:t>Loss: Categorical Crossentropy</a:t>
+            </a:r>
+          </a:p>
+          <a:p>
             <a:r>
               <a:rPr lang="de-DE" dirty="0"/>
-              <a:t>Schlechtere Performance</a:t>
-            </a:r>
-          </a:p>
-          <a:p>
-            <a:pPr marL="0" indent="0">
-              <a:buNone/>
-            </a:pPr>
-            <a:r>
-              <a:rPr lang="de-DE" b="1" dirty="0"/>
-              <a:t>Tradeoff: </a:t>
-            </a:r>
+              <a:t>Optimizer: SGD</a:t>
+            </a:r>
+          </a:p>
+          <a:p>
             <a:r>
               <a:rPr lang="de-DE" dirty="0"/>
-              <a:t>Leistung vs. Zeitverbrauch</a:t>
-            </a:r>
-          </a:p>
-          <a:p>
-            <a:pPr marL="0" indent="0">
-              <a:buNone/>
-            </a:pPr>
+              <a:t>Learning Rate: 0.01</a:t>
+            </a:r>
+          </a:p>
+          <a:p>
             <a:endParaRPr lang="de-DE" dirty="0"/>
           </a:p>
           <a:p>
-            <a:pPr marL="0" indent="0">
-              <a:buNone/>
-            </a:pPr>
             <a:r>
               <a:rPr lang="de-DE" dirty="0"/>
-              <a:t>-&gt; </a:t>
-            </a:r>
-            <a:r>
-              <a:rPr lang="de-DE" b="1" dirty="0"/>
-              <a:t>Early Stopping: </a:t>
-            </a:r>
+              <a:t>Input Size: ~1600 je Klasse </a:t>
+            </a:r>
+          </a:p>
+          <a:p>
             <a:r>
               <a:rPr lang="de-DE" dirty="0"/>
-              <a:t>Spart Zeit, wenn sich nichts mehr tut</a:t>
-            </a:r>
-          </a:p>
-          <a:p>
-            <a:pPr marL="0" indent="0">
-              <a:buNone/>
-            </a:pPr>
+              <a:t>Validation Split: 80:20</a:t>
+            </a:r>
+          </a:p>
+          <a:p>
             <a:r>
               <a:rPr lang="de-DE" dirty="0"/>
-              <a:t>-&gt; </a:t>
-            </a:r>
-            <a:r>
-              <a:rPr lang="de-DE" b="1" dirty="0"/>
-              <a:t>Save Best Weights: </a:t>
-            </a:r>
+              <a:t>Batch Size: 32</a:t>
+            </a:r>
+          </a:p>
+          <a:p>
             <a:r>
               <a:rPr lang="de-DE" dirty="0"/>
-              <a:t>Merke gute Parameter</a:t>
-            </a:r>
-          </a:p>
-          <a:p>
-            <a:pPr marL="0" indent="0">
-              <a:buNone/>
-            </a:pPr>
-            <a:r>
-              <a:rPr lang="de-DE" dirty="0"/>
-              <a:t>-&gt; </a:t>
-            </a:r>
-            <a:r>
-              <a:rPr lang="de-DE" b="1" dirty="0"/>
-              <a:t>Restrukturierung des CNNs</a:t>
-            </a:r>
-          </a:p>
-        </p:txBody>
-      </p:sp>
+              <a:t>Epochen: 200</a:t>
+            </a:r>
+          </a:p>
+          <a:p>
+            <a:endParaRPr lang="de-DE" dirty="0"/>
+          </a:p>
+        </p:txBody>
+      </p:sp>
+      <p:sp>
+        <p:nvSpPr>
+          <p:cNvPr id="6" name="TextBox 5">
+            <a:extLst>
+              <a:ext uri="{FF2B5EF4-FFF2-40B4-BE49-F238E27FC236}">
+                <a16:creationId xmlns:a16="http://schemas.microsoft.com/office/drawing/2014/main" id="{A8D97ADF-2896-4CB5-9406-AC15E0A51683}"/>
+              </a:ext>
+            </a:extLst>
+          </p:cNvPr>
+          <p:cNvSpPr txBox="1"/>
+          <p:nvPr/>
+        </p:nvSpPr>
+        <p:spPr>
+          <a:xfrm>
+            <a:off x="838200" y="6311900"/>
+            <a:ext cx="10934700" cy="369332"/>
+          </a:xfrm>
+          <a:prstGeom prst="rect">
+            <a:avLst/>
+          </a:prstGeom>
+          <a:noFill/>
+        </p:spPr>
+        <p:txBody>
+          <a:bodyPr wrap="square" rtlCol="0">
+            <a:spAutoFit/>
+          </a:bodyPr>
+          <a:lstStyle/>
+          <a:p>
+            <a:r>
+              <a:rPr lang="en-US" dirty="0" err="1"/>
+              <a:t>Bildausschnitt</a:t>
+            </a:r>
+            <a:r>
+              <a:rPr lang="en-US" dirty="0"/>
+              <a:t> (</a:t>
+            </a:r>
+            <a:r>
+              <a:rPr lang="en-US" dirty="0" err="1"/>
+              <a:t>oben</a:t>
+            </a:r>
+            <a:r>
+              <a:rPr lang="en-US" dirty="0"/>
+              <a:t>): http://</a:t>
+            </a:r>
+            <a:r>
+              <a:rPr lang="en-US" dirty="0" err="1"/>
+              <a:t>neuronus.com</a:t>
+            </a:r>
+            <a:r>
+              <a:rPr lang="en-US" dirty="0"/>
+              <a:t>/images/news/2017_04/</a:t>
+            </a:r>
+            <a:r>
+              <a:rPr lang="en-US" dirty="0" err="1"/>
+              <a:t>4ff3daca463adbb35a3b725bccf05273.png</a:t>
+            </a:r>
+            <a:endParaRPr lang="en-US" dirty="0"/>
+          </a:p>
+        </p:txBody>
+      </p:sp>
+      <p:pic>
+        <p:nvPicPr>
+          <p:cNvPr id="8" name="Picture 7">
+            <a:extLst>
+              <a:ext uri="{FF2B5EF4-FFF2-40B4-BE49-F238E27FC236}">
+                <a16:creationId xmlns:a16="http://schemas.microsoft.com/office/drawing/2014/main" id="{950CC0A6-9AE0-4CEE-AA66-AE4A8C6D60A2}"/>
+              </a:ext>
+            </a:extLst>
+          </p:cNvPr>
+          <p:cNvPicPr>
+            <a:picLocks noChangeAspect="1"/>
+          </p:cNvPicPr>
+          <p:nvPr/>
+        </p:nvPicPr>
+        <p:blipFill>
+          <a:blip r:embed="rId2">
+            <a:extLst>
+              <a:ext uri="{28A0092B-C50C-407E-A947-70E740481C1C}">
+                <a14:useLocalDpi xmlns:a14="http://schemas.microsoft.com/office/drawing/2010/main" val="0"/>
+              </a:ext>
+            </a:extLst>
+          </a:blip>
+          <a:stretch>
+            <a:fillRect/>
+          </a:stretch>
+        </p:blipFill>
+        <p:spPr>
+          <a:xfrm>
+            <a:off x="6096000" y="1694442"/>
+            <a:ext cx="5676900" cy="2001258"/>
+          </a:xfrm>
+          <a:prstGeom prst="rect">
+            <a:avLst/>
+          </a:prstGeom>
+        </p:spPr>
+      </p:pic>
+      <p:pic>
+        <p:nvPicPr>
+          <p:cNvPr id="10" name="Picture 9">
+            <a:extLst>
+              <a:ext uri="{FF2B5EF4-FFF2-40B4-BE49-F238E27FC236}">
+                <a16:creationId xmlns:a16="http://schemas.microsoft.com/office/drawing/2014/main" id="{5F4F9473-0ECA-4048-81C6-54CB1986CB7B}"/>
+              </a:ext>
+            </a:extLst>
+          </p:cNvPr>
+          <p:cNvPicPr>
+            <a:picLocks noChangeAspect="1"/>
+          </p:cNvPicPr>
+          <p:nvPr/>
+        </p:nvPicPr>
+        <p:blipFill>
+          <a:blip r:embed="rId3">
+            <a:extLst>
+              <a:ext uri="{28A0092B-C50C-407E-A947-70E740481C1C}">
+                <a14:useLocalDpi xmlns:a14="http://schemas.microsoft.com/office/drawing/2010/main" val="0"/>
+              </a:ext>
+            </a:extLst>
+          </a:blip>
+          <a:stretch>
+            <a:fillRect/>
+          </a:stretch>
+        </p:blipFill>
+        <p:spPr>
+          <a:xfrm>
+            <a:off x="5396610" y="4306888"/>
+            <a:ext cx="6027040" cy="1544819"/>
+          </a:xfrm>
+          <a:prstGeom prst="rect">
+            <a:avLst/>
+          </a:prstGeom>
+        </p:spPr>
+      </p:pic>
     </p:spTree>
     <p:extLst>
       <p:ext uri="{BB962C8B-B14F-4D97-AF65-F5344CB8AC3E}">
-        <p14:creationId xmlns:p14="http://schemas.microsoft.com/office/powerpoint/2010/main" val="1144931553"/>
+        <p14:creationId xmlns:p14="http://schemas.microsoft.com/office/powerpoint/2010/main" val="1818316990"/>
       </p:ext>
     </p:extLst>
   </p:cSld>
@@ -4377,6 +4569,248 @@
           <a:p>
             <a:r>
               <a:rPr lang="de-DE" dirty="0"/>
+              <a:t>CNN - Probleme &amp; Optimierung</a:t>
+            </a:r>
+          </a:p>
+        </p:txBody>
+      </p:sp>
+      <p:sp>
+        <p:nvSpPr>
+          <p:cNvPr id="3" name="Inhaltsplatzhalter 2">
+            <a:extLst>
+              <a:ext uri="{FF2B5EF4-FFF2-40B4-BE49-F238E27FC236}">
+                <a16:creationId xmlns:a16="http://schemas.microsoft.com/office/drawing/2014/main" id="{3D0E6730-2CE6-4570-95E1-BCB41F33AEB7}"/>
+              </a:ext>
+            </a:extLst>
+          </p:cNvPr>
+          <p:cNvSpPr>
+            <a:spLocks noGrp="1"/>
+          </p:cNvSpPr>
+          <p:nvPr>
+            <p:ph idx="1"/>
+          </p:nvPr>
+        </p:nvSpPr>
+        <p:spPr/>
+        <p:txBody>
+          <a:bodyPr>
+            <a:normAutofit fontScale="92500" lnSpcReduction="20000"/>
+          </a:bodyPr>
+          <a:lstStyle/>
+          <a:p>
+            <a:pPr marL="0" indent="0">
+              <a:buNone/>
+            </a:pPr>
+            <a:r>
+              <a:rPr lang="de-DE" sz="3200" b="1" dirty="0"/>
+              <a:t>Probleme</a:t>
+            </a:r>
+          </a:p>
+          <a:p>
+            <a:pPr marL="0" indent="0">
+              <a:buNone/>
+            </a:pPr>
+            <a:r>
+              <a:rPr lang="de-DE" b="1" dirty="0"/>
+              <a:t>Overfitting: </a:t>
+            </a:r>
+            <a:r>
+              <a:rPr lang="de-DE" dirty="0"/>
+              <a:t>Daten werden auswendig gelernt; keine Generalisierung</a:t>
+            </a:r>
+          </a:p>
+          <a:p>
+            <a:pPr marL="0" indent="0">
+              <a:buNone/>
+            </a:pPr>
+            <a:r>
+              <a:rPr lang="de-DE" dirty="0"/>
+              <a:t>-&gt; </a:t>
+            </a:r>
+            <a:r>
+              <a:rPr lang="de-DE" b="1" dirty="0"/>
+              <a:t>Early </a:t>
+            </a:r>
+            <a:r>
+              <a:rPr lang="de-DE" b="1" dirty="0" err="1"/>
+              <a:t>Stopping</a:t>
+            </a:r>
+            <a:r>
+              <a:rPr lang="de-DE" b="1" dirty="0"/>
+              <a:t>: </a:t>
+            </a:r>
+            <a:r>
+              <a:rPr lang="de-DE" dirty="0"/>
+              <a:t>Bricht ab, wenn Loss nicht besser</a:t>
+            </a:r>
+          </a:p>
+          <a:p>
+            <a:pPr marL="0" indent="0">
+              <a:buNone/>
+            </a:pPr>
+            <a:r>
+              <a:rPr lang="de-DE" dirty="0"/>
+              <a:t>-</a:t>
+            </a:r>
+            <a:r>
+              <a:rPr lang="en-US" dirty="0"/>
+              <a:t>&gt; </a:t>
+            </a:r>
+            <a:r>
+              <a:rPr lang="en-US" b="1" dirty="0"/>
+              <a:t>Dropout Layer:</a:t>
+            </a:r>
+            <a:r>
+              <a:rPr lang="en-US" dirty="0"/>
+              <a:t> Modell muss </a:t>
+            </a:r>
+            <a:r>
+              <a:rPr lang="en-US" dirty="0" err="1"/>
+              <a:t>besser</a:t>
+            </a:r>
+            <a:r>
+              <a:rPr lang="en-US" dirty="0"/>
+              <a:t> </a:t>
+            </a:r>
+            <a:r>
+              <a:rPr lang="en-US" dirty="0" err="1"/>
+              <a:t>generalisieren</a:t>
+            </a:r>
+            <a:endParaRPr lang="de-DE" dirty="0"/>
+          </a:p>
+          <a:p>
+            <a:pPr marL="0" indent="0">
+              <a:buNone/>
+            </a:pPr>
+            <a:r>
+              <a:rPr lang="de-DE" b="1" dirty="0"/>
+              <a:t>Zu wenig Daten: </a:t>
+            </a:r>
+            <a:r>
+              <a:rPr lang="de-DE" dirty="0"/>
+              <a:t>Schlechtere Performance</a:t>
+            </a:r>
+          </a:p>
+          <a:p>
+            <a:pPr marL="0" indent="0">
+              <a:buNone/>
+            </a:pPr>
+            <a:r>
+              <a:rPr lang="de-DE" dirty="0"/>
+              <a:t>-&gt; </a:t>
+            </a:r>
+            <a:r>
+              <a:rPr lang="de-DE" b="1" dirty="0"/>
+              <a:t>Augmentation: </a:t>
+            </a:r>
+            <a:r>
+              <a:rPr lang="de-DE" dirty="0"/>
+              <a:t>Bessere Ergebnisse aber weniger allgemein</a:t>
+            </a:r>
+          </a:p>
+          <a:p>
+            <a:pPr marL="0" indent="0">
+              <a:buNone/>
+            </a:pPr>
+            <a:r>
+              <a:rPr lang="de-DE" b="1" dirty="0"/>
+              <a:t>Tradeoff: </a:t>
+            </a:r>
+            <a:r>
+              <a:rPr lang="de-DE" dirty="0"/>
+              <a:t>Leistung vs. Zeitverbrauch</a:t>
+            </a:r>
+          </a:p>
+          <a:p>
+            <a:pPr marL="0" indent="0">
+              <a:buNone/>
+            </a:pPr>
+            <a:endParaRPr lang="de-DE" dirty="0"/>
+          </a:p>
+          <a:p>
+            <a:pPr marL="0" indent="0">
+              <a:buNone/>
+            </a:pPr>
+            <a:r>
+              <a:rPr lang="de-DE" dirty="0"/>
+              <a:t>-&gt; </a:t>
+            </a:r>
+            <a:r>
+              <a:rPr lang="de-DE" b="1" dirty="0"/>
+              <a:t>Save Best Weights: </a:t>
+            </a:r>
+            <a:r>
+              <a:rPr lang="de-DE" dirty="0"/>
+              <a:t>Merke gute Parameter</a:t>
+            </a:r>
+          </a:p>
+          <a:p>
+            <a:pPr marL="0" indent="0">
+              <a:buNone/>
+            </a:pPr>
+            <a:r>
+              <a:rPr lang="de-DE" dirty="0"/>
+              <a:t>-&gt; </a:t>
+            </a:r>
+            <a:r>
+              <a:rPr lang="de-DE" b="1" dirty="0"/>
+              <a:t>Restrukturierung des CNNs</a:t>
+            </a:r>
+          </a:p>
+        </p:txBody>
+      </p:sp>
+    </p:spTree>
+    <p:extLst>
+      <p:ext uri="{BB962C8B-B14F-4D97-AF65-F5344CB8AC3E}">
+        <p14:creationId xmlns:p14="http://schemas.microsoft.com/office/powerpoint/2010/main" val="1144931553"/>
+      </p:ext>
+    </p:extLst>
+  </p:cSld>
+  <p:clrMapOvr>
+    <a:masterClrMapping/>
+  </p:clrMapOvr>
+</p:sld>
+</file>
+
+<file path=ppt/slides/slide13.xml><?xml version="1.0" encoding="utf-8"?>
+<p:sld xmlns:a="http://schemas.openxmlformats.org/drawingml/2006/main" xmlns:r="http://schemas.openxmlformats.org/officeDocument/2006/relationships" xmlns:p="http://schemas.openxmlformats.org/presentationml/2006/main">
+  <p:cSld>
+    <p:spTree>
+      <p:nvGrpSpPr>
+        <p:cNvPr id="1" name=""/>
+        <p:cNvGrpSpPr/>
+        <p:nvPr/>
+      </p:nvGrpSpPr>
+      <p:grpSpPr>
+        <a:xfrm>
+          <a:off x="0" y="0"/>
+          <a:ext cx="0" cy="0"/>
+          <a:chOff x="0" y="0"/>
+          <a:chExt cx="0" cy="0"/>
+        </a:xfrm>
+      </p:grpSpPr>
+      <p:sp>
+        <p:nvSpPr>
+          <p:cNvPr id="2" name="Titel 1">
+            <a:extLst>
+              <a:ext uri="{FF2B5EF4-FFF2-40B4-BE49-F238E27FC236}">
+                <a16:creationId xmlns:a16="http://schemas.microsoft.com/office/drawing/2014/main" id="{0039F296-496E-47DA-87A9-572B69EE1ED2}"/>
+              </a:ext>
+            </a:extLst>
+          </p:cNvPr>
+          <p:cNvSpPr>
+            <a:spLocks noGrp="1"/>
+          </p:cNvSpPr>
+          <p:nvPr>
+            <p:ph type="title"/>
+          </p:nvPr>
+        </p:nvSpPr>
+        <p:spPr/>
+        <p:txBody>
+          <a:bodyPr/>
+          <a:lstStyle/>
+          <a:p>
+            <a:r>
+              <a:rPr lang="de-DE" dirty="0"/>
               <a:t>CNN - Ergebnisse</a:t>
             </a:r>
           </a:p>
@@ -4401,25 +4835,35 @@
         <p:spPr>
           <a:xfrm>
             <a:off x="1446573" y="1783154"/>
-            <a:ext cx="9098388" cy="590739"/>
-          </a:xfrm>
-        </p:spPr>
-        <p:txBody>
-          <a:bodyPr/>
-          <a:lstStyle/>
-          <a:p>
-            <a:r>
-              <a:rPr lang="de-DE" dirty="0"/>
-              <a:t>Validierung: ~97% </a:t>
-            </a:r>
-            <a:r>
-              <a:rPr lang="de-DE" dirty="0" err="1"/>
+            <a:ext cx="9098388" cy="1325563"/>
+          </a:xfrm>
+        </p:spPr>
+        <p:txBody>
+          <a:bodyPr>
+            <a:normAutofit fontScale="70000" lnSpcReduction="20000"/>
+          </a:bodyPr>
+          <a:lstStyle/>
+          <a:p>
+            <a:r>
+              <a:rPr lang="de-DE" sz="4500" dirty="0" err="1"/>
               <a:t>Accuracy</a:t>
             </a:r>
             <a:r>
-              <a:rPr lang="de-DE" dirty="0"/>
-              <a:t>	||         Test: eher dürftig</a:t>
-            </a:r>
+              <a:rPr lang="de-DE" sz="4500" dirty="0"/>
+              <a:t> auf dem Test-Datensatz (400 Bilder / Klasse):</a:t>
+            </a:r>
+          </a:p>
+          <a:p>
+            <a:pPr marL="0" indent="0">
+              <a:buNone/>
+            </a:pPr>
+            <a:r>
+              <a:rPr lang="de-DE" sz="4500" dirty="0"/>
+              <a:t>97.946% (Durchschnitt über 5 Durchläufe)</a:t>
+            </a:r>
+          </a:p>
+          <a:p>
+            <a:endParaRPr lang="de-DE" dirty="0"/>
           </a:p>
           <a:p>
             <a:endParaRPr lang="de-DE" dirty="0"/>
@@ -4428,10 +4872,10 @@
       </p:sp>
       <p:pic>
         <p:nvPicPr>
-          <p:cNvPr id="5" name="Grafik 4">
-            <a:extLst>
-              <a:ext uri="{FF2B5EF4-FFF2-40B4-BE49-F238E27FC236}">
-                <a16:creationId xmlns:a16="http://schemas.microsoft.com/office/drawing/2014/main" id="{C69492F9-7C88-4E99-B33A-1962A9F2D752}"/>
+          <p:cNvPr id="6" name="Grafik 5">
+            <a:extLst>
+              <a:ext uri="{FF2B5EF4-FFF2-40B4-BE49-F238E27FC236}">
+                <a16:creationId xmlns:a16="http://schemas.microsoft.com/office/drawing/2014/main" id="{9A258386-5014-4990-A12E-9A1EB1593711}"/>
               </a:ext>
             </a:extLst>
           </p:cNvPr>
@@ -4454,8 +4898,8 @@
         </p:blipFill>
         <p:spPr>
           <a:xfrm>
-            <a:off x="1362074" y="2885768"/>
-            <a:ext cx="4243893" cy="3607107"/>
+            <a:off x="1446573" y="2734216"/>
+            <a:ext cx="3175356" cy="4153909"/>
           </a:xfrm>
           <a:prstGeom prst="rect">
             <a:avLst/>
@@ -4464,10 +4908,10 @@
       </p:pic>
       <p:pic>
         <p:nvPicPr>
-          <p:cNvPr id="9" name="Grafik 8">
-            <a:extLst>
-              <a:ext uri="{FF2B5EF4-FFF2-40B4-BE49-F238E27FC236}">
-                <a16:creationId xmlns:a16="http://schemas.microsoft.com/office/drawing/2014/main" id="{CC763271-8892-449A-90F0-5B40937FD5FC}"/>
+          <p:cNvPr id="8" name="Grafik 7">
+            <a:extLst>
+              <a:ext uri="{FF2B5EF4-FFF2-40B4-BE49-F238E27FC236}">
+                <a16:creationId xmlns:a16="http://schemas.microsoft.com/office/drawing/2014/main" id="{54C758FF-0424-43E3-8421-FE6F79F4C07E}"/>
               </a:ext>
             </a:extLst>
           </p:cNvPr>
@@ -4490,8 +4934,8 @@
         </p:blipFill>
         <p:spPr>
           <a:xfrm>
-            <a:off x="6586035" y="2885767"/>
-            <a:ext cx="4159391" cy="3607107"/>
+            <a:off x="7787619" y="2734216"/>
+            <a:ext cx="3175356" cy="4123784"/>
           </a:xfrm>
           <a:prstGeom prst="rect">
             <a:avLst/>
@@ -4500,30 +4944,235 @@
       </p:pic>
       <p:sp>
         <p:nvSpPr>
-          <p:cNvPr id="10" name="Inhaltsplatzhalter 2">
-            <a:extLst>
-              <a:ext uri="{FF2B5EF4-FFF2-40B4-BE49-F238E27FC236}">
-                <a16:creationId xmlns:a16="http://schemas.microsoft.com/office/drawing/2014/main" id="{074D46C4-0040-49FD-85AF-E8BCA56586D3}"/>
-              </a:ext>
-            </a:extLst>
-          </p:cNvPr>
-          <p:cNvSpPr txBox="1">
-            <a:spLocks/>
-          </p:cNvSpPr>
+          <p:cNvPr id="12" name="Textfeld 11">
+            <a:extLst>
+              <a:ext uri="{FF2B5EF4-FFF2-40B4-BE49-F238E27FC236}">
+                <a16:creationId xmlns:a16="http://schemas.microsoft.com/office/drawing/2014/main" id="{2B94C34F-1B72-4AF3-A655-E02FC95E32EB}"/>
+              </a:ext>
+            </a:extLst>
+          </p:cNvPr>
+          <p:cNvSpPr txBox="1"/>
           <p:nvPr/>
         </p:nvSpPr>
         <p:spPr>
           <a:xfrm>
-            <a:off x="1446573" y="2466363"/>
-            <a:ext cx="4159391" cy="419404"/>
+            <a:off x="5068515" y="2967335"/>
+            <a:ext cx="2719104" cy="1200329"/>
           </a:xfrm>
           <a:prstGeom prst="rect">
             <a:avLst/>
           </a:prstGeom>
+          <a:noFill/>
+        </p:spPr>
+        <p:txBody>
+          <a:bodyPr wrap="square" rtlCol="0">
+            <a:spAutoFit/>
+          </a:bodyPr>
+          <a:lstStyle/>
+          <a:p>
+            <a:pPr marL="285750" indent="-285750">
+              <a:buFont typeface="Wingdings" panose="05000000000000000000" pitchFamily="2" charset="2"/>
+              <a:buChar char="ß"/>
+            </a:pPr>
+            <a:r>
+              <a:rPr lang="de-DE" dirty="0">
+                <a:sym typeface="Wingdings" panose="05000000000000000000" pitchFamily="2" charset="2"/>
+              </a:rPr>
+              <a:t>Early-</a:t>
+            </a:r>
+            <a:r>
+              <a:rPr lang="de-DE" dirty="0" err="1">
+                <a:sym typeface="Wingdings" panose="05000000000000000000" pitchFamily="2" charset="2"/>
+              </a:rPr>
+              <a:t>Stopping</a:t>
+            </a:r>
+            <a:r>
+              <a:rPr lang="de-DE" dirty="0">
+                <a:sym typeface="Wingdings" panose="05000000000000000000" pitchFamily="2" charset="2"/>
+              </a:rPr>
+              <a:t> nach 9</a:t>
+            </a:r>
+          </a:p>
+          <a:p>
+            <a:r>
+              <a:rPr lang="de-DE" dirty="0">
+                <a:sym typeface="Wingdings" panose="05000000000000000000" pitchFamily="2" charset="2"/>
+              </a:rPr>
+              <a:t>Epochen, Rückläufigkeit des Validation-Loss bereits erkennbar</a:t>
+            </a:r>
+            <a:endParaRPr lang="de-DE" dirty="0"/>
+          </a:p>
+        </p:txBody>
+      </p:sp>
+      <p:sp>
+        <p:nvSpPr>
+          <p:cNvPr id="13" name="Textfeld 12">
+            <a:extLst>
+              <a:ext uri="{FF2B5EF4-FFF2-40B4-BE49-F238E27FC236}">
+                <a16:creationId xmlns:a16="http://schemas.microsoft.com/office/drawing/2014/main" id="{6D5620B3-7F11-40BC-BBA8-1B2ED74D6D70}"/>
+              </a:ext>
+            </a:extLst>
+          </p:cNvPr>
+          <p:cNvSpPr txBox="1"/>
+          <p:nvPr/>
+        </p:nvSpPr>
+        <p:spPr>
+          <a:xfrm>
+            <a:off x="5068515" y="4970215"/>
+            <a:ext cx="2719103" cy="923330"/>
+          </a:xfrm>
+          <a:prstGeom prst="rect">
+            <a:avLst/>
+          </a:prstGeom>
+          <a:noFill/>
+        </p:spPr>
+        <p:txBody>
+          <a:bodyPr wrap="square" rtlCol="0">
+            <a:spAutoFit/>
+          </a:bodyPr>
+          <a:lstStyle/>
+          <a:p>
+            <a:r>
+              <a:rPr lang="de-DE" dirty="0">
+                <a:sym typeface="Wingdings" panose="05000000000000000000" pitchFamily="2" charset="2"/>
+              </a:rPr>
+              <a:t>Early-</a:t>
+            </a:r>
+            <a:r>
+              <a:rPr lang="de-DE" dirty="0" err="1">
+                <a:sym typeface="Wingdings" panose="05000000000000000000" pitchFamily="2" charset="2"/>
+              </a:rPr>
+              <a:t>Stopping</a:t>
+            </a:r>
+            <a:r>
+              <a:rPr lang="de-DE" dirty="0">
+                <a:sym typeface="Wingdings" panose="05000000000000000000" pitchFamily="2" charset="2"/>
+              </a:rPr>
+              <a:t> nach 12 Epochen, Validation-Loss schon initial besser	      </a:t>
+            </a:r>
+            <a:endParaRPr lang="de-DE" dirty="0"/>
+          </a:p>
+        </p:txBody>
+      </p:sp>
+    </p:spTree>
+    <p:extLst>
+      <p:ext uri="{BB962C8B-B14F-4D97-AF65-F5344CB8AC3E}">
+        <p14:creationId xmlns:p14="http://schemas.microsoft.com/office/powerpoint/2010/main" val="3481282629"/>
+      </p:ext>
+    </p:extLst>
+  </p:cSld>
+  <p:clrMapOvr>
+    <a:masterClrMapping/>
+  </p:clrMapOvr>
+</p:sld>
+</file>
+
+<file path=ppt/slides/slide14.xml><?xml version="1.0" encoding="utf-8"?>
+<p:sld xmlns:a="http://schemas.openxmlformats.org/drawingml/2006/main" xmlns:r="http://schemas.openxmlformats.org/officeDocument/2006/relationships" xmlns:p="http://schemas.openxmlformats.org/presentationml/2006/main">
+  <p:cSld>
+    <p:spTree>
+      <p:nvGrpSpPr>
+        <p:cNvPr id="1" name=""/>
+        <p:cNvGrpSpPr/>
+        <p:nvPr/>
+      </p:nvGrpSpPr>
+      <p:grpSpPr>
+        <a:xfrm>
+          <a:off x="0" y="0"/>
+          <a:ext cx="0" cy="0"/>
+          <a:chOff x="0" y="0"/>
+          <a:chExt cx="0" cy="0"/>
+        </a:xfrm>
+      </p:grpSpPr>
+      <p:sp>
+        <p:nvSpPr>
+          <p:cNvPr id="2" name="Titel 1">
+            <a:extLst>
+              <a:ext uri="{FF2B5EF4-FFF2-40B4-BE49-F238E27FC236}">
+                <a16:creationId xmlns:a16="http://schemas.microsoft.com/office/drawing/2014/main" id="{0039F296-496E-47DA-87A9-572B69EE1ED2}"/>
+              </a:ext>
+            </a:extLst>
+          </p:cNvPr>
+          <p:cNvSpPr>
+            <a:spLocks noGrp="1"/>
+          </p:cNvSpPr>
+          <p:nvPr>
+            <p:ph type="title"/>
+          </p:nvPr>
+        </p:nvSpPr>
+        <p:spPr/>
+        <p:txBody>
+          <a:bodyPr/>
+          <a:lstStyle/>
+          <a:p>
+            <a:r>
+              <a:rPr lang="de-DE" dirty="0"/>
+              <a:t>CNN - Ergebnisse</a:t>
+            </a:r>
+          </a:p>
+        </p:txBody>
+      </p:sp>
+      <p:pic>
+        <p:nvPicPr>
+          <p:cNvPr id="9" name="Inhaltsplatzhalter 8">
+            <a:extLst>
+              <a:ext uri="{FF2B5EF4-FFF2-40B4-BE49-F238E27FC236}">
+                <a16:creationId xmlns:a16="http://schemas.microsoft.com/office/drawing/2014/main" id="{E65C1148-BDB9-4F3D-B0E8-741D23CA1343}"/>
+              </a:ext>
+            </a:extLst>
+          </p:cNvPr>
+          <p:cNvPicPr>
+            <a:picLocks noGrp="1" noChangeAspect="1"/>
+          </p:cNvPicPr>
+          <p:nvPr>
+            <p:ph idx="1"/>
+          </p:nvPr>
+        </p:nvPicPr>
+        <p:blipFill>
+          <a:blip r:embed="rId2">
+            <a:extLst>
+              <a:ext uri="{28A0092B-C50C-407E-A947-70E740481C1C}">
+                <a14:useLocalDpi xmlns:a14="http://schemas.microsoft.com/office/drawing/2010/main" val="0"/>
+              </a:ext>
+            </a:extLst>
+          </a:blip>
+          <a:stretch>
+            <a:fillRect/>
+          </a:stretch>
+        </p:blipFill>
+        <p:spPr>
+          <a:xfrm>
+            <a:off x="711683" y="1693413"/>
+            <a:ext cx="5631967" cy="5079051"/>
+          </a:xfrm>
+        </p:spPr>
+      </p:pic>
+      <p:sp>
+        <p:nvSpPr>
+          <p:cNvPr id="14" name="Inhaltsplatzhalter 2">
+            <a:extLst>
+              <a:ext uri="{FF2B5EF4-FFF2-40B4-BE49-F238E27FC236}">
+                <a16:creationId xmlns:a16="http://schemas.microsoft.com/office/drawing/2014/main" id="{C5E88FA9-285B-4290-9868-8BF3B31EF712}"/>
+              </a:ext>
+            </a:extLst>
+          </p:cNvPr>
+          <p:cNvSpPr txBox="1">
+            <a:spLocks/>
+          </p:cNvSpPr>
+          <p:nvPr/>
+        </p:nvSpPr>
+        <p:spPr>
+          <a:xfrm>
+            <a:off x="6723422" y="1690688"/>
+            <a:ext cx="5125677" cy="4802187"/>
+          </a:xfrm>
+          <a:prstGeom prst="rect">
+            <a:avLst/>
+          </a:prstGeom>
         </p:spPr>
         <p:txBody>
           <a:bodyPr vert="horz" lIns="91440" tIns="45720" rIns="91440" bIns="45720" rtlCol="0">
-            <a:normAutofit lnSpcReduction="10000"/>
+            <a:normAutofit/>
           </a:bodyPr>
           <a:lstStyle>
             <a:lvl1pPr marL="228600" indent="-228600" algn="l" defTabSz="914400" rtl="0" eaLnBrk="1" latinLnBrk="0" hangingPunct="1">
@@ -4694,226 +5343,200 @@
               <a:buNone/>
             </a:pPr>
             <a:r>
-              <a:rPr lang="de-DE" sz="1200" dirty="0" err="1"/>
+              <a:rPr lang="de-DE" dirty="0" err="1"/>
               <a:t>Confusion</a:t>
             </a:r>
             <a:r>
-              <a:rPr lang="de-DE" sz="1200" dirty="0"/>
-              <a:t>-Matrix für einen Testdatensatz mit 200 Bildern je Klasse (ohne Augmentation)</a:t>
-            </a:r>
-          </a:p>
-        </p:txBody>
-      </p:sp>
-      <p:sp>
-        <p:nvSpPr>
-          <p:cNvPr id="11" name="Inhaltsplatzhalter 2">
-            <a:extLst>
-              <a:ext uri="{FF2B5EF4-FFF2-40B4-BE49-F238E27FC236}">
-                <a16:creationId xmlns:a16="http://schemas.microsoft.com/office/drawing/2014/main" id="{C5845F37-177B-4EDF-8304-040ADB112C11}"/>
-              </a:ext>
-            </a:extLst>
-          </p:cNvPr>
-          <p:cNvSpPr txBox="1">
-            <a:spLocks/>
-          </p:cNvSpPr>
+              <a:rPr lang="de-DE" dirty="0"/>
+              <a:t> Matrix des Test-Datensatzes (~400 Bilder / Klasse)</a:t>
+            </a:r>
+          </a:p>
+          <a:p>
+            <a:pPr marL="0" indent="0">
+              <a:buNone/>
+            </a:pPr>
+            <a:endParaRPr lang="de-DE" dirty="0"/>
+          </a:p>
+          <a:p>
+            <a:r>
+              <a:rPr lang="de-DE" dirty="0"/>
+              <a:t>CNN ist weniger anfällig für Verwechslung</a:t>
+            </a:r>
+          </a:p>
+          <a:p>
+            <a:endParaRPr lang="de-DE" dirty="0"/>
+          </a:p>
+          <a:p>
+            <a:r>
+              <a:rPr lang="de-DE" dirty="0"/>
+              <a:t>Aber: Buchstaben mit hoher Ähnlichkeit bereiten Probleme</a:t>
+            </a:r>
+          </a:p>
+          <a:p>
+            <a:endParaRPr lang="de-DE" dirty="0"/>
+          </a:p>
+        </p:txBody>
+      </p:sp>
+      <p:sp>
+        <p:nvSpPr>
+          <p:cNvPr id="10" name="Rechteck 9">
+            <a:extLst>
+              <a:ext uri="{FF2B5EF4-FFF2-40B4-BE49-F238E27FC236}">
+                <a16:creationId xmlns:a16="http://schemas.microsoft.com/office/drawing/2014/main" id="{5F232016-0DA9-42EA-A4C6-4A61F550924F}"/>
+              </a:ext>
+            </a:extLst>
+          </p:cNvPr>
+          <p:cNvSpPr/>
           <p:nvPr/>
         </p:nvSpPr>
         <p:spPr>
           <a:xfrm>
-            <a:off x="6586032" y="2466361"/>
-            <a:ext cx="4159391" cy="419405"/>
+            <a:off x="3514725" y="2438400"/>
+            <a:ext cx="152400" cy="152400"/>
           </a:xfrm>
           <a:prstGeom prst="rect">
             <a:avLst/>
           </a:prstGeom>
-        </p:spPr>
-        <p:txBody>
-          <a:bodyPr vert="horz" lIns="91440" tIns="45720" rIns="91440" bIns="45720" rtlCol="0">
-            <a:normAutofit lnSpcReduction="10000"/>
-          </a:bodyPr>
-          <a:lstStyle>
-            <a:lvl1pPr marL="228600" indent="-228600" algn="l" defTabSz="914400" rtl="0" eaLnBrk="1" latinLnBrk="0" hangingPunct="1">
-              <a:lnSpc>
-                <a:spcPct val="90000"/>
-              </a:lnSpc>
-              <a:spcBef>
-                <a:spcPts val="1000"/>
-              </a:spcBef>
-              <a:buFont typeface="Arial" panose="020B0604020202020204" pitchFamily="34" charset="0"/>
-              <a:buChar char="•"/>
-              <a:defRPr sz="2800" kern="1200">
-                <a:solidFill>
-                  <a:schemeClr val="tx1"/>
-                </a:solidFill>
-                <a:latin typeface="+mn-lt"/>
-                <a:ea typeface="+mn-ea"/>
-                <a:cs typeface="+mn-cs"/>
-              </a:defRPr>
-            </a:lvl1pPr>
-            <a:lvl2pPr marL="685800" indent="-228600" algn="l" defTabSz="914400" rtl="0" eaLnBrk="1" latinLnBrk="0" hangingPunct="1">
-              <a:lnSpc>
-                <a:spcPct val="90000"/>
-              </a:lnSpc>
-              <a:spcBef>
-                <a:spcPts val="500"/>
-              </a:spcBef>
-              <a:buFont typeface="Arial" panose="020B0604020202020204" pitchFamily="34" charset="0"/>
-              <a:buChar char="•"/>
-              <a:defRPr sz="2400" kern="1200">
-                <a:solidFill>
-                  <a:schemeClr val="tx1"/>
-                </a:solidFill>
-                <a:latin typeface="+mn-lt"/>
-                <a:ea typeface="+mn-ea"/>
-                <a:cs typeface="+mn-cs"/>
-              </a:defRPr>
-            </a:lvl2pPr>
-            <a:lvl3pPr marL="1143000" indent="-228600" algn="l" defTabSz="914400" rtl="0" eaLnBrk="1" latinLnBrk="0" hangingPunct="1">
-              <a:lnSpc>
-                <a:spcPct val="90000"/>
-              </a:lnSpc>
-              <a:spcBef>
-                <a:spcPts val="500"/>
-              </a:spcBef>
-              <a:buFont typeface="Arial" panose="020B0604020202020204" pitchFamily="34" charset="0"/>
-              <a:buChar char="•"/>
-              <a:defRPr sz="2000" kern="1200">
-                <a:solidFill>
-                  <a:schemeClr val="tx1"/>
-                </a:solidFill>
-                <a:latin typeface="+mn-lt"/>
-                <a:ea typeface="+mn-ea"/>
-                <a:cs typeface="+mn-cs"/>
-              </a:defRPr>
-            </a:lvl3pPr>
-            <a:lvl4pPr marL="1600200" indent="-228600" algn="l" defTabSz="914400" rtl="0" eaLnBrk="1" latinLnBrk="0" hangingPunct="1">
-              <a:lnSpc>
-                <a:spcPct val="90000"/>
-              </a:lnSpc>
-              <a:spcBef>
-                <a:spcPts val="500"/>
-              </a:spcBef>
-              <a:buFont typeface="Arial" panose="020B0604020202020204" pitchFamily="34" charset="0"/>
-              <a:buChar char="•"/>
-              <a:defRPr sz="1800" kern="1200">
-                <a:solidFill>
-                  <a:schemeClr val="tx1"/>
-                </a:solidFill>
-                <a:latin typeface="+mn-lt"/>
-                <a:ea typeface="+mn-ea"/>
-                <a:cs typeface="+mn-cs"/>
-              </a:defRPr>
-            </a:lvl4pPr>
-            <a:lvl5pPr marL="2057400" indent="-228600" algn="l" defTabSz="914400" rtl="0" eaLnBrk="1" latinLnBrk="0" hangingPunct="1">
-              <a:lnSpc>
-                <a:spcPct val="90000"/>
-              </a:lnSpc>
-              <a:spcBef>
-                <a:spcPts val="500"/>
-              </a:spcBef>
-              <a:buFont typeface="Arial" panose="020B0604020202020204" pitchFamily="34" charset="0"/>
-              <a:buChar char="•"/>
-              <a:defRPr sz="1800" kern="1200">
-                <a:solidFill>
-                  <a:schemeClr val="tx1"/>
-                </a:solidFill>
-                <a:latin typeface="+mn-lt"/>
-                <a:ea typeface="+mn-ea"/>
-                <a:cs typeface="+mn-cs"/>
-              </a:defRPr>
-            </a:lvl5pPr>
-            <a:lvl6pPr marL="2514600" indent="-228600" algn="l" defTabSz="914400" rtl="0" eaLnBrk="1" latinLnBrk="0" hangingPunct="1">
-              <a:lnSpc>
-                <a:spcPct val="90000"/>
-              </a:lnSpc>
-              <a:spcBef>
-                <a:spcPts val="500"/>
-              </a:spcBef>
-              <a:buFont typeface="Arial" panose="020B0604020202020204" pitchFamily="34" charset="0"/>
-              <a:buChar char="•"/>
-              <a:defRPr sz="1800" kern="1200">
-                <a:solidFill>
-                  <a:schemeClr val="tx1"/>
-                </a:solidFill>
-                <a:latin typeface="+mn-lt"/>
-                <a:ea typeface="+mn-ea"/>
-                <a:cs typeface="+mn-cs"/>
-              </a:defRPr>
-            </a:lvl6pPr>
-            <a:lvl7pPr marL="2971800" indent="-228600" algn="l" defTabSz="914400" rtl="0" eaLnBrk="1" latinLnBrk="0" hangingPunct="1">
-              <a:lnSpc>
-                <a:spcPct val="90000"/>
-              </a:lnSpc>
-              <a:spcBef>
-                <a:spcPts val="500"/>
-              </a:spcBef>
-              <a:buFont typeface="Arial" panose="020B0604020202020204" pitchFamily="34" charset="0"/>
-              <a:buChar char="•"/>
-              <a:defRPr sz="1800" kern="1200">
-                <a:solidFill>
-                  <a:schemeClr val="tx1"/>
-                </a:solidFill>
-                <a:latin typeface="+mn-lt"/>
-                <a:ea typeface="+mn-ea"/>
-                <a:cs typeface="+mn-cs"/>
-              </a:defRPr>
-            </a:lvl7pPr>
-            <a:lvl8pPr marL="3429000" indent="-228600" algn="l" defTabSz="914400" rtl="0" eaLnBrk="1" latinLnBrk="0" hangingPunct="1">
-              <a:lnSpc>
-                <a:spcPct val="90000"/>
-              </a:lnSpc>
-              <a:spcBef>
-                <a:spcPts val="500"/>
-              </a:spcBef>
-              <a:buFont typeface="Arial" panose="020B0604020202020204" pitchFamily="34" charset="0"/>
-              <a:buChar char="•"/>
-              <a:defRPr sz="1800" kern="1200">
-                <a:solidFill>
-                  <a:schemeClr val="tx1"/>
-                </a:solidFill>
-                <a:latin typeface="+mn-lt"/>
-                <a:ea typeface="+mn-ea"/>
-                <a:cs typeface="+mn-cs"/>
-              </a:defRPr>
-            </a:lvl8pPr>
-            <a:lvl9pPr marL="3886200" indent="-228600" algn="l" defTabSz="914400" rtl="0" eaLnBrk="1" latinLnBrk="0" hangingPunct="1">
-              <a:lnSpc>
-                <a:spcPct val="90000"/>
-              </a:lnSpc>
-              <a:spcBef>
-                <a:spcPts val="500"/>
-              </a:spcBef>
-              <a:buFont typeface="Arial" panose="020B0604020202020204" pitchFamily="34" charset="0"/>
-              <a:buChar char="•"/>
-              <a:defRPr sz="1800" kern="1200">
-                <a:solidFill>
-                  <a:schemeClr val="tx1"/>
-                </a:solidFill>
-                <a:latin typeface="+mn-lt"/>
-                <a:ea typeface="+mn-ea"/>
-                <a:cs typeface="+mn-cs"/>
-              </a:defRPr>
-            </a:lvl9pPr>
-          </a:lstStyle>
-          <a:p>
-            <a:pPr marL="0" indent="0">
-              <a:buNone/>
-            </a:pPr>
-            <a:r>
-              <a:rPr lang="de-DE" sz="1200" dirty="0" err="1"/>
-              <a:t>Confusion</a:t>
-            </a:r>
-            <a:r>
-              <a:rPr lang="de-DE" sz="1200" dirty="0"/>
-              <a:t>-Matrix für den tatsächlichen Datensatz mit 2000 Bildern je Klasse (inkl. Augmentation)</a:t>
-            </a:r>
+          <a:noFill/>
+          <a:ln>
+            <a:solidFill>
+              <a:srgbClr val="FF0000"/>
+            </a:solidFill>
+          </a:ln>
+        </p:spPr>
+        <p:style>
+          <a:lnRef idx="2">
+            <a:schemeClr val="accent1">
+              <a:shade val="50000"/>
+            </a:schemeClr>
+          </a:lnRef>
+          <a:fillRef idx="1">
+            <a:schemeClr val="accent1"/>
+          </a:fillRef>
+          <a:effectRef idx="0">
+            <a:schemeClr val="accent1"/>
+          </a:effectRef>
+          <a:fontRef idx="minor">
+            <a:schemeClr val="lt1"/>
+          </a:fontRef>
+        </p:style>
+        <p:txBody>
+          <a:bodyPr rtlCol="0" anchor="ctr"/>
+          <a:lstStyle/>
+          <a:p>
+            <a:pPr algn="ctr"/>
+            <a:endParaRPr lang="en-US"/>
+          </a:p>
+        </p:txBody>
+      </p:sp>
+      <p:sp>
+        <p:nvSpPr>
+          <p:cNvPr id="15" name="Rechteck 14">
+            <a:extLst>
+              <a:ext uri="{FF2B5EF4-FFF2-40B4-BE49-F238E27FC236}">
+                <a16:creationId xmlns:a16="http://schemas.microsoft.com/office/drawing/2014/main" id="{61ED813F-3388-4D4F-9989-8BC5AC8E2742}"/>
+              </a:ext>
+            </a:extLst>
+          </p:cNvPr>
+          <p:cNvSpPr/>
+          <p:nvPr/>
+        </p:nvSpPr>
+        <p:spPr>
+          <a:xfrm>
+            <a:off x="1960804" y="2615967"/>
+            <a:ext cx="152400" cy="152400"/>
+          </a:xfrm>
+          <a:prstGeom prst="rect">
+            <a:avLst/>
+          </a:prstGeom>
+          <a:noFill/>
+          <a:ln>
+            <a:solidFill>
+              <a:srgbClr val="FF0000"/>
+            </a:solidFill>
+          </a:ln>
+        </p:spPr>
+        <p:style>
+          <a:lnRef idx="2">
+            <a:schemeClr val="accent1">
+              <a:shade val="50000"/>
+            </a:schemeClr>
+          </a:lnRef>
+          <a:fillRef idx="1">
+            <a:schemeClr val="accent1"/>
+          </a:fillRef>
+          <a:effectRef idx="0">
+            <a:schemeClr val="accent1"/>
+          </a:effectRef>
+          <a:fontRef idx="minor">
+            <a:schemeClr val="lt1"/>
+          </a:fontRef>
+        </p:style>
+        <p:txBody>
+          <a:bodyPr rtlCol="0" anchor="ctr"/>
+          <a:lstStyle/>
+          <a:p>
+            <a:pPr algn="ctr"/>
+            <a:endParaRPr lang="en-US"/>
+          </a:p>
+        </p:txBody>
+      </p:sp>
+      <p:sp>
+        <p:nvSpPr>
+          <p:cNvPr id="16" name="Rechteck 15">
+            <a:extLst>
+              <a:ext uri="{FF2B5EF4-FFF2-40B4-BE49-F238E27FC236}">
+                <a16:creationId xmlns:a16="http://schemas.microsoft.com/office/drawing/2014/main" id="{0CAA0D73-AA30-4B77-A258-6F5BE75CE7D3}"/>
+              </a:ext>
+            </a:extLst>
+          </p:cNvPr>
+          <p:cNvSpPr/>
+          <p:nvPr/>
+        </p:nvSpPr>
+        <p:spPr>
+          <a:xfrm>
+            <a:off x="4546011" y="5536734"/>
+            <a:ext cx="152400" cy="152400"/>
+          </a:xfrm>
+          <a:prstGeom prst="rect">
+            <a:avLst/>
+          </a:prstGeom>
+          <a:noFill/>
+          <a:ln>
+            <a:solidFill>
+              <a:srgbClr val="FF0000"/>
+            </a:solidFill>
+          </a:ln>
+        </p:spPr>
+        <p:style>
+          <a:lnRef idx="2">
+            <a:schemeClr val="accent1">
+              <a:shade val="50000"/>
+            </a:schemeClr>
+          </a:lnRef>
+          <a:fillRef idx="1">
+            <a:schemeClr val="accent1"/>
+          </a:fillRef>
+          <a:effectRef idx="0">
+            <a:schemeClr val="accent1"/>
+          </a:effectRef>
+          <a:fontRef idx="minor">
+            <a:schemeClr val="lt1"/>
+          </a:fontRef>
+        </p:style>
+        <p:txBody>
+          <a:bodyPr rtlCol="0" anchor="ctr"/>
+          <a:lstStyle/>
+          <a:p>
+            <a:pPr algn="ctr"/>
+            <a:endParaRPr lang="en-US"/>
           </a:p>
         </p:txBody>
       </p:sp>
     </p:spTree>
     <p:extLst>
       <p:ext uri="{BB962C8B-B14F-4D97-AF65-F5344CB8AC3E}">
-        <p14:creationId xmlns:p14="http://schemas.microsoft.com/office/powerpoint/2010/main" val="3481282629"/>
+        <p14:creationId xmlns:p14="http://schemas.microsoft.com/office/powerpoint/2010/main" val="1565765572"/>
       </p:ext>
     </p:extLst>
   </p:cSld>
@@ -4923,7 +5546,7 @@
 </p:sld>
 </file>
 
-<file path=ppt/slides/slide13.xml><?xml version="1.0" encoding="utf-8"?>
+<file path=ppt/slides/slide15.xml><?xml version="1.0" encoding="utf-8"?>
 <p:sld xmlns:a="http://schemas.openxmlformats.org/drawingml/2006/main" xmlns:r="http://schemas.openxmlformats.org/officeDocument/2006/relationships" xmlns:p="http://schemas.openxmlformats.org/presentationml/2006/main">
   <p:cSld>
     <p:spTree>
@@ -5024,11 +5647,17 @@
               <a:p>
                 <a:r>
                   <a:rPr lang="de-DE" dirty="0"/>
-                  <a:t>CNN bringt wie erwartet bessere Ergebnisse</a:t>
+                  <a:t>CNN bringt wie erwartet deutlich bessere Ergebnisse</a:t>
                 </a:r>
               </a:p>
               <a:p>
                 <a:endParaRPr lang="de-DE" dirty="0"/>
+              </a:p>
+              <a:p>
+                <a:r>
+                  <a:rPr lang="de-DE" dirty="0"/>
+                  <a:t>Trotzdem: Manche handschriftliche Buchstaben auch für Menschen ohne Kontext schwer zu differenzieren (z.B. U, V)</a:t>
+                </a:r>
               </a:p>
               <a:p>
                 <a:endParaRPr lang="de-DE" dirty="0"/>
@@ -5066,7 +5695,7 @@
               <a:lstStyle/>
               <a:p>
                 <a:r>
-                  <a:rPr lang="de-DE">
+                  <a:rPr lang="en-US">
                     <a:noFill/>
                   </a:rPr>
                   <a:t> </a:t>
@@ -5700,7 +6329,7 @@
           <a:p>
             <a:r>
               <a:rPr lang="de-DE" sz="2500" dirty="0"/>
-              <a:t>Vorteil: schnelles laden der Daten</a:t>
+              <a:t>Vorteil: schnelles Laden der Daten</a:t>
             </a:r>
           </a:p>
           <a:p>
@@ -7265,6 +7894,114 @@
           </a:prstGeom>
         </p:spPr>
       </p:pic>
+      <p:sp>
+        <p:nvSpPr>
+          <p:cNvPr id="4" name="Rechteck 3">
+            <a:extLst>
+              <a:ext uri="{FF2B5EF4-FFF2-40B4-BE49-F238E27FC236}">
+                <a16:creationId xmlns:a16="http://schemas.microsoft.com/office/drawing/2014/main" id="{D3893025-39E7-4F5E-8ED9-7D02BEFC4BEE}"/>
+              </a:ext>
+            </a:extLst>
+          </p:cNvPr>
+          <p:cNvSpPr/>
+          <p:nvPr/>
+        </p:nvSpPr>
+        <p:spPr>
+          <a:xfrm>
+            <a:off x="9194334" y="1887523"/>
+            <a:ext cx="1761688" cy="1396969"/>
+          </a:xfrm>
+          <a:prstGeom prst="rect">
+            <a:avLst/>
+          </a:prstGeom>
+          <a:solidFill>
+            <a:schemeClr val="bg1"/>
+          </a:solidFill>
+          <a:ln>
+            <a:solidFill>
+              <a:schemeClr val="bg1"/>
+            </a:solidFill>
+          </a:ln>
+        </p:spPr>
+        <p:style>
+          <a:lnRef idx="2">
+            <a:schemeClr val="accent1">
+              <a:shade val="50000"/>
+            </a:schemeClr>
+          </a:lnRef>
+          <a:fillRef idx="1">
+            <a:schemeClr val="accent1"/>
+          </a:fillRef>
+          <a:effectRef idx="0">
+            <a:schemeClr val="accent1"/>
+          </a:effectRef>
+          <a:fontRef idx="minor">
+            <a:schemeClr val="lt1"/>
+          </a:fontRef>
+        </p:style>
+        <p:txBody>
+          <a:bodyPr rtlCol="0" anchor="ctr"/>
+          <a:lstStyle/>
+          <a:p>
+            <a:pPr algn="ctr"/>
+            <a:endParaRPr lang="en-US"/>
+          </a:p>
+        </p:txBody>
+      </p:sp>
+      <p:sp>
+        <p:nvSpPr>
+          <p:cNvPr id="8" name="Rechteck 7">
+            <a:extLst>
+              <a:ext uri="{FF2B5EF4-FFF2-40B4-BE49-F238E27FC236}">
+                <a16:creationId xmlns:a16="http://schemas.microsoft.com/office/drawing/2014/main" id="{2F9868E0-12FF-4108-B4AB-ECCA059D0835}"/>
+              </a:ext>
+            </a:extLst>
+          </p:cNvPr>
+          <p:cNvSpPr/>
+          <p:nvPr/>
+        </p:nvSpPr>
+        <p:spPr>
+          <a:xfrm>
+            <a:off x="9194334" y="4999152"/>
+            <a:ext cx="1761688" cy="1396969"/>
+          </a:xfrm>
+          <a:prstGeom prst="rect">
+            <a:avLst/>
+          </a:prstGeom>
+          <a:solidFill>
+            <a:schemeClr val="bg1"/>
+          </a:solidFill>
+          <a:ln>
+            <a:solidFill>
+              <a:schemeClr val="bg1"/>
+            </a:solidFill>
+          </a:ln>
+        </p:spPr>
+        <p:style>
+          <a:lnRef idx="2">
+            <a:schemeClr val="accent1">
+              <a:shade val="50000"/>
+            </a:schemeClr>
+          </a:lnRef>
+          <a:fillRef idx="1">
+            <a:schemeClr val="accent1"/>
+          </a:fillRef>
+          <a:effectRef idx="0">
+            <a:schemeClr val="accent1"/>
+          </a:effectRef>
+          <a:fontRef idx="minor">
+            <a:schemeClr val="lt1"/>
+          </a:fontRef>
+        </p:style>
+        <p:txBody>
+          <a:bodyPr rtlCol="0" anchor="ctr"/>
+          <a:lstStyle/>
+          <a:p>
+            <a:pPr algn="ctr"/>
+            <a:endParaRPr lang="en-US"/>
+          </a:p>
+        </p:txBody>
+      </p:sp>
     </p:spTree>
     <p:extLst>
       <p:ext uri="{BB962C8B-B14F-4D97-AF65-F5344CB8AC3E}">
@@ -7327,7 +8064,7 @@
             </a:r>
             <a:r>
               <a:rPr lang="de-DE" dirty="0" err="1"/>
-              <a:t>nearest-neighbour</a:t>
+              <a:t>Nearest-Neighbour</a:t>
             </a:r>
             <a:endParaRPr lang="de-DE" dirty="0"/>
           </a:p>
@@ -7578,17 +8315,39 @@
           </a:bodyPr>
           <a:lstStyle/>
           <a:p>
+            <a:pPr marL="285750" indent="-285750">
+              <a:buFont typeface="Arial" panose="020B0604020202020204" pitchFamily="34" charset="0"/>
+              <a:buChar char="•"/>
+            </a:pPr>
             <a:r>
               <a:rPr lang="de-DE" dirty="0">
                 <a:sym typeface="Wingdings" panose="05000000000000000000" pitchFamily="2" charset="2"/>
               </a:rPr>
-              <a:t> Klassifizierung mittel KNN ergab keine merkbare Verbesserung im </a:t>
+              <a:t>Klassifizierung mit </a:t>
             </a:r>
             <a:r>
               <a:rPr lang="de-DE" dirty="0" err="1">
                 <a:sym typeface="Wingdings" panose="05000000000000000000" pitchFamily="2" charset="2"/>
               </a:rPr>
-              <a:t>Gesamtergebniss</a:t>
+              <a:t>kNN</a:t>
+            </a:r>
+            <a:r>
+              <a:rPr lang="de-DE" dirty="0">
+                <a:sym typeface="Wingdings" panose="05000000000000000000" pitchFamily="2" charset="2"/>
+              </a:rPr>
+              <a:t> (k </a:t>
+            </a:r>
+            <a:r>
+              <a:rPr lang="en-US" dirty="0">
+                <a:sym typeface="Wingdings" panose="05000000000000000000" pitchFamily="2" charset="2"/>
+              </a:rPr>
+              <a:t>&gt; 1</a:t>
+            </a:r>
+            <a:r>
+              <a:rPr lang="de-DE" dirty="0">
+                <a:sym typeface="Wingdings" panose="05000000000000000000" pitchFamily="2" charset="2"/>
+              </a:rPr>
+              <a:t>) ergab keine merkbare Verbesserung im Gesamtergebnis</a:t>
             </a:r>
             <a:endParaRPr lang="de-DE" dirty="0"/>
           </a:p>
@@ -7626,10 +8385,10 @@
       </p:grpSpPr>
       <p:sp>
         <p:nvSpPr>
-          <p:cNvPr id="2" name="Titel 1">
-            <a:extLst>
-              <a:ext uri="{FF2B5EF4-FFF2-40B4-BE49-F238E27FC236}">
-                <a16:creationId xmlns:a16="http://schemas.microsoft.com/office/drawing/2014/main" id="{A142D5CF-260A-4E31-8A84-A4B77466BCE9}"/>
+          <p:cNvPr id="4" name="Titel 1">
+            <a:extLst>
+              <a:ext uri="{FF2B5EF4-FFF2-40B4-BE49-F238E27FC236}">
+                <a16:creationId xmlns:a16="http://schemas.microsoft.com/office/drawing/2014/main" id="{1FEC4483-04FB-4FEE-B21B-C7E1B91F74DE}"/>
               </a:ext>
             </a:extLst>
           </p:cNvPr>
@@ -7640,33 +8399,36 @@
             <p:ph type="title"/>
           </p:nvPr>
         </p:nvSpPr>
-        <p:spPr/>
+        <p:spPr>
+          <a:xfrm>
+            <a:off x="838200" y="365125"/>
+            <a:ext cx="10515600" cy="1325563"/>
+          </a:xfrm>
+        </p:spPr>
         <p:txBody>
           <a:bodyPr/>
           <a:lstStyle/>
           <a:p>
             <a:r>
               <a:rPr lang="de-DE" dirty="0"/>
-              <a:t>CNN - Model (1)</a:t>
+              <a:t>Idee 2: X-Y-Projektion</a:t>
             </a:r>
           </a:p>
         </p:txBody>
       </p:sp>
       <p:pic>
         <p:nvPicPr>
-          <p:cNvPr id="9" name="Content Placeholder 8">
-            <a:extLst>
-              <a:ext uri="{FF2B5EF4-FFF2-40B4-BE49-F238E27FC236}">
-                <a16:creationId xmlns:a16="http://schemas.microsoft.com/office/drawing/2014/main" id="{9089E4B0-DA8C-411F-8E69-BF5D4BE493F0}"/>
+          <p:cNvPr id="5" name="Grafik 4">
+            <a:extLst>
+              <a:ext uri="{FF2B5EF4-FFF2-40B4-BE49-F238E27FC236}">
+                <a16:creationId xmlns:a16="http://schemas.microsoft.com/office/drawing/2014/main" id="{F4415EFB-1D99-4D49-B4E2-6A49C6CFEEB8}"/>
               </a:ext>
             </a:extLst>
           </p:cNvPr>
           <p:cNvPicPr>
-            <a:picLocks noGrp="1" noChangeAspect="1"/>
+            <a:picLocks noChangeAspect="1"/>
           </p:cNvPicPr>
-          <p:nvPr>
-            <p:ph idx="1"/>
-          </p:nvPr>
+          <p:nvPr/>
         </p:nvPicPr>
         <p:blipFill>
           <a:blip r:embed="rId2">
@@ -7682,15 +8444,221 @@
         </p:blipFill>
         <p:spPr>
           <a:xfrm>
-            <a:off x="838200" y="1548264"/>
-            <a:ext cx="8997530" cy="4351338"/>
-          </a:xfrm>
+            <a:off x="366207" y="1461721"/>
+            <a:ext cx="6348918" cy="5396279"/>
+          </a:xfrm>
+          <a:prstGeom prst="rect">
+            <a:avLst/>
+          </a:prstGeom>
         </p:spPr>
       </p:pic>
+      <p:pic>
+        <p:nvPicPr>
+          <p:cNvPr id="17" name="Grafik 16">
+            <a:extLst>
+              <a:ext uri="{FF2B5EF4-FFF2-40B4-BE49-F238E27FC236}">
+                <a16:creationId xmlns:a16="http://schemas.microsoft.com/office/drawing/2014/main" id="{C97728DC-893D-4104-AB61-79DFB1FF1B14}"/>
+              </a:ext>
+            </a:extLst>
+          </p:cNvPr>
+          <p:cNvPicPr>
+            <a:picLocks noChangeAspect="1"/>
+          </p:cNvPicPr>
+          <p:nvPr/>
+        </p:nvPicPr>
+        <p:blipFill rotWithShape="1">
+          <a:blip r:embed="rId3">
+            <a:extLst>
+              <a:ext uri="{28A0092B-C50C-407E-A947-70E740481C1C}">
+                <a14:useLocalDpi xmlns:a14="http://schemas.microsoft.com/office/drawing/2010/main" val="0"/>
+              </a:ext>
+            </a:extLst>
+          </a:blip>
+          <a:srcRect r="13499" b="1722"/>
+          <a:stretch/>
+        </p:blipFill>
+        <p:spPr>
+          <a:xfrm>
+            <a:off x="6619874" y="1461721"/>
+            <a:ext cx="5476875" cy="5396279"/>
+          </a:xfrm>
+          <a:prstGeom prst="rect">
+            <a:avLst/>
+          </a:prstGeom>
+        </p:spPr>
+      </p:pic>
+      <p:sp>
+        <p:nvSpPr>
+          <p:cNvPr id="18" name="Textfeld 17">
+            <a:extLst>
+              <a:ext uri="{FF2B5EF4-FFF2-40B4-BE49-F238E27FC236}">
+                <a16:creationId xmlns:a16="http://schemas.microsoft.com/office/drawing/2014/main" id="{806C2F05-4A0C-48AE-9E60-28967852D756}"/>
+              </a:ext>
+            </a:extLst>
+          </p:cNvPr>
+          <p:cNvSpPr txBox="1"/>
+          <p:nvPr/>
+        </p:nvSpPr>
+        <p:spPr>
+          <a:xfrm>
+            <a:off x="2115124" y="1277055"/>
+            <a:ext cx="2141420" cy="369332"/>
+          </a:xfrm>
+          <a:prstGeom prst="rect">
+            <a:avLst/>
+          </a:prstGeom>
+          <a:noFill/>
+        </p:spPr>
+        <p:txBody>
+          <a:bodyPr wrap="none" rtlCol="0">
+            <a:spAutoFit/>
+          </a:bodyPr>
+          <a:lstStyle/>
+          <a:p>
+            <a:r>
+              <a:rPr lang="en-US" dirty="0"/>
+              <a:t>200 </a:t>
+            </a:r>
+            <a:r>
+              <a:rPr lang="en-US" dirty="0" err="1"/>
+              <a:t>Bilder</a:t>
+            </a:r>
+            <a:r>
+              <a:rPr lang="en-US" dirty="0"/>
+              <a:t> pro </a:t>
+            </a:r>
+            <a:r>
+              <a:rPr lang="en-US" dirty="0" err="1"/>
+              <a:t>Klasse</a:t>
+            </a:r>
+            <a:endParaRPr lang="en-US" dirty="0"/>
+          </a:p>
+        </p:txBody>
+      </p:sp>
+      <p:sp>
+        <p:nvSpPr>
+          <p:cNvPr id="19" name="Textfeld 18">
+            <a:extLst>
+              <a:ext uri="{FF2B5EF4-FFF2-40B4-BE49-F238E27FC236}">
+                <a16:creationId xmlns:a16="http://schemas.microsoft.com/office/drawing/2014/main" id="{B582D21E-FB74-4A48-B477-CE3FBFA67E35}"/>
+              </a:ext>
+            </a:extLst>
+          </p:cNvPr>
+          <p:cNvSpPr txBox="1"/>
+          <p:nvPr/>
+        </p:nvSpPr>
+        <p:spPr>
+          <a:xfrm>
+            <a:off x="8407167" y="1277055"/>
+            <a:ext cx="2258439" cy="369332"/>
+          </a:xfrm>
+          <a:prstGeom prst="rect">
+            <a:avLst/>
+          </a:prstGeom>
+          <a:noFill/>
+        </p:spPr>
+        <p:txBody>
+          <a:bodyPr wrap="none" rtlCol="0">
+            <a:spAutoFit/>
+          </a:bodyPr>
+          <a:lstStyle/>
+          <a:p>
+            <a:r>
+              <a:rPr lang="en-US" dirty="0"/>
+              <a:t>2000 </a:t>
+            </a:r>
+            <a:r>
+              <a:rPr lang="en-US" dirty="0" err="1"/>
+              <a:t>Bilder</a:t>
+            </a:r>
+            <a:r>
+              <a:rPr lang="en-US" dirty="0"/>
+              <a:t> pro </a:t>
+            </a:r>
+            <a:r>
+              <a:rPr lang="en-US" dirty="0" err="1"/>
+              <a:t>Klasse</a:t>
+            </a:r>
+            <a:endParaRPr lang="en-US" dirty="0"/>
+          </a:p>
+        </p:txBody>
+      </p:sp>
+      <p:sp>
+        <p:nvSpPr>
+          <p:cNvPr id="20" name="Textfeld 19">
+            <a:extLst>
+              <a:ext uri="{FF2B5EF4-FFF2-40B4-BE49-F238E27FC236}">
+                <a16:creationId xmlns:a16="http://schemas.microsoft.com/office/drawing/2014/main" id="{62B3B526-038B-4F64-BAB9-764BDD7D503A}"/>
+              </a:ext>
+            </a:extLst>
+          </p:cNvPr>
+          <p:cNvSpPr txBox="1"/>
+          <p:nvPr/>
+        </p:nvSpPr>
+        <p:spPr>
+          <a:xfrm>
+            <a:off x="8221055" y="174759"/>
+            <a:ext cx="3781356" cy="369332"/>
+          </a:xfrm>
+          <a:prstGeom prst="rect">
+            <a:avLst/>
+          </a:prstGeom>
+          <a:noFill/>
+        </p:spPr>
+        <p:txBody>
+          <a:bodyPr wrap="none" rtlCol="0">
+            <a:spAutoFit/>
+          </a:bodyPr>
+          <a:lstStyle/>
+          <a:p>
+            <a:r>
+              <a:rPr lang="en-US" dirty="0"/>
+              <a:t>*</a:t>
+            </a:r>
+            <a:r>
+              <a:rPr lang="en-US" dirty="0" err="1"/>
+              <a:t>Werte</a:t>
+            </a:r>
+            <a:r>
+              <a:rPr lang="en-US" dirty="0"/>
+              <a:t> </a:t>
+            </a:r>
+            <a:r>
+              <a:rPr lang="en-US" dirty="0" err="1"/>
+              <a:t>unter</a:t>
+            </a:r>
+            <a:r>
+              <a:rPr lang="en-US" dirty="0"/>
+              <a:t> 2% </a:t>
+            </a:r>
+            <a:r>
+              <a:rPr lang="en-US" dirty="0" err="1"/>
+              <a:t>werden</a:t>
+            </a:r>
+            <a:r>
+              <a:rPr lang="en-US" dirty="0"/>
+              <a:t> </a:t>
+            </a:r>
+            <a:r>
+              <a:rPr lang="en-US" dirty="0" err="1"/>
+              <a:t>nicht</a:t>
+            </a:r>
+            <a:r>
+              <a:rPr lang="en-US" dirty="0"/>
+              <a:t> </a:t>
+            </a:r>
+            <a:r>
+              <a:rPr lang="en-US" dirty="0" err="1"/>
+              <a:t>gezeigt</a:t>
+            </a:r>
+            <a:endParaRPr lang="en-US" dirty="0"/>
+          </a:p>
+        </p:txBody>
+      </p:sp>
     </p:spTree>
     <p:extLst>
       <p:ext uri="{BB962C8B-B14F-4D97-AF65-F5344CB8AC3E}">
-        <p14:creationId xmlns:p14="http://schemas.microsoft.com/office/powerpoint/2010/main" val="1459254845"/>
+        <p14:creationId xmlns:p14="http://schemas.microsoft.com/office/powerpoint/2010/main" val="4242700509"/>
       </p:ext>
     </p:extLst>
   </p:cSld>
@@ -7740,7 +8708,7 @@
           <a:p>
             <a:r>
               <a:rPr lang="de-DE" dirty="0"/>
-              <a:t>CNN - Model (2)</a:t>
+              <a:t>CNN - Model (1)</a:t>
             </a:r>
           </a:p>
         </p:txBody>
@@ -7782,10 +8750,172 @@
       </p:pic>
       <p:sp>
         <p:nvSpPr>
-          <p:cNvPr id="3" name="TextBox 2">
-            <a:extLst>
-              <a:ext uri="{FF2B5EF4-FFF2-40B4-BE49-F238E27FC236}">
-                <a16:creationId xmlns:a16="http://schemas.microsoft.com/office/drawing/2014/main" id="{5CC2C52F-4ED9-4A12-B2E4-7EC613C50DC7}"/>
+          <p:cNvPr id="4" name="Rechteck 3">
+            <a:extLst>
+              <a:ext uri="{FF2B5EF4-FFF2-40B4-BE49-F238E27FC236}">
+                <a16:creationId xmlns:a16="http://schemas.microsoft.com/office/drawing/2014/main" id="{167ABF24-ECB9-41F9-B86F-EA771D2BEEF9}"/>
+              </a:ext>
+            </a:extLst>
+          </p:cNvPr>
+          <p:cNvSpPr/>
+          <p:nvPr/>
+        </p:nvSpPr>
+        <p:spPr>
+          <a:xfrm>
+            <a:off x="838200" y="1548264"/>
+            <a:ext cx="202035" cy="4351338"/>
+          </a:xfrm>
+          <a:prstGeom prst="rect">
+            <a:avLst/>
+          </a:prstGeom>
+          <a:solidFill>
+            <a:schemeClr val="bg1"/>
+          </a:solidFill>
+          <a:ln>
+            <a:solidFill>
+              <a:schemeClr val="bg1"/>
+            </a:solidFill>
+          </a:ln>
+        </p:spPr>
+        <p:style>
+          <a:lnRef idx="2">
+            <a:schemeClr val="accent1">
+              <a:shade val="50000"/>
+            </a:schemeClr>
+          </a:lnRef>
+          <a:fillRef idx="1">
+            <a:schemeClr val="accent1"/>
+          </a:fillRef>
+          <a:effectRef idx="0">
+            <a:schemeClr val="accent1"/>
+          </a:effectRef>
+          <a:fontRef idx="minor">
+            <a:schemeClr val="lt1"/>
+          </a:fontRef>
+        </p:style>
+        <p:txBody>
+          <a:bodyPr rtlCol="0" anchor="ctr"/>
+          <a:lstStyle/>
+          <a:p>
+            <a:pPr algn="ctr"/>
+            <a:endParaRPr lang="en-US"/>
+          </a:p>
+        </p:txBody>
+      </p:sp>
+      <p:sp>
+        <p:nvSpPr>
+          <p:cNvPr id="5" name="Rechteck 4">
+            <a:extLst>
+              <a:ext uri="{FF2B5EF4-FFF2-40B4-BE49-F238E27FC236}">
+                <a16:creationId xmlns:a16="http://schemas.microsoft.com/office/drawing/2014/main" id="{BC1C4C08-5576-4824-A93F-E7E8C3B2A9C6}"/>
+              </a:ext>
+            </a:extLst>
+          </p:cNvPr>
+          <p:cNvSpPr/>
+          <p:nvPr/>
+        </p:nvSpPr>
+        <p:spPr>
+          <a:xfrm>
+            <a:off x="8400230" y="1610686"/>
+            <a:ext cx="139763" cy="1753300"/>
+          </a:xfrm>
+          <a:prstGeom prst="rect">
+            <a:avLst/>
+          </a:prstGeom>
+          <a:solidFill>
+            <a:schemeClr val="bg1"/>
+          </a:solidFill>
+          <a:ln>
+            <a:solidFill>
+              <a:schemeClr val="bg1"/>
+            </a:solidFill>
+          </a:ln>
+        </p:spPr>
+        <p:style>
+          <a:lnRef idx="2">
+            <a:schemeClr val="accent1">
+              <a:shade val="50000"/>
+            </a:schemeClr>
+          </a:lnRef>
+          <a:fillRef idx="1">
+            <a:schemeClr val="accent1"/>
+          </a:fillRef>
+          <a:effectRef idx="0">
+            <a:schemeClr val="accent1"/>
+          </a:effectRef>
+          <a:fontRef idx="minor">
+            <a:schemeClr val="lt1"/>
+          </a:fontRef>
+        </p:style>
+        <p:txBody>
+          <a:bodyPr rtlCol="0" anchor="ctr"/>
+          <a:lstStyle/>
+          <a:p>
+            <a:pPr algn="ctr"/>
+            <a:endParaRPr lang="en-US"/>
+          </a:p>
+        </p:txBody>
+      </p:sp>
+      <p:sp>
+        <p:nvSpPr>
+          <p:cNvPr id="6" name="Rechteck 5">
+            <a:extLst>
+              <a:ext uri="{FF2B5EF4-FFF2-40B4-BE49-F238E27FC236}">
+                <a16:creationId xmlns:a16="http://schemas.microsoft.com/office/drawing/2014/main" id="{FEA3D90F-03BD-4827-A8D2-B60ED78F0E23}"/>
+              </a:ext>
+            </a:extLst>
+          </p:cNvPr>
+          <p:cNvSpPr/>
+          <p:nvPr/>
+        </p:nvSpPr>
+        <p:spPr>
+          <a:xfrm>
+            <a:off x="9288840" y="3120235"/>
+            <a:ext cx="276761" cy="2779367"/>
+          </a:xfrm>
+          <a:prstGeom prst="rect">
+            <a:avLst/>
+          </a:prstGeom>
+          <a:solidFill>
+            <a:schemeClr val="bg1"/>
+          </a:solidFill>
+          <a:ln>
+            <a:solidFill>
+              <a:schemeClr val="bg1"/>
+            </a:solidFill>
+          </a:ln>
+        </p:spPr>
+        <p:style>
+          <a:lnRef idx="2">
+            <a:schemeClr val="accent1">
+              <a:shade val="50000"/>
+            </a:schemeClr>
+          </a:lnRef>
+          <a:fillRef idx="1">
+            <a:schemeClr val="accent1"/>
+          </a:fillRef>
+          <a:effectRef idx="0">
+            <a:schemeClr val="accent1"/>
+          </a:effectRef>
+          <a:fontRef idx="minor">
+            <a:schemeClr val="lt1"/>
+          </a:fontRef>
+        </p:style>
+        <p:txBody>
+          <a:bodyPr rtlCol="0" anchor="ctr"/>
+          <a:lstStyle/>
+          <a:p>
+            <a:pPr algn="ctr"/>
+            <a:endParaRPr lang="en-US"/>
+          </a:p>
+        </p:txBody>
+      </p:sp>
+      <p:sp>
+        <p:nvSpPr>
+          <p:cNvPr id="7" name="Textfeld 6">
+            <a:extLst>
+              <a:ext uri="{FF2B5EF4-FFF2-40B4-BE49-F238E27FC236}">
+                <a16:creationId xmlns:a16="http://schemas.microsoft.com/office/drawing/2014/main" id="{14982BF5-C805-4F83-94C2-A8EB74935D9E}"/>
               </a:ext>
             </a:extLst>
           </p:cNvPr>
@@ -7794,8 +8924,8 @@
         </p:nvSpPr>
         <p:spPr>
           <a:xfrm>
-            <a:off x="9835730" y="1461775"/>
-            <a:ext cx="2027980" cy="954107"/>
+            <a:off x="1040235" y="6354741"/>
+            <a:ext cx="5922627" cy="623248"/>
           </a:xfrm>
           <a:prstGeom prst="rect">
             <a:avLst/>
@@ -7808,98 +8938,53 @@
           </a:bodyPr>
           <a:lstStyle/>
           <a:p>
-            <a:pPr algn="ctr"/>
-            <a:r>
-              <a:rPr lang="en-US" sz="2800" b="1" dirty="0"/>
-              <a:t>Activation:</a:t>
-            </a:r>
-          </a:p>
-          <a:p>
-            <a:pPr algn="ctr"/>
-            <a:r>
-              <a:rPr lang="en-US" sz="2800" b="1" dirty="0" err="1"/>
-              <a:t>ReLu</a:t>
-            </a:r>
-            <a:endParaRPr lang="en-US" sz="2800" b="1" dirty="0"/>
-          </a:p>
-        </p:txBody>
-      </p:sp>
-      <p:sp>
-        <p:nvSpPr>
-          <p:cNvPr id="5" name="TextBox 4">
-            <a:extLst>
-              <a:ext uri="{FF2B5EF4-FFF2-40B4-BE49-F238E27FC236}">
-                <a16:creationId xmlns:a16="http://schemas.microsoft.com/office/drawing/2014/main" id="{1BB7B357-BCF7-4BE1-BBE1-55FD9976234E}"/>
-              </a:ext>
-            </a:extLst>
-          </p:cNvPr>
-          <p:cNvSpPr txBox="1"/>
-          <p:nvPr/>
-        </p:nvSpPr>
-        <p:spPr>
-          <a:xfrm>
-            <a:off x="10396134" y="3723933"/>
-            <a:ext cx="907171" cy="523220"/>
-          </a:xfrm>
-          <a:prstGeom prst="rect">
-            <a:avLst/>
-          </a:prstGeom>
-          <a:noFill/>
-        </p:spPr>
-        <p:txBody>
-          <a:bodyPr wrap="none" rtlCol="0">
-            <a:spAutoFit/>
-          </a:bodyPr>
-          <a:lstStyle/>
-          <a:p>
-            <a:r>
-              <a:rPr lang="en-US" sz="2800" b="1" dirty="0" err="1"/>
-              <a:t>ReLu</a:t>
-            </a:r>
-            <a:endParaRPr lang="en-US" sz="2800" b="1" dirty="0"/>
-          </a:p>
-        </p:txBody>
-      </p:sp>
-      <p:sp>
-        <p:nvSpPr>
-          <p:cNvPr id="6" name="TextBox 5">
-            <a:extLst>
-              <a:ext uri="{FF2B5EF4-FFF2-40B4-BE49-F238E27FC236}">
-                <a16:creationId xmlns:a16="http://schemas.microsoft.com/office/drawing/2014/main" id="{EF823A2D-499E-4375-8E83-7E51B079822B}"/>
-              </a:ext>
-            </a:extLst>
-          </p:cNvPr>
-          <p:cNvSpPr txBox="1"/>
-          <p:nvPr/>
-        </p:nvSpPr>
-        <p:spPr>
-          <a:xfrm>
-            <a:off x="10141095" y="5134615"/>
-            <a:ext cx="1417247" cy="523220"/>
-          </a:xfrm>
-          <a:prstGeom prst="rect">
-            <a:avLst/>
-          </a:prstGeom>
-          <a:noFill/>
-        </p:spPr>
-        <p:txBody>
-          <a:bodyPr wrap="none" rtlCol="0">
-            <a:spAutoFit/>
-          </a:bodyPr>
-          <a:lstStyle/>
-          <a:p>
-            <a:r>
-              <a:rPr lang="en-US" sz="2800" b="1" dirty="0" err="1"/>
-              <a:t>Softmax</a:t>
-            </a:r>
-            <a:endParaRPr lang="en-US" sz="2800" b="1" dirty="0"/>
+            <a:r>
+              <a:rPr lang="de-DE" sz="1200" dirty="0"/>
+              <a:t>CNN abgeleitet von </a:t>
+            </a:r>
+            <a:r>
+              <a:rPr lang="en-US" altLang="en-US" sz="1200" dirty="0">
+                <a:solidFill>
+                  <a:srgbClr val="000000"/>
+                </a:solidFill>
+              </a:rPr>
+              <a:t>Xiao et al. (2017)</a:t>
+            </a:r>
+            <a:r>
+              <a:rPr lang="en-US" altLang="en-US" sz="1050" dirty="0"/>
+              <a:t> “</a:t>
+            </a:r>
+            <a:r>
+              <a:rPr lang="en-US" sz="1050" dirty="0"/>
+              <a:t>Design of a Very Compact CNN Classifier for Online Handwritten Chinese Character Recognition Using </a:t>
+            </a:r>
+            <a:r>
+              <a:rPr lang="en-US" sz="1050" dirty="0" err="1"/>
+              <a:t>DropWeight</a:t>
+            </a:r>
+            <a:r>
+              <a:rPr lang="en-US" sz="1050" dirty="0"/>
+              <a:t> and Global Pooling</a:t>
+            </a:r>
+            <a:r>
+              <a:rPr lang="en-US" altLang="en-US" sz="1050" dirty="0"/>
+              <a:t>”</a:t>
+            </a:r>
+            <a:endParaRPr lang="en-US" altLang="en-US" sz="2800" dirty="0"/>
+          </a:p>
+          <a:p>
+            <a:r>
+              <a:rPr lang="de-DE" sz="1200" dirty="0"/>
+              <a:t>  </a:t>
+            </a:r>
+            <a:endParaRPr lang="en-US" sz="1200" dirty="0"/>
           </a:p>
         </p:txBody>
       </p:sp>
     </p:spTree>
     <p:extLst>
       <p:ext uri="{BB962C8B-B14F-4D97-AF65-F5344CB8AC3E}">
-        <p14:creationId xmlns:p14="http://schemas.microsoft.com/office/powerpoint/2010/main" val="3048087049"/>
+        <p14:creationId xmlns:p14="http://schemas.microsoft.com/office/powerpoint/2010/main" val="1459254845"/>
       </p:ext>
     </p:extLst>
   </p:cSld>

--- a/project/Präsentation CV-Prak [Di].pptx
+++ b/project/Präsentation CV-Prak [Di].pptx
@@ -5591,8 +5591,8 @@
           </a:p>
         </p:txBody>
       </p:sp>
-      <mc:AlternateContent xmlns:mc="http://schemas.openxmlformats.org/markup-compatibility/2006">
-        <mc:Choice xmlns:a14="http://schemas.microsoft.com/office/drawing/2010/main" Requires="a14">
+      <mc:AlternateContent xmlns:mc="http://schemas.openxmlformats.org/markup-compatibility/2006" xmlns:a14="http://schemas.microsoft.com/office/drawing/2010/main">
+        <mc:Choice Requires="a14">
           <p:sp>
             <p:nvSpPr>
               <p:cNvPr id="3" name="Inhaltsplatzhalter 2">
@@ -5665,7 +5665,7 @@
             </p:txBody>
           </p:sp>
         </mc:Choice>
-        <mc:Fallback>
+        <mc:Fallback xmlns="">
           <p:sp>
             <p:nvSpPr>
               <p:cNvPr id="3" name="Inhaltsplatzhalter 2">
@@ -7784,13 +7784,23 @@
         </p:spPr>
         <p:txBody>
           <a:bodyPr>
-            <a:normAutofit lnSpcReduction="10000"/>
+            <a:normAutofit fontScale="92500" lnSpcReduction="20000"/>
           </a:bodyPr>
           <a:lstStyle/>
           <a:p>
             <a:r>
               <a:rPr lang="de-DE" dirty="0"/>
               <a:t>Erzeugen von X/Y-Histogrammen je Bild</a:t>
+            </a:r>
+          </a:p>
+          <a:p>
+            <a:r>
+              <a:rPr lang="de-DE" dirty="0" err="1"/>
+              <a:t>Binarisierung</a:t>
+            </a:r>
+            <a:r>
+              <a:rPr lang="de-DE" dirty="0"/>
+              <a:t> der Daten vor der Projektion</a:t>
             </a:r>
           </a:p>
           <a:p>

--- a/project/Präsentation CV-Prak [Di].pptx
+++ b/project/Präsentation CV-Prak [Di].pptx
@@ -17,7 +17,7 @@
     <p:sldId id="268" r:id="rId8"/>
     <p:sldId id="269" r:id="rId9"/>
     <p:sldId id="262" r:id="rId10"/>
-    <p:sldId id="264" r:id="rId11"/>
+    <p:sldId id="271" r:id="rId11"/>
     <p:sldId id="263" r:id="rId12"/>
     <p:sldId id="266" r:id="rId13"/>
     <p:sldId id="265" r:id="rId14"/>
@@ -3917,10 +3917,10 @@
       </p:grpSpPr>
       <p:sp>
         <p:nvSpPr>
-          <p:cNvPr id="2" name="Titel 1">
-            <a:extLst>
-              <a:ext uri="{FF2B5EF4-FFF2-40B4-BE49-F238E27FC236}">
-                <a16:creationId xmlns:a16="http://schemas.microsoft.com/office/drawing/2014/main" id="{A142D5CF-260A-4E31-8A84-A4B77466BCE9}"/>
+          <p:cNvPr id="5" name="Titel 1">
+            <a:extLst>
+              <a:ext uri="{FF2B5EF4-FFF2-40B4-BE49-F238E27FC236}">
+                <a16:creationId xmlns:a16="http://schemas.microsoft.com/office/drawing/2014/main" id="{9B103B9D-7C35-491E-B031-C4E2F64F6856}"/>
               </a:ext>
             </a:extLst>
           </p:cNvPr>
@@ -3931,7 +3931,12 @@
             <p:ph type="title"/>
           </p:nvPr>
         </p:nvSpPr>
-        <p:spPr/>
+        <p:spPr>
+          <a:xfrm>
+            <a:off x="838200" y="365125"/>
+            <a:ext cx="10515600" cy="1325563"/>
+          </a:xfrm>
+        </p:spPr>
         <p:txBody>
           <a:bodyPr/>
           <a:lstStyle/>
@@ -3943,163 +3948,158 @@
           </a:p>
         </p:txBody>
       </p:sp>
-      <p:pic>
-        <p:nvPicPr>
-          <p:cNvPr id="9" name="Content Placeholder 8">
-            <a:extLst>
-              <a:ext uri="{FF2B5EF4-FFF2-40B4-BE49-F238E27FC236}">
-                <a16:creationId xmlns:a16="http://schemas.microsoft.com/office/drawing/2014/main" id="{9089E4B0-DA8C-411F-8E69-BF5D4BE493F0}"/>
-              </a:ext>
-            </a:extLst>
-          </p:cNvPr>
-          <p:cNvPicPr>
-            <a:picLocks noGrp="1" noChangeAspect="1"/>
-          </p:cNvPicPr>
-          <p:nvPr>
-            <p:ph idx="1"/>
-          </p:nvPr>
-        </p:nvPicPr>
-        <p:blipFill>
-          <a:blip r:embed="rId2">
-            <a:extLst>
-              <a:ext uri="{28A0092B-C50C-407E-A947-70E740481C1C}">
-                <a14:useLocalDpi xmlns:a14="http://schemas.microsoft.com/office/drawing/2010/main" val="0"/>
-              </a:ext>
-            </a:extLst>
-          </a:blip>
-          <a:stretch>
-            <a:fillRect/>
-          </a:stretch>
-        </p:blipFill>
-        <p:spPr>
-          <a:xfrm>
-            <a:off x="838200" y="1548264"/>
-            <a:ext cx="8997530" cy="4351338"/>
-          </a:xfrm>
-        </p:spPr>
-      </p:pic>
-      <p:sp>
-        <p:nvSpPr>
-          <p:cNvPr id="3" name="TextBox 2">
-            <a:extLst>
-              <a:ext uri="{FF2B5EF4-FFF2-40B4-BE49-F238E27FC236}">
-                <a16:creationId xmlns:a16="http://schemas.microsoft.com/office/drawing/2014/main" id="{5CC2C52F-4ED9-4A12-B2E4-7EC613C50DC7}"/>
-              </a:ext>
-            </a:extLst>
-          </p:cNvPr>
-          <p:cNvSpPr txBox="1"/>
+      <p:sp>
+        <p:nvSpPr>
+          <p:cNvPr id="12" name="Rechteck 11">
+            <a:extLst>
+              <a:ext uri="{FF2B5EF4-FFF2-40B4-BE49-F238E27FC236}">
+                <a16:creationId xmlns:a16="http://schemas.microsoft.com/office/drawing/2014/main" id="{CA3F31DB-EEB7-41A4-9110-F22BB02B8059}"/>
+              </a:ext>
+            </a:extLst>
+          </p:cNvPr>
+          <p:cNvSpPr/>
           <p:nvPr/>
         </p:nvSpPr>
         <p:spPr>
           <a:xfrm>
-            <a:off x="9835730" y="1461775"/>
-            <a:ext cx="2027980" cy="954107"/>
+            <a:off x="494948" y="2378268"/>
+            <a:ext cx="8724551" cy="473715"/>
           </a:xfrm>
           <a:prstGeom prst="rect">
             <a:avLst/>
           </a:prstGeom>
-          <a:noFill/>
-        </p:spPr>
-        <p:txBody>
-          <a:bodyPr wrap="square" rtlCol="0">
-            <a:spAutoFit/>
-          </a:bodyPr>
+        </p:spPr>
+        <p:style>
+          <a:lnRef idx="1">
+            <a:schemeClr val="accent2"/>
+          </a:lnRef>
+          <a:fillRef idx="2">
+            <a:schemeClr val="accent2"/>
+          </a:fillRef>
+          <a:effectRef idx="1">
+            <a:schemeClr val="accent2"/>
+          </a:effectRef>
+          <a:fontRef idx="minor">
+            <a:schemeClr val="dk1"/>
+          </a:fontRef>
+        </p:style>
+        <p:txBody>
+          <a:bodyPr rtlCol="0" anchor="ctr"/>
           <a:lstStyle/>
           <a:p>
             <a:pPr algn="ctr"/>
             <a:r>
-              <a:rPr lang="en-US" sz="2800" b="1" dirty="0"/>
-              <a:t>Activation:</a:t>
-            </a:r>
-          </a:p>
-          <a:p>
-            <a:pPr algn="ctr"/>
-            <a:r>
-              <a:rPr lang="en-US" sz="2800" b="1" dirty="0" err="1"/>
-              <a:t>ReLu</a:t>
-            </a:r>
-            <a:endParaRPr lang="en-US" sz="2800" b="1" dirty="0"/>
-          </a:p>
-        </p:txBody>
-      </p:sp>
-      <p:sp>
-        <p:nvSpPr>
-          <p:cNvPr id="5" name="TextBox 4">
-            <a:extLst>
-              <a:ext uri="{FF2B5EF4-FFF2-40B4-BE49-F238E27FC236}">
-                <a16:creationId xmlns:a16="http://schemas.microsoft.com/office/drawing/2014/main" id="{1BB7B357-BCF7-4BE1-BBE1-55FD9976234E}"/>
-              </a:ext>
-            </a:extLst>
-          </p:cNvPr>
-          <p:cNvSpPr txBox="1"/>
+              <a:rPr lang="de-DE" dirty="0"/>
+              <a:t>Conv2D 3x64 bzw. 2x128 Masken á 3x3</a:t>
+            </a:r>
+          </a:p>
+        </p:txBody>
+      </p:sp>
+      <p:sp>
+        <p:nvSpPr>
+          <p:cNvPr id="13" name="Rechteck 12">
+            <a:extLst>
+              <a:ext uri="{FF2B5EF4-FFF2-40B4-BE49-F238E27FC236}">
+                <a16:creationId xmlns:a16="http://schemas.microsoft.com/office/drawing/2014/main" id="{E3CD8487-2F2E-4D92-BBF7-6C64F3B5E646}"/>
+              </a:ext>
+            </a:extLst>
+          </p:cNvPr>
+          <p:cNvSpPr/>
           <p:nvPr/>
         </p:nvSpPr>
         <p:spPr>
           <a:xfrm>
-            <a:off x="10396134" y="3723933"/>
-            <a:ext cx="907171" cy="523220"/>
+            <a:off x="494952" y="2860371"/>
+            <a:ext cx="8724550" cy="473716"/>
           </a:xfrm>
           <a:prstGeom prst="rect">
             <a:avLst/>
           </a:prstGeom>
-          <a:noFill/>
-        </p:spPr>
-        <p:txBody>
-          <a:bodyPr wrap="none" rtlCol="0">
-            <a:spAutoFit/>
-          </a:bodyPr>
-          <a:lstStyle/>
-          <a:p>
-            <a:r>
-              <a:rPr lang="en-US" sz="2800" b="1" dirty="0" err="1"/>
-              <a:t>ReLu</a:t>
-            </a:r>
-            <a:endParaRPr lang="en-US" sz="2800" b="1" dirty="0"/>
-          </a:p>
-        </p:txBody>
-      </p:sp>
-      <p:sp>
-        <p:nvSpPr>
-          <p:cNvPr id="6" name="TextBox 5">
-            <a:extLst>
-              <a:ext uri="{FF2B5EF4-FFF2-40B4-BE49-F238E27FC236}">
-                <a16:creationId xmlns:a16="http://schemas.microsoft.com/office/drawing/2014/main" id="{EF823A2D-499E-4375-8E83-7E51B079822B}"/>
-              </a:ext>
-            </a:extLst>
-          </p:cNvPr>
-          <p:cNvSpPr txBox="1"/>
+        </p:spPr>
+        <p:style>
+          <a:lnRef idx="1">
+            <a:schemeClr val="accent4"/>
+          </a:lnRef>
+          <a:fillRef idx="2">
+            <a:schemeClr val="accent4"/>
+          </a:fillRef>
+          <a:effectRef idx="1">
+            <a:schemeClr val="accent4"/>
+          </a:effectRef>
+          <a:fontRef idx="minor">
+            <a:schemeClr val="dk1"/>
+          </a:fontRef>
+        </p:style>
+        <p:txBody>
+          <a:bodyPr rtlCol="0" anchor="ctr"/>
+          <a:lstStyle/>
+          <a:p>
+            <a:pPr algn="ctr"/>
+            <a:r>
+              <a:rPr lang="de-DE" dirty="0"/>
+              <a:t>Batch </a:t>
+            </a:r>
+            <a:r>
+              <a:rPr lang="de-DE" dirty="0" err="1"/>
+              <a:t>Normalization</a:t>
+            </a:r>
+            <a:endParaRPr lang="de-DE" dirty="0"/>
+          </a:p>
+        </p:txBody>
+      </p:sp>
+      <p:sp>
+        <p:nvSpPr>
+          <p:cNvPr id="14" name="Rechteck 13">
+            <a:extLst>
+              <a:ext uri="{FF2B5EF4-FFF2-40B4-BE49-F238E27FC236}">
+                <a16:creationId xmlns:a16="http://schemas.microsoft.com/office/drawing/2014/main" id="{3B9F307A-D13A-425C-97D1-6E1C8E3D2A09}"/>
+              </a:ext>
+            </a:extLst>
+          </p:cNvPr>
+          <p:cNvSpPr/>
           <p:nvPr/>
         </p:nvSpPr>
         <p:spPr>
           <a:xfrm>
-            <a:off x="10141095" y="5134615"/>
-            <a:ext cx="1417247" cy="523220"/>
+            <a:off x="494952" y="3330533"/>
+            <a:ext cx="8724550" cy="473716"/>
           </a:xfrm>
           <a:prstGeom prst="rect">
             <a:avLst/>
           </a:prstGeom>
-          <a:noFill/>
-        </p:spPr>
-        <p:txBody>
-          <a:bodyPr wrap="none" rtlCol="0">
-            <a:spAutoFit/>
-          </a:bodyPr>
-          <a:lstStyle/>
-          <a:p>
-            <a:r>
-              <a:rPr lang="en-US" sz="2800" b="1" dirty="0" err="1"/>
-              <a:t>Softmax</a:t>
-            </a:r>
-            <a:endParaRPr lang="en-US" sz="2800" b="1" dirty="0"/>
-          </a:p>
-        </p:txBody>
-      </p:sp>
-      <p:sp>
-        <p:nvSpPr>
-          <p:cNvPr id="4" name="Rechteck 3">
-            <a:extLst>
-              <a:ext uri="{FF2B5EF4-FFF2-40B4-BE49-F238E27FC236}">
-                <a16:creationId xmlns:a16="http://schemas.microsoft.com/office/drawing/2014/main" id="{E7167831-B25C-496D-A4CE-A33607940646}"/>
+        </p:spPr>
+        <p:style>
+          <a:lnRef idx="1">
+            <a:schemeClr val="accent6"/>
+          </a:lnRef>
+          <a:fillRef idx="2">
+            <a:schemeClr val="accent6"/>
+          </a:fillRef>
+          <a:effectRef idx="1">
+            <a:schemeClr val="accent6"/>
+          </a:effectRef>
+          <a:fontRef idx="minor">
+            <a:schemeClr val="dk1"/>
+          </a:fontRef>
+        </p:style>
+        <p:txBody>
+          <a:bodyPr rtlCol="0" anchor="ctr"/>
+          <a:lstStyle/>
+          <a:p>
+            <a:pPr algn="ctr"/>
+            <a:r>
+              <a:rPr lang="de-DE" dirty="0"/>
+              <a:t>Maxpooling (3x3) [1,3,5]</a:t>
+            </a:r>
+          </a:p>
+        </p:txBody>
+      </p:sp>
+      <p:sp>
+        <p:nvSpPr>
+          <p:cNvPr id="15" name="Rechteck 14">
+            <a:extLst>
+              <a:ext uri="{FF2B5EF4-FFF2-40B4-BE49-F238E27FC236}">
+                <a16:creationId xmlns:a16="http://schemas.microsoft.com/office/drawing/2014/main" id="{4509CE2A-4BC4-4481-97B6-53076388AED5}"/>
               </a:ext>
             </a:extLst>
           </p:cNvPr>
@@ -4108,35 +4108,369 @@
         </p:nvSpPr>
         <p:spPr>
           <a:xfrm>
-            <a:off x="838200" y="1548264"/>
-            <a:ext cx="202035" cy="4351338"/>
+            <a:off x="1095462" y="3812637"/>
+            <a:ext cx="7461310" cy="468774"/>
           </a:xfrm>
           <a:prstGeom prst="rect">
             <a:avLst/>
           </a:prstGeom>
-          <a:solidFill>
-            <a:schemeClr val="bg1"/>
-          </a:solidFill>
+        </p:spPr>
+        <p:style>
+          <a:lnRef idx="1">
+            <a:schemeClr val="accent1"/>
+          </a:lnRef>
+          <a:fillRef idx="2">
+            <a:schemeClr val="accent1"/>
+          </a:fillRef>
+          <a:effectRef idx="1">
+            <a:schemeClr val="accent1"/>
+          </a:effectRef>
+          <a:fontRef idx="minor">
+            <a:schemeClr val="dk1"/>
+          </a:fontRef>
+        </p:style>
+        <p:txBody>
+          <a:bodyPr rtlCol="0" anchor="ctr"/>
+          <a:lstStyle/>
+          <a:p>
+            <a:pPr algn="ctr"/>
+            <a:r>
+              <a:rPr lang="de-DE" dirty="0" err="1"/>
+              <a:t>Flatten</a:t>
+            </a:r>
+            <a:endParaRPr lang="de-DE" dirty="0"/>
+          </a:p>
+        </p:txBody>
+      </p:sp>
+      <p:sp>
+        <p:nvSpPr>
+          <p:cNvPr id="19" name="Rechteck 18">
+            <a:extLst>
+              <a:ext uri="{FF2B5EF4-FFF2-40B4-BE49-F238E27FC236}">
+                <a16:creationId xmlns:a16="http://schemas.microsoft.com/office/drawing/2014/main" id="{675B9DBD-B1DD-4389-9C3A-7FB2E0505E95}"/>
+              </a:ext>
+            </a:extLst>
+          </p:cNvPr>
+          <p:cNvSpPr/>
+          <p:nvPr/>
+        </p:nvSpPr>
+        <p:spPr>
+          <a:xfrm>
+            <a:off x="1095460" y="4750187"/>
+            <a:ext cx="7461310" cy="468775"/>
+          </a:xfrm>
+          <a:prstGeom prst="rect">
+            <a:avLst/>
+          </a:prstGeom>
+        </p:spPr>
+        <p:style>
+          <a:lnRef idx="1">
+            <a:schemeClr val="accent6"/>
+          </a:lnRef>
+          <a:fillRef idx="2">
+            <a:schemeClr val="accent6"/>
+          </a:fillRef>
+          <a:effectRef idx="1">
+            <a:schemeClr val="accent6"/>
+          </a:effectRef>
+          <a:fontRef idx="minor">
+            <a:schemeClr val="dk1"/>
+          </a:fontRef>
+        </p:style>
+        <p:txBody>
+          <a:bodyPr rtlCol="0" anchor="ctr"/>
+          <a:lstStyle/>
+          <a:p>
+            <a:pPr algn="ctr"/>
+            <a:r>
+              <a:rPr lang="de-DE" dirty="0"/>
+              <a:t>Batch </a:t>
+            </a:r>
+            <a:r>
+              <a:rPr lang="de-DE" dirty="0" err="1"/>
+              <a:t>Normalization</a:t>
+            </a:r>
+            <a:endParaRPr lang="de-DE" dirty="0"/>
+          </a:p>
+        </p:txBody>
+      </p:sp>
+      <p:sp>
+        <p:nvSpPr>
+          <p:cNvPr id="20" name="Rechteck 19">
+            <a:extLst>
+              <a:ext uri="{FF2B5EF4-FFF2-40B4-BE49-F238E27FC236}">
+                <a16:creationId xmlns:a16="http://schemas.microsoft.com/office/drawing/2014/main" id="{7B93B40F-B23C-4E26-844F-E188D6A0C052}"/>
+              </a:ext>
+            </a:extLst>
+          </p:cNvPr>
+          <p:cNvSpPr/>
+          <p:nvPr/>
+        </p:nvSpPr>
+        <p:spPr>
+          <a:xfrm>
+            <a:off x="1095460" y="5218961"/>
+            <a:ext cx="7461310" cy="468776"/>
+          </a:xfrm>
+          <a:prstGeom prst="rect">
+            <a:avLst/>
+          </a:prstGeom>
           <a:ln>
             <a:solidFill>
-              <a:schemeClr val="bg1"/>
+              <a:schemeClr val="bg1">
+                <a:lumMod val="65000"/>
+              </a:schemeClr>
             </a:solidFill>
           </a:ln>
         </p:spPr>
         <p:style>
+          <a:lnRef idx="1">
+            <a:schemeClr val="dk1"/>
+          </a:lnRef>
+          <a:fillRef idx="2">
+            <a:schemeClr val="dk1"/>
+          </a:fillRef>
+          <a:effectRef idx="1">
+            <a:schemeClr val="dk1"/>
+          </a:effectRef>
+          <a:fontRef idx="minor">
+            <a:schemeClr val="dk1"/>
+          </a:fontRef>
+        </p:style>
+        <p:txBody>
+          <a:bodyPr rtlCol="0" anchor="ctr"/>
+          <a:lstStyle/>
+          <a:p>
+            <a:pPr algn="ctr"/>
+            <a:r>
+              <a:rPr lang="de-DE" dirty="0"/>
+              <a:t>Dropout (50%)</a:t>
+            </a:r>
+          </a:p>
+        </p:txBody>
+      </p:sp>
+      <p:sp>
+        <p:nvSpPr>
+          <p:cNvPr id="21" name="Rechteck 20">
+            <a:extLst>
+              <a:ext uri="{FF2B5EF4-FFF2-40B4-BE49-F238E27FC236}">
+                <a16:creationId xmlns:a16="http://schemas.microsoft.com/office/drawing/2014/main" id="{E5AC1866-815B-4B31-9A6D-ED6D7827C667}"/>
+              </a:ext>
+            </a:extLst>
+          </p:cNvPr>
+          <p:cNvSpPr/>
+          <p:nvPr/>
+        </p:nvSpPr>
+        <p:spPr>
+          <a:xfrm>
+            <a:off x="1095460" y="5687736"/>
+            <a:ext cx="7461310" cy="468775"/>
+          </a:xfrm>
+          <a:prstGeom prst="rect">
+            <a:avLst/>
+          </a:prstGeom>
+          <a:gradFill flip="none" rotWithShape="1">
+            <a:gsLst>
+              <a:gs pos="0">
+                <a:srgbClr val="7030A0">
+                  <a:tint val="66000"/>
+                  <a:satMod val="160000"/>
+                </a:srgbClr>
+              </a:gs>
+              <a:gs pos="50000">
+                <a:srgbClr val="7030A0">
+                  <a:tint val="44500"/>
+                  <a:satMod val="160000"/>
+                </a:srgbClr>
+              </a:gs>
+              <a:gs pos="100000">
+                <a:srgbClr val="7030A0">
+                  <a:tint val="23500"/>
+                  <a:satMod val="160000"/>
+                </a:srgbClr>
+              </a:gs>
+            </a:gsLst>
+            <a:path path="circle">
+              <a:fillToRect l="50000" t="50000" r="50000" b="50000"/>
+            </a:path>
+            <a:tileRect/>
+          </a:gradFill>
+          <a:ln>
+            <a:solidFill>
+              <a:srgbClr val="B686DA"/>
+            </a:solidFill>
+          </a:ln>
+        </p:spPr>
+        <p:style>
           <a:lnRef idx="2">
-            <a:schemeClr val="accent1">
+            <a:schemeClr val="accent6">
               <a:shade val="50000"/>
             </a:schemeClr>
           </a:lnRef>
           <a:fillRef idx="1">
+            <a:schemeClr val="accent6"/>
+          </a:fillRef>
+          <a:effectRef idx="0">
+            <a:schemeClr val="accent6"/>
+          </a:effectRef>
+          <a:fontRef idx="minor">
+            <a:schemeClr val="lt1"/>
+          </a:fontRef>
+        </p:style>
+        <p:txBody>
+          <a:bodyPr rtlCol="0" anchor="ctr"/>
+          <a:lstStyle/>
+          <a:p>
+            <a:pPr algn="ctr"/>
+            <a:r>
+              <a:rPr lang="de-DE" dirty="0" err="1">
+                <a:solidFill>
+                  <a:schemeClr val="tx1"/>
+                </a:solidFill>
+              </a:rPr>
+              <a:t>Dense</a:t>
+            </a:r>
+            <a:r>
+              <a:rPr lang="de-DE" dirty="0">
+                <a:solidFill>
+                  <a:schemeClr val="tx1"/>
+                </a:solidFill>
+              </a:rPr>
+              <a:t> (26)</a:t>
+            </a:r>
+          </a:p>
+        </p:txBody>
+      </p:sp>
+      <p:sp>
+        <p:nvSpPr>
+          <p:cNvPr id="22" name="Rechteck 21">
+            <a:extLst>
+              <a:ext uri="{FF2B5EF4-FFF2-40B4-BE49-F238E27FC236}">
+                <a16:creationId xmlns:a16="http://schemas.microsoft.com/office/drawing/2014/main" id="{A2152161-06A2-480A-A9B5-9E3AB8214531}"/>
+              </a:ext>
+            </a:extLst>
+          </p:cNvPr>
+          <p:cNvSpPr/>
+          <p:nvPr/>
+        </p:nvSpPr>
+        <p:spPr>
+          <a:xfrm>
+            <a:off x="1095460" y="4289799"/>
+            <a:ext cx="7461310" cy="468775"/>
+          </a:xfrm>
+          <a:prstGeom prst="rect">
+            <a:avLst/>
+          </a:prstGeom>
+          <a:gradFill flip="none" rotWithShape="1">
+            <a:gsLst>
+              <a:gs pos="0">
+                <a:srgbClr val="7030A0">
+                  <a:tint val="66000"/>
+                  <a:satMod val="160000"/>
+                </a:srgbClr>
+              </a:gs>
+              <a:gs pos="50000">
+                <a:srgbClr val="7030A0">
+                  <a:tint val="44500"/>
+                  <a:satMod val="160000"/>
+                </a:srgbClr>
+              </a:gs>
+              <a:gs pos="100000">
+                <a:srgbClr val="7030A0">
+                  <a:tint val="23500"/>
+                  <a:satMod val="160000"/>
+                </a:srgbClr>
+              </a:gs>
+            </a:gsLst>
+            <a:path path="circle">
+              <a:fillToRect l="50000" t="50000" r="50000" b="50000"/>
+            </a:path>
+            <a:tileRect/>
+          </a:gradFill>
+          <a:ln>
+            <a:solidFill>
+              <a:srgbClr val="B686DA"/>
+            </a:solidFill>
+          </a:ln>
+        </p:spPr>
+        <p:style>
+          <a:lnRef idx="2">
+            <a:schemeClr val="accent6">
+              <a:shade val="50000"/>
+            </a:schemeClr>
+          </a:lnRef>
+          <a:fillRef idx="1">
+            <a:schemeClr val="accent6"/>
+          </a:fillRef>
+          <a:effectRef idx="0">
+            <a:schemeClr val="accent6"/>
+          </a:effectRef>
+          <a:fontRef idx="minor">
+            <a:schemeClr val="lt1"/>
+          </a:fontRef>
+        </p:style>
+        <p:txBody>
+          <a:bodyPr rtlCol="0" anchor="ctr"/>
+          <a:lstStyle/>
+          <a:p>
+            <a:pPr algn="ctr"/>
+            <a:r>
+              <a:rPr lang="de-DE" dirty="0" err="1">
+                <a:solidFill>
+                  <a:schemeClr val="tx1"/>
+                </a:solidFill>
+              </a:rPr>
+              <a:t>Dense</a:t>
+            </a:r>
+            <a:r>
+              <a:rPr lang="de-DE" dirty="0">
+                <a:solidFill>
+                  <a:schemeClr val="tx1"/>
+                </a:solidFill>
+              </a:rPr>
+              <a:t> (1024)</a:t>
+            </a:r>
+          </a:p>
+        </p:txBody>
+      </p:sp>
+      <p:sp>
+        <p:nvSpPr>
+          <p:cNvPr id="23" name="Geschweifte Klammer rechts 22">
+            <a:extLst>
+              <a:ext uri="{FF2B5EF4-FFF2-40B4-BE49-F238E27FC236}">
+                <a16:creationId xmlns:a16="http://schemas.microsoft.com/office/drawing/2014/main" id="{2301C1DF-ABDF-458C-8E09-F8288BF75669}"/>
+              </a:ext>
+            </a:extLst>
+          </p:cNvPr>
+          <p:cNvSpPr/>
+          <p:nvPr/>
+        </p:nvSpPr>
+        <p:spPr>
+          <a:xfrm>
+            <a:off x="9286614" y="2378268"/>
+            <a:ext cx="352337" cy="1425981"/>
+          </a:xfrm>
+          <a:prstGeom prst="rightBrace">
+            <a:avLst/>
+          </a:prstGeom>
+          <a:noFill/>
+          <a:ln>
+            <a:solidFill>
+              <a:schemeClr val="tx1"/>
+            </a:solidFill>
+          </a:ln>
+        </p:spPr>
+        <p:style>
+          <a:lnRef idx="1">
+            <a:schemeClr val="accent1"/>
+          </a:lnRef>
+          <a:fillRef idx="0">
             <a:schemeClr val="accent1"/>
           </a:fillRef>
           <a:effectRef idx="0">
             <a:schemeClr val="accent1"/>
           </a:effectRef>
           <a:fontRef idx="minor">
-            <a:schemeClr val="lt1"/>
+            <a:schemeClr val="tx1"/>
           </a:fontRef>
         </p:style>
         <p:txBody>
@@ -4144,122 +4478,157 @@
           <a:lstStyle/>
           <a:p>
             <a:pPr algn="ctr"/>
-            <a:endParaRPr lang="en-US"/>
-          </a:p>
-        </p:txBody>
-      </p:sp>
-      <p:sp>
-        <p:nvSpPr>
-          <p:cNvPr id="8" name="Rechteck 7">
-            <a:extLst>
-              <a:ext uri="{FF2B5EF4-FFF2-40B4-BE49-F238E27FC236}">
-                <a16:creationId xmlns:a16="http://schemas.microsoft.com/office/drawing/2014/main" id="{7A929654-6626-465F-B03A-448793858757}"/>
-              </a:ext>
-            </a:extLst>
-          </p:cNvPr>
-          <p:cNvSpPr/>
+            <a:endParaRPr lang="de-DE"/>
+          </a:p>
+        </p:txBody>
+      </p:sp>
+      <p:sp>
+        <p:nvSpPr>
+          <p:cNvPr id="24" name="Textfeld 23">
+            <a:extLst>
+              <a:ext uri="{FF2B5EF4-FFF2-40B4-BE49-F238E27FC236}">
+                <a16:creationId xmlns:a16="http://schemas.microsoft.com/office/drawing/2014/main" id="{D6AACAA5-9F54-48E9-80BE-6BA7FB11C8CD}"/>
+              </a:ext>
+            </a:extLst>
+          </p:cNvPr>
+          <p:cNvSpPr txBox="1"/>
           <p:nvPr/>
         </p:nvSpPr>
         <p:spPr>
           <a:xfrm>
-            <a:off x="9288840" y="3120235"/>
-            <a:ext cx="276761" cy="2779367"/>
+            <a:off x="9638951" y="2906592"/>
+            <a:ext cx="872455" cy="369332"/>
           </a:xfrm>
           <a:prstGeom prst="rect">
             <a:avLst/>
           </a:prstGeom>
-          <a:solidFill>
-            <a:schemeClr val="bg1"/>
-          </a:solidFill>
-          <a:ln>
-            <a:solidFill>
-              <a:schemeClr val="bg1"/>
-            </a:solidFill>
-          </a:ln>
-        </p:spPr>
-        <p:style>
-          <a:lnRef idx="2">
-            <a:schemeClr val="accent1">
-              <a:shade val="50000"/>
-            </a:schemeClr>
-          </a:lnRef>
-          <a:fillRef idx="1">
-            <a:schemeClr val="accent1"/>
-          </a:fillRef>
-          <a:effectRef idx="0">
-            <a:schemeClr val="accent1"/>
-          </a:effectRef>
-          <a:fontRef idx="minor">
-            <a:schemeClr val="lt1"/>
-          </a:fontRef>
-        </p:style>
-        <p:txBody>
-          <a:bodyPr rtlCol="0" anchor="ctr"/>
-          <a:lstStyle/>
-          <a:p>
-            <a:pPr algn="ctr"/>
-            <a:endParaRPr lang="en-US"/>
-          </a:p>
-        </p:txBody>
-      </p:sp>
-      <p:sp>
-        <p:nvSpPr>
-          <p:cNvPr id="10" name="Rechteck 9">
-            <a:extLst>
-              <a:ext uri="{FF2B5EF4-FFF2-40B4-BE49-F238E27FC236}">
-                <a16:creationId xmlns:a16="http://schemas.microsoft.com/office/drawing/2014/main" id="{030B177A-2DC5-478F-821A-8D6610075BF7}"/>
-              </a:ext>
-            </a:extLst>
-          </p:cNvPr>
-          <p:cNvSpPr/>
+          <a:noFill/>
+        </p:spPr>
+        <p:txBody>
+          <a:bodyPr wrap="square" rtlCol="0">
+            <a:spAutoFit/>
+          </a:bodyPr>
+          <a:lstStyle/>
+          <a:p>
+            <a:r>
+              <a:rPr lang="de-DE" dirty="0"/>
+              <a:t>5x</a:t>
+            </a:r>
+          </a:p>
+        </p:txBody>
+      </p:sp>
+      <p:sp>
+        <p:nvSpPr>
+          <p:cNvPr id="25" name="Textfeld 24">
+            <a:extLst>
+              <a:ext uri="{FF2B5EF4-FFF2-40B4-BE49-F238E27FC236}">
+                <a16:creationId xmlns:a16="http://schemas.microsoft.com/office/drawing/2014/main" id="{5F8D301D-D44A-4C78-912B-89BA21A2BF0E}"/>
+              </a:ext>
+            </a:extLst>
+          </p:cNvPr>
+          <p:cNvSpPr txBox="1"/>
           <p:nvPr/>
         </p:nvSpPr>
         <p:spPr>
           <a:xfrm>
-            <a:off x="8400230" y="1610686"/>
-            <a:ext cx="139763" cy="1753300"/>
+            <a:off x="9734027" y="1909194"/>
+            <a:ext cx="1554758" cy="4247317"/>
           </a:xfrm>
           <a:prstGeom prst="rect">
             <a:avLst/>
           </a:prstGeom>
-          <a:solidFill>
-            <a:schemeClr val="bg1"/>
-          </a:solidFill>
-          <a:ln>
-            <a:solidFill>
-              <a:schemeClr val="bg1"/>
-            </a:solidFill>
-          </a:ln>
-        </p:spPr>
-        <p:style>
-          <a:lnRef idx="2">
-            <a:schemeClr val="accent1">
-              <a:shade val="50000"/>
-            </a:schemeClr>
-          </a:lnRef>
-          <a:fillRef idx="1">
-            <a:schemeClr val="accent1"/>
-          </a:fillRef>
-          <a:effectRef idx="0">
-            <a:schemeClr val="accent1"/>
-          </a:effectRef>
-          <a:fontRef idx="minor">
-            <a:schemeClr val="lt1"/>
-          </a:fontRef>
-        </p:style>
-        <p:txBody>
-          <a:bodyPr rtlCol="0" anchor="ctr"/>
+          <a:noFill/>
+        </p:spPr>
+        <p:txBody>
+          <a:bodyPr wrap="square" rtlCol="0">
+            <a:spAutoFit/>
+          </a:bodyPr>
           <a:lstStyle/>
           <a:p>
             <a:pPr algn="ctr"/>
-            <a:endParaRPr lang="en-US"/>
+            <a:r>
+              <a:rPr lang="de-DE" dirty="0" err="1"/>
+              <a:t>Activation</a:t>
+            </a:r>
+            <a:r>
+              <a:rPr lang="de-DE" dirty="0"/>
+              <a:t>:</a:t>
+            </a:r>
+          </a:p>
+          <a:p>
+            <a:pPr algn="ctr"/>
+            <a:endParaRPr lang="de-DE" dirty="0"/>
+          </a:p>
+          <a:p>
+            <a:pPr algn="ctr"/>
+            <a:r>
+              <a:rPr lang="de-DE" dirty="0" err="1"/>
+              <a:t>ReLu</a:t>
+            </a:r>
+            <a:endParaRPr lang="de-DE" dirty="0"/>
+          </a:p>
+          <a:p>
+            <a:pPr algn="ctr"/>
+            <a:endParaRPr lang="de-DE" dirty="0"/>
+          </a:p>
+          <a:p>
+            <a:pPr algn="ctr"/>
+            <a:endParaRPr lang="de-DE" dirty="0"/>
+          </a:p>
+          <a:p>
+            <a:pPr algn="ctr"/>
+            <a:endParaRPr lang="de-DE" dirty="0"/>
+          </a:p>
+          <a:p>
+            <a:pPr algn="ctr"/>
+            <a:endParaRPr lang="de-DE" dirty="0"/>
+          </a:p>
+          <a:p>
+            <a:pPr algn="ctr"/>
+            <a:endParaRPr lang="de-DE" dirty="0"/>
+          </a:p>
+          <a:p>
+            <a:pPr algn="ctr"/>
+            <a:endParaRPr lang="de-DE" dirty="0"/>
+          </a:p>
+          <a:p>
+            <a:pPr algn="ctr"/>
+            <a:r>
+              <a:rPr lang="de-DE" dirty="0" err="1"/>
+              <a:t>Relu</a:t>
+            </a:r>
+            <a:endParaRPr lang="de-DE" dirty="0"/>
+          </a:p>
+          <a:p>
+            <a:pPr algn="ctr"/>
+            <a:endParaRPr lang="de-DE" dirty="0"/>
+          </a:p>
+          <a:p>
+            <a:pPr algn="ctr"/>
+            <a:endParaRPr lang="de-DE" dirty="0"/>
+          </a:p>
+          <a:p>
+            <a:pPr algn="ctr"/>
+            <a:endParaRPr lang="de-DE" dirty="0"/>
+          </a:p>
+          <a:p>
+            <a:pPr algn="ctr"/>
+            <a:endParaRPr lang="de-DE" dirty="0"/>
+          </a:p>
+          <a:p>
+            <a:pPr algn="ctr"/>
+            <a:r>
+              <a:rPr lang="de-DE" dirty="0" err="1"/>
+              <a:t>Softmax</a:t>
+            </a:r>
+            <a:endParaRPr lang="de-DE" dirty="0"/>
           </a:p>
         </p:txBody>
       </p:sp>
     </p:spTree>
     <p:extLst>
       <p:ext uri="{BB962C8B-B14F-4D97-AF65-F5344CB8AC3E}">
-        <p14:creationId xmlns:p14="http://schemas.microsoft.com/office/powerpoint/2010/main" val="3048087049"/>
+        <p14:creationId xmlns:p14="http://schemas.microsoft.com/office/powerpoint/2010/main" val="1006358942"/>
       </p:ext>
     </p:extLst>
   </p:cSld>
@@ -8723,41 +9092,6 @@
           </a:p>
         </p:txBody>
       </p:sp>
-      <p:pic>
-        <p:nvPicPr>
-          <p:cNvPr id="9" name="Content Placeholder 8">
-            <a:extLst>
-              <a:ext uri="{FF2B5EF4-FFF2-40B4-BE49-F238E27FC236}">
-                <a16:creationId xmlns:a16="http://schemas.microsoft.com/office/drawing/2014/main" id="{9089E4B0-DA8C-411F-8E69-BF5D4BE493F0}"/>
-              </a:ext>
-            </a:extLst>
-          </p:cNvPr>
-          <p:cNvPicPr>
-            <a:picLocks noGrp="1" noChangeAspect="1"/>
-          </p:cNvPicPr>
-          <p:nvPr>
-            <p:ph idx="1"/>
-          </p:nvPr>
-        </p:nvPicPr>
-        <p:blipFill>
-          <a:blip r:embed="rId2">
-            <a:extLst>
-              <a:ext uri="{28A0092B-C50C-407E-A947-70E740481C1C}">
-                <a14:useLocalDpi xmlns:a14="http://schemas.microsoft.com/office/drawing/2010/main" val="0"/>
-              </a:ext>
-            </a:extLst>
-          </a:blip>
-          <a:stretch>
-            <a:fillRect/>
-          </a:stretch>
-        </p:blipFill>
-        <p:spPr>
-          <a:xfrm>
-            <a:off x="838200" y="1548264"/>
-            <a:ext cx="8997530" cy="4351338"/>
-          </a:xfrm>
-        </p:spPr>
-      </p:pic>
       <p:sp>
         <p:nvSpPr>
           <p:cNvPr id="4" name="Rechteck 3">
@@ -8988,6 +9322,575 @@
               <a:t>  </a:t>
             </a:r>
             <a:endParaRPr lang="en-US" sz="1200" dirty="0"/>
+          </a:p>
+        </p:txBody>
+      </p:sp>
+      <p:sp>
+        <p:nvSpPr>
+          <p:cNvPr id="10" name="Rechteck 9">
+            <a:extLst>
+              <a:ext uri="{FF2B5EF4-FFF2-40B4-BE49-F238E27FC236}">
+                <a16:creationId xmlns:a16="http://schemas.microsoft.com/office/drawing/2014/main" id="{A9A69CFF-8082-4F85-B836-51D866C533FA}"/>
+              </a:ext>
+            </a:extLst>
+          </p:cNvPr>
+          <p:cNvSpPr/>
+          <p:nvPr/>
+        </p:nvSpPr>
+        <p:spPr>
+          <a:xfrm>
+            <a:off x="494948" y="2378268"/>
+            <a:ext cx="8724551" cy="473715"/>
+          </a:xfrm>
+          <a:prstGeom prst="rect">
+            <a:avLst/>
+          </a:prstGeom>
+        </p:spPr>
+        <p:style>
+          <a:lnRef idx="1">
+            <a:schemeClr val="accent2"/>
+          </a:lnRef>
+          <a:fillRef idx="2">
+            <a:schemeClr val="accent2"/>
+          </a:fillRef>
+          <a:effectRef idx="1">
+            <a:schemeClr val="accent2"/>
+          </a:effectRef>
+          <a:fontRef idx="minor">
+            <a:schemeClr val="dk1"/>
+          </a:fontRef>
+        </p:style>
+        <p:txBody>
+          <a:bodyPr rtlCol="0" anchor="ctr"/>
+          <a:lstStyle/>
+          <a:p>
+            <a:pPr algn="ctr"/>
+            <a:r>
+              <a:rPr lang="de-DE" dirty="0"/>
+              <a:t>Conv2D 3x64 bzw. 2x128 Masken á 3x3</a:t>
+            </a:r>
+          </a:p>
+        </p:txBody>
+      </p:sp>
+      <p:sp>
+        <p:nvSpPr>
+          <p:cNvPr id="11" name="Rechteck 10">
+            <a:extLst>
+              <a:ext uri="{FF2B5EF4-FFF2-40B4-BE49-F238E27FC236}">
+                <a16:creationId xmlns:a16="http://schemas.microsoft.com/office/drawing/2014/main" id="{33AEC2C5-B0C3-4A9C-AF99-67E4E61813C2}"/>
+              </a:ext>
+            </a:extLst>
+          </p:cNvPr>
+          <p:cNvSpPr/>
+          <p:nvPr/>
+        </p:nvSpPr>
+        <p:spPr>
+          <a:xfrm>
+            <a:off x="494952" y="2860371"/>
+            <a:ext cx="8724550" cy="473716"/>
+          </a:xfrm>
+          <a:prstGeom prst="rect">
+            <a:avLst/>
+          </a:prstGeom>
+        </p:spPr>
+        <p:style>
+          <a:lnRef idx="1">
+            <a:schemeClr val="accent4"/>
+          </a:lnRef>
+          <a:fillRef idx="2">
+            <a:schemeClr val="accent4"/>
+          </a:fillRef>
+          <a:effectRef idx="1">
+            <a:schemeClr val="accent4"/>
+          </a:effectRef>
+          <a:fontRef idx="minor">
+            <a:schemeClr val="dk1"/>
+          </a:fontRef>
+        </p:style>
+        <p:txBody>
+          <a:bodyPr rtlCol="0" anchor="ctr"/>
+          <a:lstStyle/>
+          <a:p>
+            <a:pPr algn="ctr"/>
+            <a:r>
+              <a:rPr lang="de-DE" dirty="0"/>
+              <a:t>Batch </a:t>
+            </a:r>
+            <a:r>
+              <a:rPr lang="de-DE" dirty="0" err="1"/>
+              <a:t>Normalization</a:t>
+            </a:r>
+            <a:endParaRPr lang="de-DE" dirty="0"/>
+          </a:p>
+        </p:txBody>
+      </p:sp>
+      <p:sp>
+        <p:nvSpPr>
+          <p:cNvPr id="12" name="Rechteck 11">
+            <a:extLst>
+              <a:ext uri="{FF2B5EF4-FFF2-40B4-BE49-F238E27FC236}">
+                <a16:creationId xmlns:a16="http://schemas.microsoft.com/office/drawing/2014/main" id="{DF371C97-308A-40BD-916F-E39F147CF387}"/>
+              </a:ext>
+            </a:extLst>
+          </p:cNvPr>
+          <p:cNvSpPr/>
+          <p:nvPr/>
+        </p:nvSpPr>
+        <p:spPr>
+          <a:xfrm>
+            <a:off x="494952" y="3330533"/>
+            <a:ext cx="8724550" cy="473716"/>
+          </a:xfrm>
+          <a:prstGeom prst="rect">
+            <a:avLst/>
+          </a:prstGeom>
+        </p:spPr>
+        <p:style>
+          <a:lnRef idx="1">
+            <a:schemeClr val="accent6"/>
+          </a:lnRef>
+          <a:fillRef idx="2">
+            <a:schemeClr val="accent6"/>
+          </a:fillRef>
+          <a:effectRef idx="1">
+            <a:schemeClr val="accent6"/>
+          </a:effectRef>
+          <a:fontRef idx="minor">
+            <a:schemeClr val="dk1"/>
+          </a:fontRef>
+        </p:style>
+        <p:txBody>
+          <a:bodyPr rtlCol="0" anchor="ctr"/>
+          <a:lstStyle/>
+          <a:p>
+            <a:pPr algn="ctr"/>
+            <a:r>
+              <a:rPr lang="de-DE" dirty="0"/>
+              <a:t>Maxpooling (3x3) [1,3,5]</a:t>
+            </a:r>
+          </a:p>
+        </p:txBody>
+      </p:sp>
+      <p:sp>
+        <p:nvSpPr>
+          <p:cNvPr id="13" name="Rechteck 12">
+            <a:extLst>
+              <a:ext uri="{FF2B5EF4-FFF2-40B4-BE49-F238E27FC236}">
+                <a16:creationId xmlns:a16="http://schemas.microsoft.com/office/drawing/2014/main" id="{2B2B9519-4338-4010-A7FC-9D0738BB2BA3}"/>
+              </a:ext>
+            </a:extLst>
+          </p:cNvPr>
+          <p:cNvSpPr/>
+          <p:nvPr/>
+        </p:nvSpPr>
+        <p:spPr>
+          <a:xfrm>
+            <a:off x="1095462" y="3812637"/>
+            <a:ext cx="7461310" cy="468774"/>
+          </a:xfrm>
+          <a:prstGeom prst="rect">
+            <a:avLst/>
+          </a:prstGeom>
+        </p:spPr>
+        <p:style>
+          <a:lnRef idx="1">
+            <a:schemeClr val="accent1"/>
+          </a:lnRef>
+          <a:fillRef idx="2">
+            <a:schemeClr val="accent1"/>
+          </a:fillRef>
+          <a:effectRef idx="1">
+            <a:schemeClr val="accent1"/>
+          </a:effectRef>
+          <a:fontRef idx="minor">
+            <a:schemeClr val="dk1"/>
+          </a:fontRef>
+        </p:style>
+        <p:txBody>
+          <a:bodyPr rtlCol="0" anchor="ctr"/>
+          <a:lstStyle/>
+          <a:p>
+            <a:pPr algn="ctr"/>
+            <a:r>
+              <a:rPr lang="de-DE" dirty="0" err="1"/>
+              <a:t>Flatten</a:t>
+            </a:r>
+            <a:endParaRPr lang="de-DE" dirty="0"/>
+          </a:p>
+        </p:txBody>
+      </p:sp>
+      <p:sp>
+        <p:nvSpPr>
+          <p:cNvPr id="14" name="Rechteck 13">
+            <a:extLst>
+              <a:ext uri="{FF2B5EF4-FFF2-40B4-BE49-F238E27FC236}">
+                <a16:creationId xmlns:a16="http://schemas.microsoft.com/office/drawing/2014/main" id="{F01ADAFB-CD75-4193-95BF-ADF1B4B9475E}"/>
+              </a:ext>
+            </a:extLst>
+          </p:cNvPr>
+          <p:cNvSpPr/>
+          <p:nvPr/>
+        </p:nvSpPr>
+        <p:spPr>
+          <a:xfrm>
+            <a:off x="1095460" y="4750187"/>
+            <a:ext cx="7461310" cy="468775"/>
+          </a:xfrm>
+          <a:prstGeom prst="rect">
+            <a:avLst/>
+          </a:prstGeom>
+        </p:spPr>
+        <p:style>
+          <a:lnRef idx="1">
+            <a:schemeClr val="accent6"/>
+          </a:lnRef>
+          <a:fillRef idx="2">
+            <a:schemeClr val="accent6"/>
+          </a:fillRef>
+          <a:effectRef idx="1">
+            <a:schemeClr val="accent6"/>
+          </a:effectRef>
+          <a:fontRef idx="minor">
+            <a:schemeClr val="dk1"/>
+          </a:fontRef>
+        </p:style>
+        <p:txBody>
+          <a:bodyPr rtlCol="0" anchor="ctr"/>
+          <a:lstStyle/>
+          <a:p>
+            <a:pPr algn="ctr"/>
+            <a:r>
+              <a:rPr lang="de-DE" dirty="0"/>
+              <a:t>Batch </a:t>
+            </a:r>
+            <a:r>
+              <a:rPr lang="de-DE" dirty="0" err="1"/>
+              <a:t>Normalization</a:t>
+            </a:r>
+            <a:endParaRPr lang="de-DE" dirty="0"/>
+          </a:p>
+        </p:txBody>
+      </p:sp>
+      <p:sp>
+        <p:nvSpPr>
+          <p:cNvPr id="15" name="Rechteck 14">
+            <a:extLst>
+              <a:ext uri="{FF2B5EF4-FFF2-40B4-BE49-F238E27FC236}">
+                <a16:creationId xmlns:a16="http://schemas.microsoft.com/office/drawing/2014/main" id="{37A2C2C0-BF08-4CAF-B9E3-E6CF4C3D732F}"/>
+              </a:ext>
+            </a:extLst>
+          </p:cNvPr>
+          <p:cNvSpPr/>
+          <p:nvPr/>
+        </p:nvSpPr>
+        <p:spPr>
+          <a:xfrm>
+            <a:off x="1095460" y="5218961"/>
+            <a:ext cx="7461310" cy="468776"/>
+          </a:xfrm>
+          <a:prstGeom prst="rect">
+            <a:avLst/>
+          </a:prstGeom>
+          <a:ln>
+            <a:solidFill>
+              <a:schemeClr val="bg1">
+                <a:lumMod val="65000"/>
+              </a:schemeClr>
+            </a:solidFill>
+          </a:ln>
+        </p:spPr>
+        <p:style>
+          <a:lnRef idx="1">
+            <a:schemeClr val="dk1"/>
+          </a:lnRef>
+          <a:fillRef idx="2">
+            <a:schemeClr val="dk1"/>
+          </a:fillRef>
+          <a:effectRef idx="1">
+            <a:schemeClr val="dk1"/>
+          </a:effectRef>
+          <a:fontRef idx="minor">
+            <a:schemeClr val="dk1"/>
+          </a:fontRef>
+        </p:style>
+        <p:txBody>
+          <a:bodyPr rtlCol="0" anchor="ctr"/>
+          <a:lstStyle/>
+          <a:p>
+            <a:pPr algn="ctr"/>
+            <a:r>
+              <a:rPr lang="de-DE" dirty="0"/>
+              <a:t>Dropout (50%)</a:t>
+            </a:r>
+          </a:p>
+        </p:txBody>
+      </p:sp>
+      <p:sp>
+        <p:nvSpPr>
+          <p:cNvPr id="16" name="Rechteck 15">
+            <a:extLst>
+              <a:ext uri="{FF2B5EF4-FFF2-40B4-BE49-F238E27FC236}">
+                <a16:creationId xmlns:a16="http://schemas.microsoft.com/office/drawing/2014/main" id="{4AA73E59-8CF2-495B-A354-6B3E61220512}"/>
+              </a:ext>
+            </a:extLst>
+          </p:cNvPr>
+          <p:cNvSpPr/>
+          <p:nvPr/>
+        </p:nvSpPr>
+        <p:spPr>
+          <a:xfrm>
+            <a:off x="1095460" y="5687736"/>
+            <a:ext cx="7461310" cy="468775"/>
+          </a:xfrm>
+          <a:prstGeom prst="rect">
+            <a:avLst/>
+          </a:prstGeom>
+          <a:gradFill flip="none" rotWithShape="1">
+            <a:gsLst>
+              <a:gs pos="0">
+                <a:srgbClr val="7030A0">
+                  <a:tint val="66000"/>
+                  <a:satMod val="160000"/>
+                </a:srgbClr>
+              </a:gs>
+              <a:gs pos="50000">
+                <a:srgbClr val="7030A0">
+                  <a:tint val="44500"/>
+                  <a:satMod val="160000"/>
+                </a:srgbClr>
+              </a:gs>
+              <a:gs pos="100000">
+                <a:srgbClr val="7030A0">
+                  <a:tint val="23500"/>
+                  <a:satMod val="160000"/>
+                </a:srgbClr>
+              </a:gs>
+            </a:gsLst>
+            <a:path path="circle">
+              <a:fillToRect l="50000" t="50000" r="50000" b="50000"/>
+            </a:path>
+            <a:tileRect/>
+          </a:gradFill>
+          <a:ln>
+            <a:solidFill>
+              <a:srgbClr val="B686DA"/>
+            </a:solidFill>
+          </a:ln>
+        </p:spPr>
+        <p:style>
+          <a:lnRef idx="2">
+            <a:schemeClr val="accent6">
+              <a:shade val="50000"/>
+            </a:schemeClr>
+          </a:lnRef>
+          <a:fillRef idx="1">
+            <a:schemeClr val="accent6"/>
+          </a:fillRef>
+          <a:effectRef idx="0">
+            <a:schemeClr val="accent6"/>
+          </a:effectRef>
+          <a:fontRef idx="minor">
+            <a:schemeClr val="lt1"/>
+          </a:fontRef>
+        </p:style>
+        <p:txBody>
+          <a:bodyPr rtlCol="0" anchor="ctr"/>
+          <a:lstStyle/>
+          <a:p>
+            <a:pPr algn="ctr"/>
+            <a:r>
+              <a:rPr lang="de-DE" dirty="0" err="1">
+                <a:solidFill>
+                  <a:schemeClr val="tx1"/>
+                </a:solidFill>
+              </a:rPr>
+              <a:t>Dense</a:t>
+            </a:r>
+            <a:r>
+              <a:rPr lang="de-DE" dirty="0">
+                <a:solidFill>
+                  <a:schemeClr val="tx1"/>
+                </a:solidFill>
+              </a:rPr>
+              <a:t> (26)</a:t>
+            </a:r>
+          </a:p>
+        </p:txBody>
+      </p:sp>
+      <p:sp>
+        <p:nvSpPr>
+          <p:cNvPr id="17" name="Rechteck 16">
+            <a:extLst>
+              <a:ext uri="{FF2B5EF4-FFF2-40B4-BE49-F238E27FC236}">
+                <a16:creationId xmlns:a16="http://schemas.microsoft.com/office/drawing/2014/main" id="{04B3C19F-B669-4676-9221-12C92AF70E29}"/>
+              </a:ext>
+            </a:extLst>
+          </p:cNvPr>
+          <p:cNvSpPr/>
+          <p:nvPr/>
+        </p:nvSpPr>
+        <p:spPr>
+          <a:xfrm>
+            <a:off x="1095460" y="4289799"/>
+            <a:ext cx="7461310" cy="468775"/>
+          </a:xfrm>
+          <a:prstGeom prst="rect">
+            <a:avLst/>
+          </a:prstGeom>
+          <a:gradFill flip="none" rotWithShape="1">
+            <a:gsLst>
+              <a:gs pos="0">
+                <a:srgbClr val="7030A0">
+                  <a:tint val="66000"/>
+                  <a:satMod val="160000"/>
+                </a:srgbClr>
+              </a:gs>
+              <a:gs pos="50000">
+                <a:srgbClr val="7030A0">
+                  <a:tint val="44500"/>
+                  <a:satMod val="160000"/>
+                </a:srgbClr>
+              </a:gs>
+              <a:gs pos="100000">
+                <a:srgbClr val="7030A0">
+                  <a:tint val="23500"/>
+                  <a:satMod val="160000"/>
+                </a:srgbClr>
+              </a:gs>
+            </a:gsLst>
+            <a:path path="circle">
+              <a:fillToRect l="50000" t="50000" r="50000" b="50000"/>
+            </a:path>
+            <a:tileRect/>
+          </a:gradFill>
+          <a:ln>
+            <a:solidFill>
+              <a:srgbClr val="B686DA"/>
+            </a:solidFill>
+          </a:ln>
+        </p:spPr>
+        <p:style>
+          <a:lnRef idx="2">
+            <a:schemeClr val="accent6">
+              <a:shade val="50000"/>
+            </a:schemeClr>
+          </a:lnRef>
+          <a:fillRef idx="1">
+            <a:schemeClr val="accent6"/>
+          </a:fillRef>
+          <a:effectRef idx="0">
+            <a:schemeClr val="accent6"/>
+          </a:effectRef>
+          <a:fontRef idx="minor">
+            <a:schemeClr val="lt1"/>
+          </a:fontRef>
+        </p:style>
+        <p:txBody>
+          <a:bodyPr rtlCol="0" anchor="ctr"/>
+          <a:lstStyle/>
+          <a:p>
+            <a:pPr algn="ctr"/>
+            <a:r>
+              <a:rPr lang="de-DE" dirty="0" err="1">
+                <a:solidFill>
+                  <a:schemeClr val="tx1"/>
+                </a:solidFill>
+              </a:rPr>
+              <a:t>Dense</a:t>
+            </a:r>
+            <a:r>
+              <a:rPr lang="de-DE" dirty="0">
+                <a:solidFill>
+                  <a:schemeClr val="tx1"/>
+                </a:solidFill>
+              </a:rPr>
+              <a:t> (1024)</a:t>
+            </a:r>
+          </a:p>
+        </p:txBody>
+      </p:sp>
+      <p:sp>
+        <p:nvSpPr>
+          <p:cNvPr id="18" name="Geschweifte Klammer rechts 17">
+            <a:extLst>
+              <a:ext uri="{FF2B5EF4-FFF2-40B4-BE49-F238E27FC236}">
+                <a16:creationId xmlns:a16="http://schemas.microsoft.com/office/drawing/2014/main" id="{BA92836A-66F0-4A8E-ACCF-F170CBA3EE3C}"/>
+              </a:ext>
+            </a:extLst>
+          </p:cNvPr>
+          <p:cNvSpPr/>
+          <p:nvPr/>
+        </p:nvSpPr>
+        <p:spPr>
+          <a:xfrm>
+            <a:off x="9286614" y="2378268"/>
+            <a:ext cx="352337" cy="1425981"/>
+          </a:xfrm>
+          <a:prstGeom prst="rightBrace">
+            <a:avLst/>
+          </a:prstGeom>
+          <a:noFill/>
+          <a:ln>
+            <a:solidFill>
+              <a:schemeClr val="tx1"/>
+            </a:solidFill>
+          </a:ln>
+        </p:spPr>
+        <p:style>
+          <a:lnRef idx="1">
+            <a:schemeClr val="accent1"/>
+          </a:lnRef>
+          <a:fillRef idx="0">
+            <a:schemeClr val="accent1"/>
+          </a:fillRef>
+          <a:effectRef idx="0">
+            <a:schemeClr val="accent1"/>
+          </a:effectRef>
+          <a:fontRef idx="minor">
+            <a:schemeClr val="tx1"/>
+          </a:fontRef>
+        </p:style>
+        <p:txBody>
+          <a:bodyPr rtlCol="0" anchor="ctr"/>
+          <a:lstStyle/>
+          <a:p>
+            <a:pPr algn="ctr"/>
+            <a:endParaRPr lang="de-DE"/>
+          </a:p>
+        </p:txBody>
+      </p:sp>
+      <p:sp>
+        <p:nvSpPr>
+          <p:cNvPr id="19" name="Textfeld 18">
+            <a:extLst>
+              <a:ext uri="{FF2B5EF4-FFF2-40B4-BE49-F238E27FC236}">
+                <a16:creationId xmlns:a16="http://schemas.microsoft.com/office/drawing/2014/main" id="{79EC732D-C395-4E4A-A08B-1E374CBD8115}"/>
+              </a:ext>
+            </a:extLst>
+          </p:cNvPr>
+          <p:cNvSpPr txBox="1"/>
+          <p:nvPr/>
+        </p:nvSpPr>
+        <p:spPr>
+          <a:xfrm>
+            <a:off x="9638951" y="2906592"/>
+            <a:ext cx="872455" cy="369332"/>
+          </a:xfrm>
+          <a:prstGeom prst="rect">
+            <a:avLst/>
+          </a:prstGeom>
+          <a:noFill/>
+        </p:spPr>
+        <p:txBody>
+          <a:bodyPr wrap="square" rtlCol="0">
+            <a:spAutoFit/>
+          </a:bodyPr>
+          <a:lstStyle/>
+          <a:p>
+            <a:r>
+              <a:rPr lang="de-DE" dirty="0"/>
+              <a:t>5x</a:t>
+            </a:r>
           </a:p>
         </p:txBody>
       </p:sp>

--- a/project/Präsentation CV-Prak [Di].pptx
+++ b/project/Präsentation CV-Prak [Di].pptx
@@ -9086,9 +9086,10 @@
           <a:lstStyle/>
           <a:p>
             <a:r>
-              <a:rPr lang="de-DE" dirty="0"/>
-              <a:t>CNN - Model (1)</a:t>
-            </a:r>
+              <a:rPr lang="de-DE"/>
+              <a:t>CNN – Model (1)</a:t>
+            </a:r>
+            <a:endParaRPr lang="de-DE" dirty="0"/>
           </a:p>
         </p:txBody>
       </p:sp>

--- a/project/Präsentation CV-Prak [Di].pptx
+++ b/project/Präsentation CV-Prak [Di].pptx
@@ -4727,7 +4727,7 @@
           <a:p>
             <a:r>
               <a:rPr lang="de-DE" dirty="0"/>
-              <a:t>Input Size: ~1600 je Klasse </a:t>
+              <a:t>Input Size: ~1600 je Klasse</a:t>
             </a:r>
           </a:p>
           <a:p>
@@ -5960,8 +5960,8 @@
           </a:p>
         </p:txBody>
       </p:sp>
-      <mc:AlternateContent xmlns:mc="http://schemas.openxmlformats.org/markup-compatibility/2006" xmlns:a14="http://schemas.microsoft.com/office/drawing/2010/main">
-        <mc:Choice Requires="a14">
+      <mc:AlternateContent xmlns:mc="http://schemas.openxmlformats.org/markup-compatibility/2006">
+        <mc:Choice xmlns:a14="http://schemas.microsoft.com/office/drawing/2010/main" Requires="a14">
           <p:sp>
             <p:nvSpPr>
               <p:cNvPr id="3" name="Inhaltsplatzhalter 2">
@@ -6016,8 +6016,13 @@
               <a:p>
                 <a:r>
                   <a:rPr lang="de-DE" dirty="0"/>
-                  <a:t>CNN bringt wie erwartet deutlich bessere Ergebnisse</a:t>
+                  <a:t>CNN bringt wie erwartet deutlich bessere Ergebnisse (82</a:t>
                 </a:r>
+                <a:r>
+                  <a:rPr lang="de-DE"/>
+                  <a:t>% zu 98%)</a:t>
+                </a:r>
+                <a:endParaRPr lang="de-DE" dirty="0"/>
               </a:p>
               <a:p>
                 <a:endParaRPr lang="de-DE" dirty="0"/>
@@ -6034,7 +6039,7 @@
             </p:txBody>
           </p:sp>
         </mc:Choice>
-        <mc:Fallback xmlns="">
+        <mc:Fallback>
           <p:sp>
             <p:nvSpPr>
               <p:cNvPr id="3" name="Inhaltsplatzhalter 2">
@@ -6064,7 +6069,7 @@
               <a:lstStyle/>
               <a:p>
                 <a:r>
-                  <a:rPr lang="en-US">
+                  <a:rPr lang="de-DE">
                     <a:noFill/>
                   </a:rPr>
                   <a:t> </a:t>
